--- a/Py Web Unit2e.pptx
+++ b/Py Web Unit2e.pptx
@@ -9,14 +9,15 @@
     <p:sldId id="310" r:id="rId3"/>
     <p:sldId id="311" r:id="rId4"/>
     <p:sldId id="312" r:id="rId5"/>
-    <p:sldId id="314" r:id="rId6"/>
-    <p:sldId id="313" r:id="rId7"/>
-    <p:sldId id="315" r:id="rId8"/>
-    <p:sldId id="316" r:id="rId9"/>
+    <p:sldId id="320" r:id="rId6"/>
+    <p:sldId id="314" r:id="rId7"/>
+    <p:sldId id="313" r:id="rId8"/>
+    <p:sldId id="315" r:id="rId9"/>
     <p:sldId id="317" r:id="rId10"/>
-    <p:sldId id="318" r:id="rId11"/>
-    <p:sldId id="319" r:id="rId12"/>
-    <p:sldId id="309" r:id="rId13"/>
+    <p:sldId id="316" r:id="rId11"/>
+    <p:sldId id="318" r:id="rId12"/>
+    <p:sldId id="319" r:id="rId13"/>
+    <p:sldId id="309" r:id="rId14"/>
   </p:sldIdLst>
   <p:sldSz cx="12192000" cy="6858000"/>
   <p:notesSz cx="6858000" cy="9144000"/>
@@ -126,7 +127,7 @@
 <file path=ppt/revisionInfo.xml><?xml version="1.0" encoding="utf-8"?>
 <p1510:revInfo xmlns:a="http://schemas.openxmlformats.org/drawingml/2006/main" xmlns:r="http://schemas.openxmlformats.org/officeDocument/2006/relationships" xmlns:p1510="http://schemas.microsoft.com/office/powerpoint/2015/10/main">
   <p1510:revLst>
-    <p1510:client id="{6CC3D90D-8118-4F8B-A993-017911A0DDAA}" v="62" dt="2021-09-12T07:21:47.862"/>
+    <p1510:client id="{6CC3D90D-8118-4F8B-A993-017911A0DDAA}" v="69" dt="2021-11-16T09:27:53.595"/>
   </p1510:revLst>
 </p1510:revInfo>
 </file>
@@ -2675,8 +2676,8 @@
   </pc:docChgLst>
   <pc:docChgLst>
     <pc:chgData name="Li Lixiang" userId="6104bbfcb56aea79" providerId="LiveId" clId="{6CC3D90D-8118-4F8B-A993-017911A0DDAA}"/>
-    <pc:docChg chg="undo custSel addSld delSld modSld">
-      <pc:chgData name="Li Lixiang" userId="6104bbfcb56aea79" providerId="LiveId" clId="{6CC3D90D-8118-4F8B-A993-017911A0DDAA}" dt="2021-09-12T07:28:55.610" v="4277" actId="1038"/>
+    <pc:docChg chg="undo custSel addSld delSld modSld sldOrd">
+      <pc:chgData name="Li Lixiang" userId="6104bbfcb56aea79" providerId="LiveId" clId="{6CC3D90D-8118-4F8B-A993-017911A0DDAA}" dt="2021-11-16T09:28:00.693" v="4768" actId="14100"/>
       <pc:docMkLst>
         <pc:docMk/>
       </pc:docMkLst>
@@ -2828,7 +2829,7 @@
         </pc:sldMkLst>
       </pc:sldChg>
       <pc:sldChg chg="modSp mod">
-        <pc:chgData name="Li Lixiang" userId="6104bbfcb56aea79" providerId="LiveId" clId="{6CC3D90D-8118-4F8B-A993-017911A0DDAA}" dt="2021-09-11T04:25:28.381" v="2774" actId="20577"/>
+        <pc:chgData name="Li Lixiang" userId="6104bbfcb56aea79" providerId="LiveId" clId="{6CC3D90D-8118-4F8B-A993-017911A0DDAA}" dt="2021-11-09T02:46:07.656" v="4421" actId="20577"/>
         <pc:sldMkLst>
           <pc:docMk/>
           <pc:sldMk cId="3616968247" sldId="309"/>
@@ -2841,15 +2842,31 @@
             <ac:spMk id="2" creationId="{EF2614DD-D210-414D-AC9D-76C6FE1F95A2}"/>
           </ac:spMkLst>
         </pc:spChg>
+        <pc:spChg chg="mod">
+          <ac:chgData name="Li Lixiang" userId="6104bbfcb56aea79" providerId="LiveId" clId="{6CC3D90D-8118-4F8B-A993-017911A0DDAA}" dt="2021-11-09T02:46:07.656" v="4421" actId="20577"/>
+          <ac:spMkLst>
+            <pc:docMk/>
+            <pc:sldMk cId="3616968247" sldId="309"/>
+            <ac:spMk id="4" creationId="{BA93C888-8601-4F8C-AFE5-B281603157AF}"/>
+          </ac:spMkLst>
+        </pc:spChg>
+        <pc:spChg chg="mod">
+          <ac:chgData name="Li Lixiang" userId="6104bbfcb56aea79" providerId="LiveId" clId="{6CC3D90D-8118-4F8B-A993-017911A0DDAA}" dt="2021-10-18T04:27:36.298" v="4336" actId="20577"/>
+          <ac:spMkLst>
+            <pc:docMk/>
+            <pc:sldMk cId="3616968247" sldId="309"/>
+            <ac:spMk id="5" creationId="{8701067B-6168-4936-8855-20D516C2BE3E}"/>
+          </ac:spMkLst>
+        </pc:spChg>
       </pc:sldChg>
       <pc:sldChg chg="modSp new mod">
-        <pc:chgData name="Li Lixiang" userId="6104bbfcb56aea79" providerId="LiveId" clId="{6CC3D90D-8118-4F8B-A993-017911A0DDAA}" dt="2021-09-10T12:57:17.447" v="1113" actId="20577"/>
+        <pc:chgData name="Li Lixiang" userId="6104bbfcb56aea79" providerId="LiveId" clId="{6CC3D90D-8118-4F8B-A993-017911A0DDAA}" dt="2021-11-15T12:13:27.326" v="4455" actId="20577"/>
         <pc:sldMkLst>
           <pc:docMk/>
           <pc:sldMk cId="3994271121" sldId="310"/>
         </pc:sldMkLst>
         <pc:spChg chg="mod">
-          <ac:chgData name="Li Lixiang" userId="6104bbfcb56aea79" providerId="LiveId" clId="{6CC3D90D-8118-4F8B-A993-017911A0DDAA}" dt="2021-09-10T12:57:17.447" v="1113" actId="20577"/>
+          <ac:chgData name="Li Lixiang" userId="6104bbfcb56aea79" providerId="LiveId" clId="{6CC3D90D-8118-4F8B-A993-017911A0DDAA}" dt="2021-11-15T12:13:27.326" v="4455" actId="20577"/>
           <ac:spMkLst>
             <pc:docMk/>
             <pc:sldMk cId="3994271121" sldId="310"/>
@@ -2865,8 +2882,8 @@
           </ac:spMkLst>
         </pc:spChg>
       </pc:sldChg>
-      <pc:sldChg chg="addSp modSp new mod">
-        <pc:chgData name="Li Lixiang" userId="6104bbfcb56aea79" providerId="LiveId" clId="{6CC3D90D-8118-4F8B-A993-017911A0DDAA}" dt="2021-09-12T07:28:55.610" v="4277" actId="1038"/>
+      <pc:sldChg chg="addSp delSp modSp new mod">
+        <pc:chgData name="Li Lixiang" userId="6104bbfcb56aea79" providerId="LiveId" clId="{6CC3D90D-8118-4F8B-A993-017911A0DDAA}" dt="2021-11-15T05:38:51.811" v="4449" actId="1076"/>
         <pc:sldMkLst>
           <pc:docMk/>
           <pc:sldMk cId="1863198769" sldId="311"/>
@@ -2880,23 +2897,23 @@
           </ac:spMkLst>
         </pc:spChg>
         <pc:spChg chg="mod">
-          <ac:chgData name="Li Lixiang" userId="6104bbfcb56aea79" providerId="LiveId" clId="{6CC3D90D-8118-4F8B-A993-017911A0DDAA}" dt="2021-09-12T07:21:39.344" v="4246" actId="14100"/>
+          <ac:chgData name="Li Lixiang" userId="6104bbfcb56aea79" providerId="LiveId" clId="{6CC3D90D-8118-4F8B-A993-017911A0DDAA}" dt="2021-11-15T05:38:40.600" v="4446" actId="27636"/>
           <ac:spMkLst>
             <pc:docMk/>
             <pc:sldMk cId="1863198769" sldId="311"/>
             <ac:spMk id="3" creationId="{141304BE-6BF6-4A85-92C6-F79F868F3080}"/>
           </ac:spMkLst>
         </pc:spChg>
-        <pc:spChg chg="add mod">
-          <ac:chgData name="Li Lixiang" userId="6104bbfcb56aea79" providerId="LiveId" clId="{6CC3D90D-8118-4F8B-A993-017911A0DDAA}" dt="2021-09-12T07:28:55.610" v="4277" actId="1038"/>
+        <pc:spChg chg="add del mod ord">
+          <ac:chgData name="Li Lixiang" userId="6104bbfcb56aea79" providerId="LiveId" clId="{6CC3D90D-8118-4F8B-A993-017911A0DDAA}" dt="2021-09-26T06:06:56.881" v="4286" actId="478"/>
           <ac:spMkLst>
             <pc:docMk/>
             <pc:sldMk cId="1863198769" sldId="311"/>
             <ac:spMk id="4" creationId="{D8059DE7-D4C8-4EE9-8D70-A7C8DDE77EB9}"/>
           </ac:spMkLst>
         </pc:spChg>
-        <pc:spChg chg="add mod">
-          <ac:chgData name="Li Lixiang" userId="6104bbfcb56aea79" providerId="LiveId" clId="{6CC3D90D-8118-4F8B-A993-017911A0DDAA}" dt="2021-09-11T03:26:03.276" v="1324" actId="1037"/>
+        <pc:spChg chg="add mod ord">
+          <ac:chgData name="Li Lixiang" userId="6104bbfcb56aea79" providerId="LiveId" clId="{6CC3D90D-8118-4F8B-A993-017911A0DDAA}" dt="2021-11-15T05:38:51.811" v="4449" actId="1076"/>
           <ac:spMkLst>
             <pc:docMk/>
             <pc:sldMk cId="1863198769" sldId="311"/>
@@ -2904,24 +2921,32 @@
           </ac:spMkLst>
         </pc:spChg>
         <pc:spChg chg="add mod">
-          <ac:chgData name="Li Lixiang" userId="6104bbfcb56aea79" providerId="LiveId" clId="{6CC3D90D-8118-4F8B-A993-017911A0DDAA}" dt="2021-09-11T03:45:55.827" v="1646" actId="1076"/>
+          <ac:chgData name="Li Lixiang" userId="6104bbfcb56aea79" providerId="LiveId" clId="{6CC3D90D-8118-4F8B-A993-017911A0DDAA}" dt="2021-11-15T05:38:43.669" v="4447" actId="1076"/>
           <ac:spMkLst>
             <pc:docMk/>
             <pc:sldMk cId="1863198769" sldId="311"/>
             <ac:spMk id="7" creationId="{00A0554A-8382-4E84-B6A5-C67034CA0E73}"/>
           </ac:spMkLst>
         </pc:spChg>
-        <pc:picChg chg="add mod">
-          <ac:chgData name="Li Lixiang" userId="6104bbfcb56aea79" providerId="LiveId" clId="{6CC3D90D-8118-4F8B-A993-017911A0DDAA}" dt="2021-09-12T07:22:26.715" v="4254" actId="1076"/>
+        <pc:picChg chg="add del mod">
+          <ac:chgData name="Li Lixiang" userId="6104bbfcb56aea79" providerId="LiveId" clId="{6CC3D90D-8118-4F8B-A993-017911A0DDAA}" dt="2021-09-26T06:06:20.535" v="4278" actId="478"/>
           <ac:picMkLst>
             <pc:docMk/>
             <pc:sldMk cId="1863198769" sldId="311"/>
             <ac:picMk id="5" creationId="{E9B8DA7C-0123-4C49-BBC9-8CB71EF026DD}"/>
           </ac:picMkLst>
         </pc:picChg>
+        <pc:picChg chg="add mod ord">
+          <ac:chgData name="Li Lixiang" userId="6104bbfcb56aea79" providerId="LiveId" clId="{6CC3D90D-8118-4F8B-A993-017911A0DDAA}" dt="2021-11-15T05:38:45.605" v="4448" actId="1076"/>
+          <ac:picMkLst>
+            <pc:docMk/>
+            <pc:sldMk cId="1863198769" sldId="311"/>
+            <ac:picMk id="9" creationId="{073EB200-55BF-4461-B9BB-11CF594F169D}"/>
+          </ac:picMkLst>
+        </pc:picChg>
       </pc:sldChg>
       <pc:sldChg chg="addSp delSp modSp new mod">
-        <pc:chgData name="Li Lixiang" userId="6104bbfcb56aea79" providerId="LiveId" clId="{6CC3D90D-8118-4F8B-A993-017911A0DDAA}" dt="2021-09-11T03:59:53.207" v="2423" actId="1038"/>
+        <pc:chgData name="Li Lixiang" userId="6104bbfcb56aea79" providerId="LiveId" clId="{6CC3D90D-8118-4F8B-A993-017911A0DDAA}" dt="2021-11-16T07:52:04.494" v="4611" actId="207"/>
         <pc:sldMkLst>
           <pc:docMk/>
           <pc:sldMk cId="3125501235" sldId="312"/>
@@ -2935,7 +2960,7 @@
           </ac:spMkLst>
         </pc:spChg>
         <pc:spChg chg="mod">
-          <ac:chgData name="Li Lixiang" userId="6104bbfcb56aea79" providerId="LiveId" clId="{6CC3D90D-8118-4F8B-A993-017911A0DDAA}" dt="2021-09-11T03:47:46.902" v="1714" actId="6549"/>
+          <ac:chgData name="Li Lixiang" userId="6104bbfcb56aea79" providerId="LiveId" clId="{6CC3D90D-8118-4F8B-A993-017911A0DDAA}" dt="2021-11-16T07:51:40.398" v="4607" actId="20577"/>
           <ac:spMkLst>
             <pc:docMk/>
             <pc:sldMk cId="3125501235" sldId="312"/>
@@ -2943,7 +2968,15 @@
           </ac:spMkLst>
         </pc:spChg>
         <pc:spChg chg="add mod">
-          <ac:chgData name="Li Lixiang" userId="6104bbfcb56aea79" providerId="LiveId" clId="{6CC3D90D-8118-4F8B-A993-017911A0DDAA}" dt="2021-09-11T03:48:08.557" v="1718" actId="207"/>
+          <ac:chgData name="Li Lixiang" userId="6104bbfcb56aea79" providerId="LiveId" clId="{6CC3D90D-8118-4F8B-A993-017911A0DDAA}" dt="2021-11-16T07:52:04.494" v="4611" actId="207"/>
+          <ac:spMkLst>
+            <pc:docMk/>
+            <pc:sldMk cId="3125501235" sldId="312"/>
+            <ac:spMk id="7" creationId="{3B5F57CB-84FE-4A50-B1DF-4C7B33993149}"/>
+          </ac:spMkLst>
+        </pc:spChg>
+        <pc:spChg chg="add del mod">
+          <ac:chgData name="Li Lixiang" userId="6104bbfcb56aea79" providerId="LiveId" clId="{6CC3D90D-8118-4F8B-A993-017911A0DDAA}" dt="2021-11-16T07:51:23.443" v="4599" actId="478"/>
           <ac:spMkLst>
             <pc:docMk/>
             <pc:sldMk cId="3125501235" sldId="312"/>
@@ -2958,6 +2991,14 @@
             <ac:picMk id="5" creationId="{EA7B274C-8DFD-49D4-9016-E11B267FDA81}"/>
           </ac:picMkLst>
         </pc:picChg>
+        <pc:picChg chg="add mod modCrop">
+          <ac:chgData name="Li Lixiang" userId="6104bbfcb56aea79" providerId="LiveId" clId="{6CC3D90D-8118-4F8B-A993-017911A0DDAA}" dt="2021-11-16T07:51:52.898" v="4609" actId="1076"/>
+          <ac:picMkLst>
+            <pc:docMk/>
+            <pc:sldMk cId="3125501235" sldId="312"/>
+            <ac:picMk id="6" creationId="{0C2A7E14-2B11-471C-8718-158DCC4846F6}"/>
+          </ac:picMkLst>
+        </pc:picChg>
         <pc:picChg chg="add del mod">
           <ac:chgData name="Li Lixiang" userId="6104bbfcb56aea79" providerId="LiveId" clId="{6CC3D90D-8118-4F8B-A993-017911A0DDAA}" dt="2021-09-11T03:59:25.873" v="2369" actId="478"/>
           <ac:picMkLst>
@@ -2966,8 +3007,8 @@
             <ac:picMk id="7" creationId="{291C76B8-E901-4AB0-B794-3DFF4963B2DA}"/>
           </ac:picMkLst>
         </pc:picChg>
-        <pc:picChg chg="add mod ord">
-          <ac:chgData name="Li Lixiang" userId="6104bbfcb56aea79" providerId="LiveId" clId="{6CC3D90D-8118-4F8B-A993-017911A0DDAA}" dt="2021-09-11T03:59:53.207" v="2423" actId="1038"/>
+        <pc:picChg chg="add del mod ord">
+          <ac:chgData name="Li Lixiang" userId="6104bbfcb56aea79" providerId="LiveId" clId="{6CC3D90D-8118-4F8B-A993-017911A0DDAA}" dt="2021-11-16T07:51:23.443" v="4599" actId="478"/>
           <ac:picMkLst>
             <pc:docMk/>
             <pc:sldMk cId="3125501235" sldId="312"/>
@@ -3101,7 +3142,7 @@
         </pc:sldMkLst>
       </pc:sldChg>
       <pc:sldChg chg="addSp modSp new mod">
-        <pc:chgData name="Li Lixiang" userId="6104bbfcb56aea79" providerId="LiveId" clId="{6CC3D90D-8118-4F8B-A993-017911A0DDAA}" dt="2021-09-11T06:46:57.260" v="3202" actId="20577"/>
+        <pc:chgData name="Li Lixiang" userId="6104bbfcb56aea79" providerId="LiveId" clId="{6CC3D90D-8118-4F8B-A993-017911A0DDAA}" dt="2021-11-16T09:25:13.920" v="4754" actId="208"/>
         <pc:sldMkLst>
           <pc:docMk/>
           <pc:sldMk cId="4222901175" sldId="315"/>
@@ -3115,7 +3156,7 @@
           </ac:spMkLst>
         </pc:spChg>
         <pc:spChg chg="mod">
-          <ac:chgData name="Li Lixiang" userId="6104bbfcb56aea79" providerId="LiveId" clId="{6CC3D90D-8118-4F8B-A993-017911A0DDAA}" dt="2021-09-11T06:46:57.260" v="3202" actId="20577"/>
+          <ac:chgData name="Li Lixiang" userId="6104bbfcb56aea79" providerId="LiveId" clId="{6CC3D90D-8118-4F8B-A993-017911A0DDAA}" dt="2021-11-09T02:42:12.560" v="4395" actId="20577"/>
           <ac:spMkLst>
             <pc:docMk/>
             <pc:sldMk cId="4222901175" sldId="315"/>
@@ -3123,7 +3164,15 @@
           </ac:spMkLst>
         </pc:spChg>
         <pc:spChg chg="add mod">
-          <ac:chgData name="Li Lixiang" userId="6104bbfcb56aea79" providerId="LiveId" clId="{6CC3D90D-8118-4F8B-A993-017911A0DDAA}" dt="2021-09-11T06:46:38.934" v="3177" actId="14100"/>
+          <ac:chgData name="Li Lixiang" userId="6104bbfcb56aea79" providerId="LiveId" clId="{6CC3D90D-8118-4F8B-A993-017911A0DDAA}" dt="2021-11-16T09:24:54.362" v="4752" actId="20577"/>
+          <ac:spMkLst>
+            <pc:docMk/>
+            <pc:sldMk cId="4222901175" sldId="315"/>
+            <ac:spMk id="10" creationId="{DF6F27BB-10BD-4D3E-8190-7DC663143873}"/>
+          </ac:spMkLst>
+        </pc:spChg>
+        <pc:spChg chg="add mod">
+          <ac:chgData name="Li Lixiang" userId="6104bbfcb56aea79" providerId="LiveId" clId="{6CC3D90D-8118-4F8B-A993-017911A0DDAA}" dt="2021-11-16T09:23:43.496" v="4620" actId="1035"/>
           <ac:spMkLst>
             <pc:docMk/>
             <pc:sldMk cId="4222901175" sldId="315"/>
@@ -3155,16 +3204,24 @@
           </ac:picMkLst>
         </pc:picChg>
         <pc:picChg chg="add mod">
-          <ac:chgData name="Li Lixiang" userId="6104bbfcb56aea79" providerId="LiveId" clId="{6CC3D90D-8118-4F8B-A993-017911A0DDAA}" dt="2021-09-11T04:34:55.055" v="3169" actId="1076"/>
+          <ac:chgData name="Li Lixiang" userId="6104bbfcb56aea79" providerId="LiveId" clId="{6CC3D90D-8118-4F8B-A993-017911A0DDAA}" dt="2021-11-16T09:23:43.496" v="4620" actId="1035"/>
           <ac:picMkLst>
             <pc:docMk/>
             <pc:sldMk cId="4222901175" sldId="315"/>
             <ac:picMk id="11" creationId="{BCB8F241-42D3-45B5-A5F9-0AD2E00D14A5}"/>
           </ac:picMkLst>
         </pc:picChg>
-      </pc:sldChg>
-      <pc:sldChg chg="addSp modSp new mod">
-        <pc:chgData name="Li Lixiang" userId="6104bbfcb56aea79" providerId="LiveId" clId="{6CC3D90D-8118-4F8B-A993-017911A0DDAA}" dt="2021-09-11T06:50:50.857" v="3585" actId="1037"/>
+        <pc:cxnChg chg="add mod">
+          <ac:chgData name="Li Lixiang" userId="6104bbfcb56aea79" providerId="LiveId" clId="{6CC3D90D-8118-4F8B-A993-017911A0DDAA}" dt="2021-11-16T09:25:13.920" v="4754" actId="208"/>
+          <ac:cxnSpMkLst>
+            <pc:docMk/>
+            <pc:sldMk cId="4222901175" sldId="315"/>
+            <ac:cxnSpMk id="6" creationId="{F70DC16E-EDD9-4C9F-B1C2-143403AF4C84}"/>
+          </ac:cxnSpMkLst>
+        </pc:cxnChg>
+      </pc:sldChg>
+      <pc:sldChg chg="addSp delSp modSp new mod">
+        <pc:chgData name="Li Lixiang" userId="6104bbfcb56aea79" providerId="LiveId" clId="{6CC3D90D-8118-4F8B-A993-017911A0DDAA}" dt="2021-11-16T09:26:25.316" v="4765" actId="1076"/>
         <pc:sldMkLst>
           <pc:docMk/>
           <pc:sldMk cId="3127263991" sldId="316"/>
@@ -3193,6 +3250,14 @@
             <ac:spMk id="4" creationId="{F24AFF98-FBF3-4922-A6AA-0AC8D5EB137E}"/>
           </ac:spMkLst>
         </pc:spChg>
+        <pc:spChg chg="add del mod">
+          <ac:chgData name="Li Lixiang" userId="6104bbfcb56aea79" providerId="LiveId" clId="{6CC3D90D-8118-4F8B-A993-017911A0DDAA}" dt="2021-11-16T09:25:32.529" v="4756"/>
+          <ac:spMkLst>
+            <pc:docMk/>
+            <pc:sldMk cId="3127263991" sldId="316"/>
+            <ac:spMk id="8" creationId="{B7EEBFA1-D977-4BEE-B3C4-C9D6F56C84E3}"/>
+          </ac:spMkLst>
+        </pc:spChg>
         <pc:spChg chg="add mod">
           <ac:chgData name="Li Lixiang" userId="6104bbfcb56aea79" providerId="LiveId" clId="{6CC3D90D-8118-4F8B-A993-017911A0DDAA}" dt="2021-09-11T06:50:50.857" v="3585" actId="1037"/>
           <ac:spMkLst>
@@ -3201,6 +3266,14 @@
             <ac:spMk id="9" creationId="{001702C2-6010-41B0-9BE6-C4E76B123348}"/>
           </ac:spMkLst>
         </pc:spChg>
+        <pc:spChg chg="add mod">
+          <ac:chgData name="Li Lixiang" userId="6104bbfcb56aea79" providerId="LiveId" clId="{6CC3D90D-8118-4F8B-A993-017911A0DDAA}" dt="2021-11-16T09:26:21.635" v="4764" actId="1076"/>
+          <ac:spMkLst>
+            <pc:docMk/>
+            <pc:sldMk cId="3127263991" sldId="316"/>
+            <ac:spMk id="11" creationId="{5D64BDE0-AAD0-4A37-A505-91DDADC92866}"/>
+          </ac:spMkLst>
+        </pc:spChg>
         <pc:picChg chg="add mod">
           <ac:chgData name="Li Lixiang" userId="6104bbfcb56aea79" providerId="LiveId" clId="{6CC3D90D-8118-4F8B-A993-017911A0DDAA}" dt="2021-09-11T06:49:39.035" v="3489" actId="1076"/>
           <ac:picMkLst>
@@ -3209,17 +3282,41 @@
             <ac:picMk id="6" creationId="{F8505C60-EF9E-44F8-BBCF-7ED9360D0426}"/>
           </ac:picMkLst>
         </pc:picChg>
-        <pc:picChg chg="add mod">
-          <ac:chgData name="Li Lixiang" userId="6104bbfcb56aea79" providerId="LiveId" clId="{6CC3D90D-8118-4F8B-A993-017911A0DDAA}" dt="2021-09-11T06:50:50.857" v="3585" actId="1037"/>
+        <pc:picChg chg="add mod ord">
+          <ac:chgData name="Li Lixiang" userId="6104bbfcb56aea79" providerId="LiveId" clId="{6CC3D90D-8118-4F8B-A993-017911A0DDAA}" dt="2021-09-26T06:08:03.777" v="4291" actId="1076"/>
+          <ac:picMkLst>
+            <pc:docMk/>
+            <pc:sldMk cId="3127263991" sldId="316"/>
+            <ac:picMk id="7" creationId="{491A4B7B-C346-40A0-BE21-71CD56C94CD5}"/>
+          </ac:picMkLst>
+        </pc:picChg>
+        <pc:picChg chg="add del mod">
+          <ac:chgData name="Li Lixiang" userId="6104bbfcb56aea79" providerId="LiveId" clId="{6CC3D90D-8118-4F8B-A993-017911A0DDAA}" dt="2021-09-26T06:07:54.458" v="4288" actId="478"/>
           <ac:picMkLst>
             <pc:docMk/>
             <pc:sldMk cId="3127263991" sldId="316"/>
             <ac:picMk id="8" creationId="{A9FA8B80-C077-44DC-B949-9C8208C8A204}"/>
           </ac:picMkLst>
         </pc:picChg>
-      </pc:sldChg>
-      <pc:sldChg chg="addSp delSp modSp add mod">
-        <pc:chgData name="Li Lixiang" userId="6104bbfcb56aea79" providerId="LiveId" clId="{6CC3D90D-8118-4F8B-A993-017911A0DDAA}" dt="2021-09-11T06:51:54.132" v="3638" actId="14100"/>
+        <pc:cxnChg chg="add del mod">
+          <ac:chgData name="Li Lixiang" userId="6104bbfcb56aea79" providerId="LiveId" clId="{6CC3D90D-8118-4F8B-A993-017911A0DDAA}" dt="2021-11-16T09:25:32.529" v="4756"/>
+          <ac:cxnSpMkLst>
+            <pc:docMk/>
+            <pc:sldMk cId="3127263991" sldId="316"/>
+            <ac:cxnSpMk id="10" creationId="{19FE9046-4B2F-4D7F-9C92-21889C535B51}"/>
+          </ac:cxnSpMkLst>
+        </pc:cxnChg>
+        <pc:cxnChg chg="add mod">
+          <ac:chgData name="Li Lixiang" userId="6104bbfcb56aea79" providerId="LiveId" clId="{6CC3D90D-8118-4F8B-A993-017911A0DDAA}" dt="2021-11-16T09:26:25.316" v="4765" actId="1076"/>
+          <ac:cxnSpMkLst>
+            <pc:docMk/>
+            <pc:sldMk cId="3127263991" sldId="316"/>
+            <ac:cxnSpMk id="12" creationId="{C13826DE-B1A3-4CB6-87B5-E0F0735E8487}"/>
+          </ac:cxnSpMkLst>
+        </pc:cxnChg>
+      </pc:sldChg>
+      <pc:sldChg chg="addSp delSp modSp add mod ord">
+        <pc:chgData name="Li Lixiang" userId="6104bbfcb56aea79" providerId="LiveId" clId="{6CC3D90D-8118-4F8B-A993-017911A0DDAA}" dt="2021-11-16T09:25:47.617" v="4761"/>
         <pc:sldMkLst>
           <pc:docMk/>
           <pc:sldMk cId="2298238761" sldId="317"/>
@@ -3248,6 +3345,14 @@
             <ac:spMk id="4" creationId="{F24AFF98-FBF3-4922-A6AA-0AC8D5EB137E}"/>
           </ac:spMkLst>
         </pc:spChg>
+        <pc:spChg chg="add mod">
+          <ac:chgData name="Li Lixiang" userId="6104bbfcb56aea79" providerId="LiveId" clId="{6CC3D90D-8118-4F8B-A993-017911A0DDAA}" dt="2021-11-16T09:25:38.868" v="4758" actId="1076"/>
+          <ac:spMkLst>
+            <pc:docMk/>
+            <pc:sldMk cId="2298238761" sldId="317"/>
+            <ac:spMk id="5" creationId="{CAD150B4-EB7A-4BD2-AFF6-5533407E71DB}"/>
+          </ac:spMkLst>
+        </pc:spChg>
         <pc:spChg chg="del">
           <ac:chgData name="Li Lixiang" userId="6104bbfcb56aea79" providerId="LiveId" clId="{6CC3D90D-8118-4F8B-A993-017911A0DDAA}" dt="2021-09-11T06:51:16.333" v="3614" actId="478"/>
           <ac:spMkLst>
@@ -3280,9 +3385,17 @@
             <ac:picMk id="8" creationId="{A9FA8B80-C077-44DC-B949-9C8208C8A204}"/>
           </ac:picMkLst>
         </pc:picChg>
+        <pc:cxnChg chg="add mod">
+          <ac:chgData name="Li Lixiang" userId="6104bbfcb56aea79" providerId="LiveId" clId="{6CC3D90D-8118-4F8B-A993-017911A0DDAA}" dt="2021-11-16T09:25:43.827" v="4759" actId="1076"/>
+          <ac:cxnSpMkLst>
+            <pc:docMk/>
+            <pc:sldMk cId="2298238761" sldId="317"/>
+            <ac:cxnSpMk id="6" creationId="{D3F22D86-A115-4EB2-A300-36F37E2F1F71}"/>
+          </ac:cxnSpMkLst>
+        </pc:cxnChg>
       </pc:sldChg>
       <pc:sldChg chg="addSp delSp modSp add mod">
-        <pc:chgData name="Li Lixiang" userId="6104bbfcb56aea79" providerId="LiveId" clId="{6CC3D90D-8118-4F8B-A993-017911A0DDAA}" dt="2021-09-11T06:53:41.934" v="3790" actId="14100"/>
+        <pc:chgData name="Li Lixiang" userId="6104bbfcb56aea79" providerId="LiveId" clId="{6CC3D90D-8118-4F8B-A993-017911A0DDAA}" dt="2021-11-16T09:28:00.693" v="4768" actId="14100"/>
         <pc:sldMkLst>
           <pc:docMk/>
           <pc:sldMk cId="1438882001" sldId="318"/>
@@ -3327,6 +3440,14 @@
             <ac:picMk id="7" creationId="{19E8CCD8-D587-4172-BC19-2E45DE8945F5}"/>
           </ac:picMkLst>
         </pc:picChg>
+        <pc:cxnChg chg="add mod">
+          <ac:chgData name="Li Lixiang" userId="6104bbfcb56aea79" providerId="LiveId" clId="{6CC3D90D-8118-4F8B-A993-017911A0DDAA}" dt="2021-11-16T09:28:00.693" v="4768" actId="14100"/>
+          <ac:cxnSpMkLst>
+            <pc:docMk/>
+            <pc:sldMk cId="1438882001" sldId="318"/>
+            <ac:cxnSpMk id="7" creationId="{BD5E20BB-00D3-45BF-8D33-5940DAB89EC8}"/>
+          </ac:cxnSpMkLst>
+        </pc:cxnChg>
       </pc:sldChg>
       <pc:sldChg chg="addSp modSp new mod">
         <pc:chgData name="Li Lixiang" userId="6104bbfcb56aea79" providerId="LiveId" clId="{6CC3D90D-8118-4F8B-A993-017911A0DDAA}" dt="2021-09-11T07:22:00.058" v="4058" actId="20577"/>
@@ -3389,6 +3510,53 @@
             <ac:spMk id="3" creationId="{9A8F72D9-B9F1-45F0-A8FF-620671E47E50}"/>
           </ac:spMkLst>
         </pc:spChg>
+      </pc:sldChg>
+      <pc:sldChg chg="delSp modSp add mod">
+        <pc:chgData name="Li Lixiang" userId="6104bbfcb56aea79" providerId="LiveId" clId="{6CC3D90D-8118-4F8B-A993-017911A0DDAA}" dt="2021-11-16T07:51:11.242" v="4573" actId="1076"/>
+        <pc:sldMkLst>
+          <pc:docMk/>
+          <pc:sldMk cId="3134881837" sldId="320"/>
+        </pc:sldMkLst>
+        <pc:spChg chg="mod">
+          <ac:chgData name="Li Lixiang" userId="6104bbfcb56aea79" providerId="LiveId" clId="{6CC3D90D-8118-4F8B-A993-017911A0DDAA}" dt="2021-11-16T07:51:05.217" v="4572" actId="6549"/>
+          <ac:spMkLst>
+            <pc:docMk/>
+            <pc:sldMk cId="3134881837" sldId="320"/>
+            <ac:spMk id="3" creationId="{B717ABF5-4B93-4344-8134-FEA09A3B53EA}"/>
+          </ac:spMkLst>
+        </pc:spChg>
+        <pc:spChg chg="mod">
+          <ac:chgData name="Li Lixiang" userId="6104bbfcb56aea79" providerId="LiveId" clId="{6CC3D90D-8118-4F8B-A993-017911A0DDAA}" dt="2021-11-16T07:51:11.242" v="4573" actId="1076"/>
+          <ac:spMkLst>
+            <pc:docMk/>
+            <pc:sldMk cId="3134881837" sldId="320"/>
+            <ac:spMk id="8" creationId="{BF02A866-DC6D-4DF1-9241-4AB6AB272C29}"/>
+          </ac:spMkLst>
+        </pc:spChg>
+        <pc:picChg chg="del">
+          <ac:chgData name="Li Lixiang" userId="6104bbfcb56aea79" providerId="LiveId" clId="{6CC3D90D-8118-4F8B-A993-017911A0DDAA}" dt="2021-11-16T07:50:53.026" v="4507" actId="478"/>
+          <ac:picMkLst>
+            <pc:docMk/>
+            <pc:sldMk cId="3134881837" sldId="320"/>
+            <ac:picMk id="5" creationId="{EA7B274C-8DFD-49D4-9016-E11B267FDA81}"/>
+          </ac:picMkLst>
+        </pc:picChg>
+        <pc:picChg chg="del">
+          <ac:chgData name="Li Lixiang" userId="6104bbfcb56aea79" providerId="LiveId" clId="{6CC3D90D-8118-4F8B-A993-017911A0DDAA}" dt="2021-11-16T07:50:52.304" v="4506" actId="478"/>
+          <ac:picMkLst>
+            <pc:docMk/>
+            <pc:sldMk cId="3134881837" sldId="320"/>
+            <ac:picMk id="6" creationId="{0C2A7E14-2B11-471C-8718-158DCC4846F6}"/>
+          </ac:picMkLst>
+        </pc:picChg>
+        <pc:picChg chg="mod">
+          <ac:chgData name="Li Lixiang" userId="6104bbfcb56aea79" providerId="LiveId" clId="{6CC3D90D-8118-4F8B-A993-017911A0DDAA}" dt="2021-11-16T07:51:11.242" v="4573" actId="1076"/>
+          <ac:picMkLst>
+            <pc:docMk/>
+            <pc:sldMk cId="3134881837" sldId="320"/>
+            <ac:picMk id="10" creationId="{4B1AD44D-332F-43B0-BD82-C149E8DAD636}"/>
+          </ac:picMkLst>
+        </pc:picChg>
       </pc:sldChg>
     </pc:docChg>
   </pc:docChgLst>
@@ -6506,7 +6674,7 @@
             <a:fld id="{A5B0A250-5CC0-1746-B209-08E8B0DAE6AF}" type="datetimeFigureOut">
               <a:rPr lang="en-US" smtClean="0"/>
               <a:pPr algn="l"/>
-              <a:t>9/12/2021</a:t>
+              <a:t>11/16/2021</a:t>
             </a:fld>
             <a:endParaRPr lang="en-US" dirty="0"/>
           </a:p>
@@ -6685,7 +6853,7 @@
           <a:p>
             <a:fld id="{A5B0A250-5CC0-1746-B209-08E8B0DAE6AF}" type="datetimeFigureOut">
               <a:rPr lang="en-US" smtClean="0"/>
-              <a:t>9/12/2021</a:t>
+              <a:t>11/16/2021</a:t>
             </a:fld>
             <a:endParaRPr lang="en-US" dirty="0"/>
           </a:p>
@@ -6865,7 +7033,7 @@
           <a:p>
             <a:fld id="{A5B0A250-5CC0-1746-B209-08E8B0DAE6AF}" type="datetimeFigureOut">
               <a:rPr lang="en-US" smtClean="0"/>
-              <a:t>9/12/2021</a:t>
+              <a:t>11/16/2021</a:t>
             </a:fld>
             <a:endParaRPr lang="en-US"/>
           </a:p>
@@ -7035,7 +7203,7 @@
           <a:p>
             <a:fld id="{A5B0A250-5CC0-1746-B209-08E8B0DAE6AF}" type="datetimeFigureOut">
               <a:rPr lang="en-US" smtClean="0"/>
-              <a:t>9/12/2021</a:t>
+              <a:t>11/16/2021</a:t>
             </a:fld>
             <a:endParaRPr lang="en-US" dirty="0"/>
           </a:p>
@@ -7348,7 +7516,7 @@
           <a:p>
             <a:fld id="{A5B0A250-5CC0-1746-B209-08E8B0DAE6AF}" type="datetimeFigureOut">
               <a:rPr lang="en-US" smtClean="0"/>
-              <a:t>9/12/2021</a:t>
+              <a:t>11/16/2021</a:t>
             </a:fld>
             <a:endParaRPr lang="en-US" dirty="0"/>
           </a:p>
@@ -7734,7 +7902,7 @@
           <a:p>
             <a:fld id="{A5B0A250-5CC0-1746-B209-08E8B0DAE6AF}" type="datetimeFigureOut">
               <a:rPr lang="en-US" smtClean="0"/>
-              <a:t>9/12/2021</a:t>
+              <a:t>11/16/2021</a:t>
             </a:fld>
             <a:endParaRPr lang="en-US" dirty="0"/>
           </a:p>
@@ -8168,7 +8336,7 @@
           <a:p>
             <a:fld id="{A5B0A250-5CC0-1746-B209-08E8B0DAE6AF}" type="datetimeFigureOut">
               <a:rPr lang="en-US" smtClean="0"/>
-              <a:t>9/12/2021</a:t>
+              <a:t>11/16/2021</a:t>
             </a:fld>
             <a:endParaRPr lang="en-US" dirty="0"/>
           </a:p>
@@ -8286,7 +8454,7 @@
           <a:p>
             <a:fld id="{A5B0A250-5CC0-1746-B209-08E8B0DAE6AF}" type="datetimeFigureOut">
               <a:rPr lang="en-US" smtClean="0"/>
-              <a:t>9/12/2021</a:t>
+              <a:t>11/16/2021</a:t>
             </a:fld>
             <a:endParaRPr lang="en-US" dirty="0"/>
           </a:p>
@@ -8382,7 +8550,7 @@
             <a:fld id="{A5B0A250-5CC0-1746-B209-08E8B0DAE6AF}" type="datetimeFigureOut">
               <a:rPr lang="en-US" smtClean="0"/>
               <a:pPr/>
-              <a:t>9/12/2021</a:t>
+              <a:t>11/16/2021</a:t>
             </a:fld>
             <a:endParaRPr lang="en-US" dirty="0"/>
           </a:p>
@@ -8733,7 +8901,7 @@
           <a:p>
             <a:fld id="{A5B0A250-5CC0-1746-B209-08E8B0DAE6AF}" type="datetimeFigureOut">
               <a:rPr lang="en-US" smtClean="0"/>
-              <a:t>9/12/2021</a:t>
+              <a:t>11/16/2021</a:t>
             </a:fld>
             <a:endParaRPr lang="en-US" dirty="0"/>
           </a:p>
@@ -9158,7 +9326,7 @@
           <a:p>
             <a:fld id="{A5B0A250-5CC0-1746-B209-08E8B0DAE6AF}" type="datetimeFigureOut">
               <a:rPr lang="en-US" smtClean="0"/>
-              <a:t>9/12/2021</a:t>
+              <a:t>11/16/2021</a:t>
             </a:fld>
             <a:endParaRPr lang="en-US" dirty="0"/>
           </a:p>
@@ -9440,7 +9608,7 @@
             <a:fld id="{A5B0A250-5CC0-1746-B209-08E8B0DAE6AF}" type="datetimeFigureOut">
               <a:rPr lang="en-US" smtClean="0"/>
               <a:pPr/>
-              <a:t>9/12/2021</a:t>
+              <a:t>11/16/2021</a:t>
             </a:fld>
             <a:endParaRPr lang="en-US" dirty="0"/>
           </a:p>
@@ -10552,6 +10720,915 @@
           <a:chExt cx="0" cy="0"/>
         </a:xfrm>
       </p:grpSpPr>
+      <p:pic>
+        <p:nvPicPr>
+          <p:cNvPr id="7" name="Picture 6">
+            <a:extLst>
+              <a:ext uri="{FF2B5EF4-FFF2-40B4-BE49-F238E27FC236}">
+                <a16:creationId xmlns:a16="http://schemas.microsoft.com/office/drawing/2014/main" id="{491A4B7B-C346-40A0-BE21-71CD56C94CD5}"/>
+              </a:ext>
+            </a:extLst>
+          </p:cNvPr>
+          <p:cNvPicPr>
+            <a:picLocks noChangeAspect="1"/>
+          </p:cNvPicPr>
+          <p:nvPr/>
+        </p:nvPicPr>
+        <p:blipFill>
+          <a:blip r:embed="rId2"/>
+          <a:stretch>
+            <a:fillRect/>
+          </a:stretch>
+        </p:blipFill>
+        <p:spPr>
+          <a:xfrm>
+            <a:off x="5119316" y="4341403"/>
+            <a:ext cx="5325218" cy="1314633"/>
+          </a:xfrm>
+          <a:prstGeom prst="rect">
+            <a:avLst/>
+          </a:prstGeom>
+        </p:spPr>
+      </p:pic>
+      <p:sp>
+        <p:nvSpPr>
+          <p:cNvPr id="2" name="Title 1">
+            <a:extLst>
+              <a:ext uri="{FF2B5EF4-FFF2-40B4-BE49-F238E27FC236}">
+                <a16:creationId xmlns:a16="http://schemas.microsoft.com/office/drawing/2014/main" id="{EB465B98-2FC4-4C97-B122-B430860E1C75}"/>
+              </a:ext>
+            </a:extLst>
+          </p:cNvPr>
+          <p:cNvSpPr>
+            <a:spLocks noGrp="1"/>
+          </p:cNvSpPr>
+          <p:nvPr>
+            <p:ph type="title"/>
+          </p:nvPr>
+        </p:nvSpPr>
+        <p:spPr/>
+        <p:txBody>
+          <a:bodyPr/>
+          <a:lstStyle/>
+          <a:p>
+            <a:r>
+              <a:rPr lang="en-US" dirty="0"/>
+              <a:t>Add a new user app, then create new view to handle login</a:t>
+            </a:r>
+            <a:endParaRPr lang="en-MY" dirty="0"/>
+          </a:p>
+        </p:txBody>
+      </p:sp>
+      <p:sp>
+        <p:nvSpPr>
+          <p:cNvPr id="3" name="Content Placeholder 2">
+            <a:extLst>
+              <a:ext uri="{FF2B5EF4-FFF2-40B4-BE49-F238E27FC236}">
+                <a16:creationId xmlns:a16="http://schemas.microsoft.com/office/drawing/2014/main" id="{D625420F-A618-4FB4-8E6E-45B44030AEA8}"/>
+              </a:ext>
+            </a:extLst>
+          </p:cNvPr>
+          <p:cNvSpPr>
+            <a:spLocks noGrp="1"/>
+          </p:cNvSpPr>
+          <p:nvPr>
+            <p:ph idx="1"/>
+          </p:nvPr>
+        </p:nvSpPr>
+        <p:spPr>
+          <a:xfrm>
+            <a:off x="1069848" y="2121408"/>
+            <a:ext cx="10058400" cy="3456432"/>
+          </a:xfrm>
+        </p:spPr>
+        <p:txBody>
+          <a:bodyPr>
+            <a:normAutofit/>
+          </a:bodyPr>
+          <a:lstStyle/>
+          <a:p>
+            <a:r>
+              <a:rPr lang="en-US" dirty="0"/>
+              <a:t>New app user</a:t>
+            </a:r>
+          </a:p>
+          <a:p>
+            <a:endParaRPr lang="en-US" dirty="0"/>
+          </a:p>
+          <a:p>
+            <a:endParaRPr lang="en-US" dirty="0"/>
+          </a:p>
+          <a:p>
+            <a:r>
+              <a:rPr lang="en-US" dirty="0"/>
+              <a:t>Add urls.py for the new app</a:t>
+            </a:r>
+          </a:p>
+          <a:p>
+            <a:endParaRPr lang="en-US" dirty="0"/>
+          </a:p>
+          <a:p>
+            <a:r>
+              <a:rPr lang="en-MY" dirty="0"/>
+              <a:t>In site </a:t>
+            </a:r>
+            <a:r>
+              <a:rPr lang="en-MY" dirty="0" err="1"/>
+              <a:t>urls</a:t>
+            </a:r>
+            <a:r>
+              <a:rPr lang="en-MY" dirty="0"/>
+              <a:t> include this app </a:t>
+            </a:r>
+            <a:r>
+              <a:rPr lang="en-MY" dirty="0" err="1"/>
+              <a:t>urls</a:t>
+            </a:r>
+            <a:endParaRPr lang="en-US" dirty="0"/>
+          </a:p>
+        </p:txBody>
+      </p:sp>
+      <p:sp>
+        <p:nvSpPr>
+          <p:cNvPr id="4" name="Content Placeholder 2">
+            <a:extLst>
+              <a:ext uri="{FF2B5EF4-FFF2-40B4-BE49-F238E27FC236}">
+                <a16:creationId xmlns:a16="http://schemas.microsoft.com/office/drawing/2014/main" id="{F24AFF98-FBF3-4922-A6AA-0AC8D5EB137E}"/>
+              </a:ext>
+            </a:extLst>
+          </p:cNvPr>
+          <p:cNvSpPr txBox="1">
+            <a:spLocks/>
+          </p:cNvSpPr>
+          <p:nvPr/>
+        </p:nvSpPr>
+        <p:spPr>
+          <a:xfrm>
+            <a:off x="3718559" y="2151888"/>
+            <a:ext cx="7280681" cy="1150971"/>
+          </a:xfrm>
+          <a:prstGeom prst="rect">
+            <a:avLst/>
+          </a:prstGeom>
+        </p:spPr>
+        <p:txBody>
+          <a:bodyPr vert="horz" lIns="91440" tIns="45720" rIns="91440" bIns="45720" rtlCol="0">
+            <a:normAutofit/>
+          </a:bodyPr>
+          <a:lstStyle>
+            <a:lvl1pPr marL="182880" indent="-182880" algn="l" defTabSz="914400" rtl="0" eaLnBrk="1" latinLnBrk="0" hangingPunct="1">
+              <a:lnSpc>
+                <a:spcPct val="90000"/>
+              </a:lnSpc>
+              <a:spcBef>
+                <a:spcPts val="1200"/>
+              </a:spcBef>
+              <a:buClr>
+                <a:schemeClr val="accent1">
+                  <a:lumMod val="75000"/>
+                </a:schemeClr>
+              </a:buClr>
+              <a:buSzPct val="85000"/>
+              <a:buFont typeface="Wingdings" pitchFamily="2" charset="2"/>
+              <a:buChar char="§"/>
+              <a:defRPr sz="2000" kern="1200">
+                <a:solidFill>
+                  <a:schemeClr val="tx1"/>
+                </a:solidFill>
+                <a:latin typeface="+mn-lt"/>
+                <a:ea typeface="+mn-ea"/>
+                <a:cs typeface="+mn-cs"/>
+              </a:defRPr>
+            </a:lvl1pPr>
+            <a:lvl2pPr marL="457200" indent="-182880" algn="l" defTabSz="914400" rtl="0" eaLnBrk="1" latinLnBrk="0" hangingPunct="1">
+              <a:lnSpc>
+                <a:spcPct val="90000"/>
+              </a:lnSpc>
+              <a:spcBef>
+                <a:spcPts val="400"/>
+              </a:spcBef>
+              <a:spcAft>
+                <a:spcPts val="200"/>
+              </a:spcAft>
+              <a:buClr>
+                <a:schemeClr val="accent1">
+                  <a:lumMod val="75000"/>
+                </a:schemeClr>
+              </a:buClr>
+              <a:buSzPct val="85000"/>
+              <a:buFont typeface="Wingdings" pitchFamily="2" charset="2"/>
+              <a:buChar char="§"/>
+              <a:defRPr sz="1800" kern="1200">
+                <a:solidFill>
+                  <a:schemeClr val="tx1"/>
+                </a:solidFill>
+                <a:latin typeface="+mn-lt"/>
+                <a:ea typeface="+mn-ea"/>
+                <a:cs typeface="+mn-cs"/>
+              </a:defRPr>
+            </a:lvl2pPr>
+            <a:lvl3pPr marL="731520" indent="-182880" algn="l" defTabSz="914400" rtl="0" eaLnBrk="1" latinLnBrk="0" hangingPunct="1">
+              <a:lnSpc>
+                <a:spcPct val="90000"/>
+              </a:lnSpc>
+              <a:spcBef>
+                <a:spcPts val="400"/>
+              </a:spcBef>
+              <a:spcAft>
+                <a:spcPts val="200"/>
+              </a:spcAft>
+              <a:buClr>
+                <a:schemeClr val="accent1">
+                  <a:lumMod val="75000"/>
+                </a:schemeClr>
+              </a:buClr>
+              <a:buSzPct val="85000"/>
+              <a:buFont typeface="Wingdings" pitchFamily="2" charset="2"/>
+              <a:buChar char="§"/>
+              <a:defRPr sz="1600" kern="1200">
+                <a:solidFill>
+                  <a:schemeClr val="tx1"/>
+                </a:solidFill>
+                <a:latin typeface="+mn-lt"/>
+                <a:ea typeface="+mn-ea"/>
+                <a:cs typeface="+mn-cs"/>
+              </a:defRPr>
+            </a:lvl3pPr>
+            <a:lvl4pPr marL="1005840" indent="-182880" algn="l" defTabSz="914400" rtl="0" eaLnBrk="1" latinLnBrk="0" hangingPunct="1">
+              <a:lnSpc>
+                <a:spcPct val="90000"/>
+              </a:lnSpc>
+              <a:spcBef>
+                <a:spcPts val="400"/>
+              </a:spcBef>
+              <a:spcAft>
+                <a:spcPts val="200"/>
+              </a:spcAft>
+              <a:buClr>
+                <a:schemeClr val="accent1">
+                  <a:lumMod val="75000"/>
+                </a:schemeClr>
+              </a:buClr>
+              <a:buSzPct val="85000"/>
+              <a:buFont typeface="Wingdings" pitchFamily="2" charset="2"/>
+              <a:buChar char="§"/>
+              <a:defRPr sz="1600" kern="1200">
+                <a:solidFill>
+                  <a:schemeClr val="tx1"/>
+                </a:solidFill>
+                <a:latin typeface="+mn-lt"/>
+                <a:ea typeface="+mn-ea"/>
+                <a:cs typeface="+mn-cs"/>
+              </a:defRPr>
+            </a:lvl4pPr>
+            <a:lvl5pPr marL="1280160" indent="-182880" algn="l" defTabSz="914400" rtl="0" eaLnBrk="1" latinLnBrk="0" hangingPunct="1">
+              <a:lnSpc>
+                <a:spcPct val="90000"/>
+              </a:lnSpc>
+              <a:spcBef>
+                <a:spcPts val="400"/>
+              </a:spcBef>
+              <a:spcAft>
+                <a:spcPts val="200"/>
+              </a:spcAft>
+              <a:buClr>
+                <a:schemeClr val="accent1">
+                  <a:lumMod val="75000"/>
+                </a:schemeClr>
+              </a:buClr>
+              <a:buSzPct val="85000"/>
+              <a:buFont typeface="Wingdings" pitchFamily="2" charset="2"/>
+              <a:buChar char="§"/>
+              <a:defRPr sz="1600" kern="1200">
+                <a:solidFill>
+                  <a:schemeClr val="tx1"/>
+                </a:solidFill>
+                <a:latin typeface="+mn-lt"/>
+                <a:ea typeface="+mn-ea"/>
+                <a:cs typeface="+mn-cs"/>
+              </a:defRPr>
+            </a:lvl5pPr>
+            <a:lvl6pPr marL="1600000" indent="-228600" algn="l" defTabSz="914400" rtl="0" eaLnBrk="1" latinLnBrk="0" hangingPunct="1">
+              <a:lnSpc>
+                <a:spcPct val="90000"/>
+              </a:lnSpc>
+              <a:spcBef>
+                <a:spcPts val="400"/>
+              </a:spcBef>
+              <a:spcAft>
+                <a:spcPts val="200"/>
+              </a:spcAft>
+              <a:buClr>
+                <a:schemeClr val="accent1">
+                  <a:lumMod val="75000"/>
+                </a:schemeClr>
+              </a:buClr>
+              <a:buSzPct val="85000"/>
+              <a:buFont typeface="Wingdings" pitchFamily="2" charset="2"/>
+              <a:buChar char="§"/>
+              <a:defRPr sz="1600" kern="1200">
+                <a:solidFill>
+                  <a:schemeClr val="tx1"/>
+                </a:solidFill>
+                <a:latin typeface="+mn-lt"/>
+                <a:ea typeface="+mn-ea"/>
+                <a:cs typeface="+mn-cs"/>
+              </a:defRPr>
+            </a:lvl6pPr>
+            <a:lvl7pPr marL="1900000" indent="-228600" algn="l" defTabSz="914400" rtl="0" eaLnBrk="1" latinLnBrk="0" hangingPunct="1">
+              <a:lnSpc>
+                <a:spcPct val="90000"/>
+              </a:lnSpc>
+              <a:spcBef>
+                <a:spcPts val="400"/>
+              </a:spcBef>
+              <a:spcAft>
+                <a:spcPts val="200"/>
+              </a:spcAft>
+              <a:buClr>
+                <a:schemeClr val="accent1">
+                  <a:lumMod val="75000"/>
+                </a:schemeClr>
+              </a:buClr>
+              <a:buSzPct val="85000"/>
+              <a:buFont typeface="Wingdings" pitchFamily="2" charset="2"/>
+              <a:buChar char="§"/>
+              <a:defRPr sz="1600" kern="1200">
+                <a:solidFill>
+                  <a:schemeClr val="tx1"/>
+                </a:solidFill>
+                <a:latin typeface="+mn-lt"/>
+                <a:ea typeface="+mn-ea"/>
+                <a:cs typeface="+mn-cs"/>
+              </a:defRPr>
+            </a:lvl7pPr>
+            <a:lvl8pPr marL="2200000" indent="-228600" algn="l" defTabSz="914400" rtl="0" eaLnBrk="1" latinLnBrk="0" hangingPunct="1">
+              <a:lnSpc>
+                <a:spcPct val="90000"/>
+              </a:lnSpc>
+              <a:spcBef>
+                <a:spcPts val="400"/>
+              </a:spcBef>
+              <a:spcAft>
+                <a:spcPts val="200"/>
+              </a:spcAft>
+              <a:buClr>
+                <a:schemeClr val="accent1">
+                  <a:lumMod val="75000"/>
+                </a:schemeClr>
+              </a:buClr>
+              <a:buSzPct val="85000"/>
+              <a:buFont typeface="Wingdings" pitchFamily="2" charset="2"/>
+              <a:buChar char="§"/>
+              <a:defRPr sz="1600" kern="1200">
+                <a:solidFill>
+                  <a:schemeClr val="tx1"/>
+                </a:solidFill>
+                <a:latin typeface="+mn-lt"/>
+                <a:ea typeface="+mn-ea"/>
+                <a:cs typeface="+mn-cs"/>
+              </a:defRPr>
+            </a:lvl8pPr>
+            <a:lvl9pPr marL="2500000" indent="-228600" algn="l" defTabSz="914400" rtl="0" eaLnBrk="1" latinLnBrk="0" hangingPunct="1">
+              <a:lnSpc>
+                <a:spcPct val="90000"/>
+              </a:lnSpc>
+              <a:spcBef>
+                <a:spcPts val="400"/>
+              </a:spcBef>
+              <a:spcAft>
+                <a:spcPts val="200"/>
+              </a:spcAft>
+              <a:buClr>
+                <a:schemeClr val="accent1">
+                  <a:lumMod val="75000"/>
+                </a:schemeClr>
+              </a:buClr>
+              <a:buSzPct val="85000"/>
+              <a:buFont typeface="Wingdings" pitchFamily="2" charset="2"/>
+              <a:buChar char="§"/>
+              <a:defRPr sz="1600" kern="1200">
+                <a:solidFill>
+                  <a:schemeClr val="tx1"/>
+                </a:solidFill>
+                <a:latin typeface="+mn-lt"/>
+                <a:ea typeface="+mn-ea"/>
+                <a:cs typeface="+mn-cs"/>
+              </a:defRPr>
+            </a:lvl9pPr>
+          </a:lstStyle>
+          <a:p>
+            <a:pPr marL="0" indent="0">
+              <a:buNone/>
+            </a:pPr>
+            <a:r>
+              <a:rPr lang="en-US" sz="1400" dirty="0">
+                <a:latin typeface="Cascadia Mono" pitchFamily="50" charset="0"/>
+                <a:cs typeface="Cascadia Mono" pitchFamily="50" charset="0"/>
+              </a:rPr>
+              <a:t>PS&gt; </a:t>
+            </a:r>
+            <a:r>
+              <a:rPr lang="en-US" sz="1400" dirty="0" err="1">
+                <a:latin typeface="Cascadia Mono" pitchFamily="50" charset="0"/>
+                <a:cs typeface="Cascadia Mono" pitchFamily="50" charset="0"/>
+              </a:rPr>
+              <a:t>py</a:t>
+            </a:r>
+            <a:r>
+              <a:rPr lang="en-US" sz="1400" dirty="0">
+                <a:latin typeface="Cascadia Mono" pitchFamily="50" charset="0"/>
+                <a:cs typeface="Cascadia Mono" pitchFamily="50" charset="0"/>
+              </a:rPr>
+              <a:t> manage.py </a:t>
+            </a:r>
+            <a:r>
+              <a:rPr lang="en-US" sz="1400" dirty="0" err="1">
+                <a:latin typeface="Cascadia Mono" pitchFamily="50" charset="0"/>
+                <a:cs typeface="Cascadia Mono" pitchFamily="50" charset="0"/>
+              </a:rPr>
+              <a:t>createapp</a:t>
+            </a:r>
+            <a:r>
+              <a:rPr lang="en-US" sz="1400" dirty="0">
+                <a:latin typeface="Cascadia Mono" pitchFamily="50" charset="0"/>
+                <a:cs typeface="Cascadia Mono" pitchFamily="50" charset="0"/>
+              </a:rPr>
+              <a:t> user</a:t>
+            </a:r>
+          </a:p>
+          <a:p>
+            <a:pPr marL="0" indent="0">
+              <a:buNone/>
+            </a:pPr>
+            <a:r>
+              <a:rPr lang="en-US" sz="1400" dirty="0">
+                <a:latin typeface="Cascadia Mono" pitchFamily="50" charset="0"/>
+                <a:cs typeface="Cascadia Mono" pitchFamily="50" charset="0"/>
+              </a:rPr>
+              <a:t>PS&gt; cd user</a:t>
+            </a:r>
+          </a:p>
+          <a:p>
+            <a:pPr marL="0" indent="0">
+              <a:buNone/>
+            </a:pPr>
+            <a:r>
+              <a:rPr lang="en-US" sz="1400" dirty="0">
+                <a:latin typeface="Cascadia Mono" pitchFamily="50" charset="0"/>
+                <a:cs typeface="Cascadia Mono" pitchFamily="50" charset="0"/>
+              </a:rPr>
+              <a:t>PS&gt; </a:t>
+            </a:r>
+            <a:r>
+              <a:rPr lang="en-US" sz="1400" dirty="0" err="1">
+                <a:latin typeface="Cascadia Mono" pitchFamily="50" charset="0"/>
+                <a:cs typeface="Cascadia Mono" pitchFamily="50" charset="0"/>
+              </a:rPr>
+              <a:t>ni</a:t>
+            </a:r>
+            <a:r>
+              <a:rPr lang="en-US" sz="1400" dirty="0">
+                <a:latin typeface="Cascadia Mono" pitchFamily="50" charset="0"/>
+                <a:cs typeface="Cascadia Mono" pitchFamily="50" charset="0"/>
+              </a:rPr>
+              <a:t> urls.py</a:t>
+            </a:r>
+          </a:p>
+        </p:txBody>
+      </p:sp>
+      <p:pic>
+        <p:nvPicPr>
+          <p:cNvPr id="6" name="Picture 5">
+            <a:extLst>
+              <a:ext uri="{FF2B5EF4-FFF2-40B4-BE49-F238E27FC236}">
+                <a16:creationId xmlns:a16="http://schemas.microsoft.com/office/drawing/2014/main" id="{F8505C60-EF9E-44F8-BBCF-7ED9360D0426}"/>
+              </a:ext>
+            </a:extLst>
+          </p:cNvPr>
+          <p:cNvPicPr>
+            <a:picLocks noChangeAspect="1"/>
+          </p:cNvPicPr>
+          <p:nvPr/>
+        </p:nvPicPr>
+        <p:blipFill>
+          <a:blip r:embed="rId3"/>
+          <a:stretch>
+            <a:fillRect/>
+          </a:stretch>
+        </p:blipFill>
+        <p:spPr>
+          <a:xfrm>
+            <a:off x="5281286" y="3302859"/>
+            <a:ext cx="4677428" cy="819264"/>
+          </a:xfrm>
+          <a:prstGeom prst="rect">
+            <a:avLst/>
+          </a:prstGeom>
+        </p:spPr>
+      </p:pic>
+      <p:sp>
+        <p:nvSpPr>
+          <p:cNvPr id="9" name="Rectangle 8">
+            <a:extLst>
+              <a:ext uri="{FF2B5EF4-FFF2-40B4-BE49-F238E27FC236}">
+                <a16:creationId xmlns:a16="http://schemas.microsoft.com/office/drawing/2014/main" id="{001702C2-6010-41B0-9BE6-C4E76B123348}"/>
+              </a:ext>
+            </a:extLst>
+          </p:cNvPr>
+          <p:cNvSpPr/>
+          <p:nvPr/>
+        </p:nvSpPr>
+        <p:spPr>
+          <a:xfrm>
+            <a:off x="5494020" y="4762500"/>
+            <a:ext cx="4251960" cy="236220"/>
+          </a:xfrm>
+          <a:prstGeom prst="rect">
+            <a:avLst/>
+          </a:prstGeom>
+          <a:noFill/>
+        </p:spPr>
+        <p:style>
+          <a:lnRef idx="2">
+            <a:schemeClr val="accent1">
+              <a:shade val="50000"/>
+            </a:schemeClr>
+          </a:lnRef>
+          <a:fillRef idx="1">
+            <a:schemeClr val="accent1"/>
+          </a:fillRef>
+          <a:effectRef idx="0">
+            <a:schemeClr val="accent1"/>
+          </a:effectRef>
+          <a:fontRef idx="minor">
+            <a:schemeClr val="lt1"/>
+          </a:fontRef>
+        </p:style>
+        <p:txBody>
+          <a:bodyPr rtlCol="0" anchor="ctr"/>
+          <a:lstStyle/>
+          <a:p>
+            <a:pPr algn="ctr"/>
+            <a:endParaRPr lang="en-MY"/>
+          </a:p>
+        </p:txBody>
+      </p:sp>
+      <p:sp>
+        <p:nvSpPr>
+          <p:cNvPr id="11" name="Content Placeholder 2">
+            <a:extLst>
+              <a:ext uri="{FF2B5EF4-FFF2-40B4-BE49-F238E27FC236}">
+                <a16:creationId xmlns:a16="http://schemas.microsoft.com/office/drawing/2014/main" id="{5D64BDE0-AAD0-4A37-A505-91DDADC92866}"/>
+              </a:ext>
+            </a:extLst>
+          </p:cNvPr>
+          <p:cNvSpPr txBox="1">
+            <a:spLocks/>
+          </p:cNvSpPr>
+          <p:nvPr/>
+        </p:nvSpPr>
+        <p:spPr>
+          <a:xfrm>
+            <a:off x="940840" y="5998937"/>
+            <a:ext cx="10058400" cy="756763"/>
+          </a:xfrm>
+          <a:prstGeom prst="rect">
+            <a:avLst/>
+          </a:prstGeom>
+        </p:spPr>
+        <p:txBody>
+          <a:bodyPr vert="horz" lIns="91440" tIns="45720" rIns="91440" bIns="45720" rtlCol="0">
+            <a:normAutofit/>
+          </a:bodyPr>
+          <a:lstStyle>
+            <a:lvl1pPr marL="182880" indent="-182880" algn="l" defTabSz="914400" rtl="0" eaLnBrk="1" latinLnBrk="0" hangingPunct="1">
+              <a:lnSpc>
+                <a:spcPct val="90000"/>
+              </a:lnSpc>
+              <a:spcBef>
+                <a:spcPts val="1200"/>
+              </a:spcBef>
+              <a:buClr>
+                <a:schemeClr val="accent1">
+                  <a:lumMod val="75000"/>
+                </a:schemeClr>
+              </a:buClr>
+              <a:buSzPct val="85000"/>
+              <a:buFont typeface="Wingdings" pitchFamily="2" charset="2"/>
+              <a:buChar char="§"/>
+              <a:defRPr sz="2000" kern="1200">
+                <a:solidFill>
+                  <a:schemeClr val="tx1"/>
+                </a:solidFill>
+                <a:latin typeface="+mn-lt"/>
+                <a:ea typeface="+mn-ea"/>
+                <a:cs typeface="+mn-cs"/>
+              </a:defRPr>
+            </a:lvl1pPr>
+            <a:lvl2pPr marL="457200" indent="-182880" algn="l" defTabSz="914400" rtl="0" eaLnBrk="1" latinLnBrk="0" hangingPunct="1">
+              <a:lnSpc>
+                <a:spcPct val="90000"/>
+              </a:lnSpc>
+              <a:spcBef>
+                <a:spcPts val="400"/>
+              </a:spcBef>
+              <a:spcAft>
+                <a:spcPts val="200"/>
+              </a:spcAft>
+              <a:buClr>
+                <a:schemeClr val="accent1">
+                  <a:lumMod val="75000"/>
+                </a:schemeClr>
+              </a:buClr>
+              <a:buSzPct val="85000"/>
+              <a:buFont typeface="Wingdings" pitchFamily="2" charset="2"/>
+              <a:buChar char="§"/>
+              <a:defRPr sz="1800" kern="1200">
+                <a:solidFill>
+                  <a:schemeClr val="tx1"/>
+                </a:solidFill>
+                <a:latin typeface="+mn-lt"/>
+                <a:ea typeface="+mn-ea"/>
+                <a:cs typeface="+mn-cs"/>
+              </a:defRPr>
+            </a:lvl2pPr>
+            <a:lvl3pPr marL="731520" indent="-182880" algn="l" defTabSz="914400" rtl="0" eaLnBrk="1" latinLnBrk="0" hangingPunct="1">
+              <a:lnSpc>
+                <a:spcPct val="90000"/>
+              </a:lnSpc>
+              <a:spcBef>
+                <a:spcPts val="400"/>
+              </a:spcBef>
+              <a:spcAft>
+                <a:spcPts val="200"/>
+              </a:spcAft>
+              <a:buClr>
+                <a:schemeClr val="accent1">
+                  <a:lumMod val="75000"/>
+                </a:schemeClr>
+              </a:buClr>
+              <a:buSzPct val="85000"/>
+              <a:buFont typeface="Wingdings" pitchFamily="2" charset="2"/>
+              <a:buChar char="§"/>
+              <a:defRPr sz="1600" kern="1200">
+                <a:solidFill>
+                  <a:schemeClr val="tx1"/>
+                </a:solidFill>
+                <a:latin typeface="+mn-lt"/>
+                <a:ea typeface="+mn-ea"/>
+                <a:cs typeface="+mn-cs"/>
+              </a:defRPr>
+            </a:lvl3pPr>
+            <a:lvl4pPr marL="1005840" indent="-182880" algn="l" defTabSz="914400" rtl="0" eaLnBrk="1" latinLnBrk="0" hangingPunct="1">
+              <a:lnSpc>
+                <a:spcPct val="90000"/>
+              </a:lnSpc>
+              <a:spcBef>
+                <a:spcPts val="400"/>
+              </a:spcBef>
+              <a:spcAft>
+                <a:spcPts val="200"/>
+              </a:spcAft>
+              <a:buClr>
+                <a:schemeClr val="accent1">
+                  <a:lumMod val="75000"/>
+                </a:schemeClr>
+              </a:buClr>
+              <a:buSzPct val="85000"/>
+              <a:buFont typeface="Wingdings" pitchFamily="2" charset="2"/>
+              <a:buChar char="§"/>
+              <a:defRPr sz="1600" kern="1200">
+                <a:solidFill>
+                  <a:schemeClr val="tx1"/>
+                </a:solidFill>
+                <a:latin typeface="+mn-lt"/>
+                <a:ea typeface="+mn-ea"/>
+                <a:cs typeface="+mn-cs"/>
+              </a:defRPr>
+            </a:lvl4pPr>
+            <a:lvl5pPr marL="1280160" indent="-182880" algn="l" defTabSz="914400" rtl="0" eaLnBrk="1" latinLnBrk="0" hangingPunct="1">
+              <a:lnSpc>
+                <a:spcPct val="90000"/>
+              </a:lnSpc>
+              <a:spcBef>
+                <a:spcPts val="400"/>
+              </a:spcBef>
+              <a:spcAft>
+                <a:spcPts val="200"/>
+              </a:spcAft>
+              <a:buClr>
+                <a:schemeClr val="accent1">
+                  <a:lumMod val="75000"/>
+                </a:schemeClr>
+              </a:buClr>
+              <a:buSzPct val="85000"/>
+              <a:buFont typeface="Wingdings" pitchFamily="2" charset="2"/>
+              <a:buChar char="§"/>
+              <a:defRPr sz="1600" kern="1200">
+                <a:solidFill>
+                  <a:schemeClr val="tx1"/>
+                </a:solidFill>
+                <a:latin typeface="+mn-lt"/>
+                <a:ea typeface="+mn-ea"/>
+                <a:cs typeface="+mn-cs"/>
+              </a:defRPr>
+            </a:lvl5pPr>
+            <a:lvl6pPr marL="1600000" indent="-228600" algn="l" defTabSz="914400" rtl="0" eaLnBrk="1" latinLnBrk="0" hangingPunct="1">
+              <a:lnSpc>
+                <a:spcPct val="90000"/>
+              </a:lnSpc>
+              <a:spcBef>
+                <a:spcPts val="400"/>
+              </a:spcBef>
+              <a:spcAft>
+                <a:spcPts val="200"/>
+              </a:spcAft>
+              <a:buClr>
+                <a:schemeClr val="accent1">
+                  <a:lumMod val="75000"/>
+                </a:schemeClr>
+              </a:buClr>
+              <a:buSzPct val="85000"/>
+              <a:buFont typeface="Wingdings" pitchFamily="2" charset="2"/>
+              <a:buChar char="§"/>
+              <a:defRPr sz="1600" kern="1200">
+                <a:solidFill>
+                  <a:schemeClr val="tx1"/>
+                </a:solidFill>
+                <a:latin typeface="+mn-lt"/>
+                <a:ea typeface="+mn-ea"/>
+                <a:cs typeface="+mn-cs"/>
+              </a:defRPr>
+            </a:lvl6pPr>
+            <a:lvl7pPr marL="1900000" indent="-228600" algn="l" defTabSz="914400" rtl="0" eaLnBrk="1" latinLnBrk="0" hangingPunct="1">
+              <a:lnSpc>
+                <a:spcPct val="90000"/>
+              </a:lnSpc>
+              <a:spcBef>
+                <a:spcPts val="400"/>
+              </a:spcBef>
+              <a:spcAft>
+                <a:spcPts val="200"/>
+              </a:spcAft>
+              <a:buClr>
+                <a:schemeClr val="accent1">
+                  <a:lumMod val="75000"/>
+                </a:schemeClr>
+              </a:buClr>
+              <a:buSzPct val="85000"/>
+              <a:buFont typeface="Wingdings" pitchFamily="2" charset="2"/>
+              <a:buChar char="§"/>
+              <a:defRPr sz="1600" kern="1200">
+                <a:solidFill>
+                  <a:schemeClr val="tx1"/>
+                </a:solidFill>
+                <a:latin typeface="+mn-lt"/>
+                <a:ea typeface="+mn-ea"/>
+                <a:cs typeface="+mn-cs"/>
+              </a:defRPr>
+            </a:lvl7pPr>
+            <a:lvl8pPr marL="2200000" indent="-228600" algn="l" defTabSz="914400" rtl="0" eaLnBrk="1" latinLnBrk="0" hangingPunct="1">
+              <a:lnSpc>
+                <a:spcPct val="90000"/>
+              </a:lnSpc>
+              <a:spcBef>
+                <a:spcPts val="400"/>
+              </a:spcBef>
+              <a:spcAft>
+                <a:spcPts val="200"/>
+              </a:spcAft>
+              <a:buClr>
+                <a:schemeClr val="accent1">
+                  <a:lumMod val="75000"/>
+                </a:schemeClr>
+              </a:buClr>
+              <a:buSzPct val="85000"/>
+              <a:buFont typeface="Wingdings" pitchFamily="2" charset="2"/>
+              <a:buChar char="§"/>
+              <a:defRPr sz="1600" kern="1200">
+                <a:solidFill>
+                  <a:schemeClr val="tx1"/>
+                </a:solidFill>
+                <a:latin typeface="+mn-lt"/>
+                <a:ea typeface="+mn-ea"/>
+                <a:cs typeface="+mn-cs"/>
+              </a:defRPr>
+            </a:lvl8pPr>
+            <a:lvl9pPr marL="2500000" indent="-228600" algn="l" defTabSz="914400" rtl="0" eaLnBrk="1" latinLnBrk="0" hangingPunct="1">
+              <a:lnSpc>
+                <a:spcPct val="90000"/>
+              </a:lnSpc>
+              <a:spcBef>
+                <a:spcPts val="400"/>
+              </a:spcBef>
+              <a:spcAft>
+                <a:spcPts val="200"/>
+              </a:spcAft>
+              <a:buClr>
+                <a:schemeClr val="accent1">
+                  <a:lumMod val="75000"/>
+                </a:schemeClr>
+              </a:buClr>
+              <a:buSzPct val="85000"/>
+              <a:buFont typeface="Wingdings" pitchFamily="2" charset="2"/>
+              <a:buChar char="§"/>
+              <a:defRPr sz="1600" kern="1200">
+                <a:solidFill>
+                  <a:schemeClr val="tx1"/>
+                </a:solidFill>
+                <a:latin typeface="+mn-lt"/>
+                <a:ea typeface="+mn-ea"/>
+                <a:cs typeface="+mn-cs"/>
+              </a:defRPr>
+            </a:lvl9pPr>
+          </a:lstStyle>
+          <a:p>
+            <a:pPr marL="0" indent="0">
+              <a:buNone/>
+            </a:pPr>
+            <a:r>
+              <a:rPr lang="en-US" dirty="0">
+                <a:solidFill>
+                  <a:srgbClr val="FF0000"/>
+                </a:solidFill>
+              </a:rPr>
+              <a:t>Now Django auth already can handle this, so use built-in login process this can be done, no need customize.</a:t>
+            </a:r>
+          </a:p>
+        </p:txBody>
+      </p:sp>
+      <p:cxnSp>
+        <p:nvCxnSpPr>
+          <p:cNvPr id="12" name="Straight Connector 11">
+            <a:extLst>
+              <a:ext uri="{FF2B5EF4-FFF2-40B4-BE49-F238E27FC236}">
+                <a16:creationId xmlns:a16="http://schemas.microsoft.com/office/drawing/2014/main" id="{C13826DE-B1A3-4CB6-87B5-E0F0735E8487}"/>
+              </a:ext>
+            </a:extLst>
+          </p:cNvPr>
+          <p:cNvCxnSpPr/>
+          <p:nvPr/>
+        </p:nvCxnSpPr>
+        <p:spPr>
+          <a:xfrm>
+            <a:off x="1436370" y="3486712"/>
+            <a:ext cx="8115300" cy="1781175"/>
+          </a:xfrm>
+          <a:prstGeom prst="line">
+            <a:avLst/>
+          </a:prstGeom>
+          <a:ln>
+            <a:solidFill>
+              <a:srgbClr val="FF0000"/>
+            </a:solidFill>
+          </a:ln>
+        </p:spPr>
+        <p:style>
+          <a:lnRef idx="1">
+            <a:schemeClr val="accent1"/>
+          </a:lnRef>
+          <a:fillRef idx="0">
+            <a:schemeClr val="accent1"/>
+          </a:fillRef>
+          <a:effectRef idx="0">
+            <a:schemeClr val="accent1"/>
+          </a:effectRef>
+          <a:fontRef idx="minor">
+            <a:schemeClr val="tx1"/>
+          </a:fontRef>
+        </p:style>
+      </p:cxnSp>
+    </p:spTree>
+    <p:extLst>
+      <p:ext uri="{BB962C8B-B14F-4D97-AF65-F5344CB8AC3E}">
+        <p14:creationId xmlns:p14="http://schemas.microsoft.com/office/powerpoint/2010/main" val="3127263991"/>
+      </p:ext>
+    </p:extLst>
+  </p:cSld>
+  <p:clrMapOvr>
+    <a:masterClrMapping/>
+  </p:clrMapOvr>
+</p:sld>
+</file>
+
+<file path=ppt/slides/slide11.xml><?xml version="1.0" encoding="utf-8"?>
+<p:sld xmlns:a="http://schemas.openxmlformats.org/drawingml/2006/main" xmlns:r="http://schemas.openxmlformats.org/officeDocument/2006/relationships" xmlns:p="http://schemas.openxmlformats.org/presentationml/2006/main">
+  <p:cSld>
+    <p:spTree>
+      <p:nvGrpSpPr>
+        <p:cNvPr id="1" name=""/>
+        <p:cNvGrpSpPr/>
+        <p:nvPr/>
+      </p:nvGrpSpPr>
+      <p:grpSpPr>
+        <a:xfrm>
+          <a:off x="0" y="0"/>
+          <a:ext cx="0" cy="0"/>
+          <a:chOff x="0" y="0"/>
+          <a:chExt cx="0" cy="0"/>
+        </a:xfrm>
+      </p:grpSpPr>
       <p:sp>
         <p:nvSpPr>
           <p:cNvPr id="2" name="Title 1">
@@ -10709,6 +11786,49 @@
           </a:p>
         </p:txBody>
       </p:sp>
+      <p:cxnSp>
+        <p:nvCxnSpPr>
+          <p:cNvPr id="7" name="Straight Connector 6">
+            <a:extLst>
+              <a:ext uri="{FF2B5EF4-FFF2-40B4-BE49-F238E27FC236}">
+                <a16:creationId xmlns:a16="http://schemas.microsoft.com/office/drawing/2014/main" id="{BD5E20BB-00D3-45BF-8D33-5940DAB89EC8}"/>
+              </a:ext>
+            </a:extLst>
+          </p:cNvPr>
+          <p:cNvCxnSpPr>
+            <a:cxnSpLocks/>
+          </p:cNvCxnSpPr>
+          <p:nvPr/>
+        </p:nvCxnSpPr>
+        <p:spPr>
+          <a:xfrm>
+            <a:off x="1069848" y="4343400"/>
+            <a:ext cx="7007352" cy="733425"/>
+          </a:xfrm>
+          <a:prstGeom prst="line">
+            <a:avLst/>
+          </a:prstGeom>
+          <a:ln>
+            <a:solidFill>
+              <a:srgbClr val="FF0000"/>
+            </a:solidFill>
+          </a:ln>
+        </p:spPr>
+        <p:style>
+          <a:lnRef idx="1">
+            <a:schemeClr val="accent1"/>
+          </a:lnRef>
+          <a:fillRef idx="0">
+            <a:schemeClr val="accent1"/>
+          </a:fillRef>
+          <a:effectRef idx="0">
+            <a:schemeClr val="accent1"/>
+          </a:effectRef>
+          <a:fontRef idx="minor">
+            <a:schemeClr val="tx1"/>
+          </a:fontRef>
+        </p:style>
+      </p:cxnSp>
     </p:spTree>
     <p:extLst>
       <p:ext uri="{BB962C8B-B14F-4D97-AF65-F5344CB8AC3E}">
@@ -10722,7 +11842,7 @@
 </p:sld>
 </file>
 
-<file path=ppt/slides/slide11.xml><?xml version="1.0" encoding="utf-8"?>
+<file path=ppt/slides/slide12.xml><?xml version="1.0" encoding="utf-8"?>
 <p:sld xmlns:a="http://schemas.openxmlformats.org/drawingml/2006/main" xmlns:r="http://schemas.openxmlformats.org/officeDocument/2006/relationships" xmlns:p="http://schemas.openxmlformats.org/presentationml/2006/main">
   <p:cSld>
     <p:spTree>
@@ -10880,7 +12000,7 @@
 </p:sld>
 </file>
 
-<file path=ppt/slides/slide12.xml><?xml version="1.0" encoding="utf-8"?>
+<file path=ppt/slides/slide13.xml><?xml version="1.0" encoding="utf-8"?>
 <p:sld xmlns:a="http://schemas.openxmlformats.org/drawingml/2006/main" xmlns:r="http://schemas.openxmlformats.org/officeDocument/2006/relationships" xmlns:p="http://schemas.openxmlformats.org/presentationml/2006/main">
   <p:cSld>
     <p:spTree>
@@ -11204,8 +12324,19 @@
                 <a:latin typeface="Cascadia Mono" pitchFamily="50" charset="0"/>
                 <a:cs typeface="Cascadia Mono" pitchFamily="50" charset="0"/>
               </a:rPr>
-              <a:t>PS&gt; cd 2myprj</a:t>
-            </a:r>
+              <a:t>PS&gt; cd </a:t>
+            </a:r>
+            <a:r>
+              <a:rPr lang="en-US" sz="1400" dirty="0" err="1">
+                <a:latin typeface="Cascadia Mono" pitchFamily="50" charset="0"/>
+                <a:cs typeface="Cascadia Mono" pitchFamily="50" charset="0"/>
+              </a:rPr>
+              <a:t>QuestionPrj</a:t>
+            </a:r>
+            <a:endParaRPr lang="en-US" sz="1400" dirty="0">
+              <a:latin typeface="Cascadia Mono" pitchFamily="50" charset="0"/>
+              <a:cs typeface="Cascadia Mono" pitchFamily="50" charset="0"/>
+            </a:endParaRPr>
           </a:p>
           <a:p>
             <a:pPr marL="0" indent="0">
@@ -11240,7 +12371,7 @@
                 <a:latin typeface="Cascadia Mono" pitchFamily="50" charset="0"/>
                 <a:cs typeface="Cascadia Mono" pitchFamily="50" charset="0"/>
               </a:rPr>
-              <a:t>PS&gt; git commit –m “add static files deploy”</a:t>
+              <a:t>PS&gt; git commit –m “add user account deploy”</a:t>
             </a:r>
           </a:p>
           <a:p>
@@ -11535,21 +12666,7 @@
                 <a:latin typeface="Cascadia Mono" pitchFamily="50" charset="0"/>
                 <a:cs typeface="Cascadia Mono" pitchFamily="50" charset="0"/>
               </a:rPr>
-              <a:t>PS&gt; git subtree push --prefix </a:t>
-            </a:r>
-            <a:r>
-              <a:rPr lang="en-MY" sz="1400" dirty="0" err="1">
-                <a:latin typeface="Cascadia Mono" pitchFamily="50" charset="0"/>
-                <a:cs typeface="Cascadia Mono" pitchFamily="50" charset="0"/>
-              </a:rPr>
-              <a:t>QuestionPrj</a:t>
-            </a:r>
-            <a:r>
-              <a:rPr lang="en-MY" sz="1400" dirty="0">
-                <a:latin typeface="Cascadia Mono" pitchFamily="50" charset="0"/>
-                <a:cs typeface="Cascadia Mono" pitchFamily="50" charset="0"/>
-              </a:rPr>
-              <a:t> </a:t>
+              <a:t>PS&gt; git push </a:t>
             </a:r>
             <a:r>
               <a:rPr lang="en-MY" sz="1400" dirty="0" err="1">
@@ -11661,7 +12778,7 @@
           <a:p>
             <a:r>
               <a:rPr lang="en-US" dirty="0"/>
-              <a:t>What does is mean of user account</a:t>
+              <a:t>What does it mean: user account</a:t>
             </a:r>
             <a:endParaRPr lang="en-MY" dirty="0"/>
           </a:p>
@@ -11823,19 +12940,32 @@
           </a:xfrm>
         </p:spPr>
         <p:txBody>
-          <a:bodyPr/>
+          <a:bodyPr>
+            <a:normAutofit lnSpcReduction="10000"/>
+          </a:bodyPr>
           <a:lstStyle/>
           <a:p>
             <a:r>
               <a:rPr lang="en-US" dirty="0"/>
-              <a:t>Django “auth” app, has the login and logout. It require a “registration” fold, for it’s template files.</a:t>
+              <a:t>Django “auth” app, has the login and logout. It require a “registration” folder, for it’s template files.</a:t>
             </a:r>
           </a:p>
           <a:p>
             <a:r>
               <a:rPr lang="en-US" dirty="0"/>
-              <a:t>Add QuestionPrj/urls.py</a:t>
-            </a:r>
+              <a:t>Add ‘accounts/’ </a:t>
+            </a:r>
+            <a:r>
+              <a:rPr lang="en-US" dirty="0" err="1"/>
+              <a:t>url</a:t>
+            </a:r>
+            <a:r>
+              <a:rPr lang="en-US" dirty="0"/>
+              <a:t> for QuestionPrj/urls.py</a:t>
+            </a:r>
+          </a:p>
+          <a:p>
+            <a:endParaRPr lang="en-US" dirty="0"/>
           </a:p>
           <a:p>
             <a:endParaRPr lang="en-US" dirty="0"/>
@@ -11849,83 +12979,6 @@
               <a:t>Add a login template. (no need logout template as no need fill anything for logout)</a:t>
             </a:r>
             <a:endParaRPr lang="en-MY" dirty="0"/>
-          </a:p>
-        </p:txBody>
-      </p:sp>
-      <p:pic>
-        <p:nvPicPr>
-          <p:cNvPr id="5" name="Picture 4">
-            <a:extLst>
-              <a:ext uri="{FF2B5EF4-FFF2-40B4-BE49-F238E27FC236}">
-                <a16:creationId xmlns:a16="http://schemas.microsoft.com/office/drawing/2014/main" id="{E9B8DA7C-0123-4C49-BBC9-8CB71EF026DD}"/>
-              </a:ext>
-            </a:extLst>
-          </p:cNvPr>
-          <p:cNvPicPr>
-            <a:picLocks noChangeAspect="1"/>
-          </p:cNvPicPr>
-          <p:nvPr/>
-        </p:nvPicPr>
-        <p:blipFill>
-          <a:blip r:embed="rId2"/>
-          <a:stretch>
-            <a:fillRect/>
-          </a:stretch>
-        </p:blipFill>
-        <p:spPr>
-          <a:xfrm>
-            <a:off x="4591380" y="2742011"/>
-            <a:ext cx="5210902" cy="1143160"/>
-          </a:xfrm>
-          <a:prstGeom prst="rect">
-            <a:avLst/>
-          </a:prstGeom>
-        </p:spPr>
-      </p:pic>
-      <p:sp>
-        <p:nvSpPr>
-          <p:cNvPr id="6" name="Rectangle 5">
-            <a:extLst>
-              <a:ext uri="{FF2B5EF4-FFF2-40B4-BE49-F238E27FC236}">
-                <a16:creationId xmlns:a16="http://schemas.microsoft.com/office/drawing/2014/main" id="{E5DA674E-A5B8-4049-ADEB-F153311F0123}"/>
-              </a:ext>
-            </a:extLst>
-          </p:cNvPr>
-          <p:cNvSpPr/>
-          <p:nvPr/>
-        </p:nvSpPr>
-        <p:spPr>
-          <a:xfrm>
-            <a:off x="4963495" y="3163078"/>
-            <a:ext cx="4814596" cy="195383"/>
-          </a:xfrm>
-          <a:prstGeom prst="rect">
-            <a:avLst/>
-          </a:prstGeom>
-          <a:noFill/>
-        </p:spPr>
-        <p:style>
-          <a:lnRef idx="2">
-            <a:schemeClr val="accent1">
-              <a:shade val="50000"/>
-            </a:schemeClr>
-          </a:lnRef>
-          <a:fillRef idx="1">
-            <a:schemeClr val="accent1"/>
-          </a:fillRef>
-          <a:effectRef idx="0">
-            <a:schemeClr val="accent1"/>
-          </a:effectRef>
-          <a:fontRef idx="minor">
-            <a:schemeClr val="lt1"/>
-          </a:fontRef>
-        </p:style>
-        <p:txBody>
-          <a:bodyPr rtlCol="0" anchor="ctr"/>
-          <a:lstStyle/>
-          <a:p>
-            <a:pPr algn="ctr"/>
-            <a:endParaRPr lang="en-MY"/>
           </a:p>
         </p:txBody>
       </p:sp>
@@ -11945,1451 +12998,8 @@
         </p:nvSpPr>
         <p:spPr>
           <a:xfrm>
-            <a:off x="2169110" y="4579956"/>
+            <a:off x="2075803" y="4823737"/>
             <a:ext cx="8953042" cy="1609344"/>
-          </a:xfrm>
-          <a:prstGeom prst="rect">
-            <a:avLst/>
-          </a:prstGeom>
-        </p:spPr>
-        <p:txBody>
-          <a:bodyPr vert="horz" lIns="91440" tIns="45720" rIns="91440" bIns="45720" rtlCol="0">
-            <a:normAutofit lnSpcReduction="10000"/>
-          </a:bodyPr>
-          <a:lstStyle>
-            <a:lvl1pPr marL="182880" indent="-182880" algn="l" defTabSz="914400" rtl="0" eaLnBrk="1" latinLnBrk="0" hangingPunct="1">
-              <a:lnSpc>
-                <a:spcPct val="90000"/>
-              </a:lnSpc>
-              <a:spcBef>
-                <a:spcPts val="1200"/>
-              </a:spcBef>
-              <a:buClr>
-                <a:schemeClr val="accent1">
-                  <a:lumMod val="75000"/>
-                </a:schemeClr>
-              </a:buClr>
-              <a:buSzPct val="85000"/>
-              <a:buFont typeface="Wingdings" pitchFamily="2" charset="2"/>
-              <a:buChar char="§"/>
-              <a:defRPr sz="2000" kern="1200">
-                <a:solidFill>
-                  <a:schemeClr val="tx1"/>
-                </a:solidFill>
-                <a:latin typeface="+mn-lt"/>
-                <a:ea typeface="+mn-ea"/>
-                <a:cs typeface="+mn-cs"/>
-              </a:defRPr>
-            </a:lvl1pPr>
-            <a:lvl2pPr marL="457200" indent="-182880" algn="l" defTabSz="914400" rtl="0" eaLnBrk="1" latinLnBrk="0" hangingPunct="1">
-              <a:lnSpc>
-                <a:spcPct val="90000"/>
-              </a:lnSpc>
-              <a:spcBef>
-                <a:spcPts val="400"/>
-              </a:spcBef>
-              <a:spcAft>
-                <a:spcPts val="200"/>
-              </a:spcAft>
-              <a:buClr>
-                <a:schemeClr val="accent1">
-                  <a:lumMod val="75000"/>
-                </a:schemeClr>
-              </a:buClr>
-              <a:buSzPct val="85000"/>
-              <a:buFont typeface="Wingdings" pitchFamily="2" charset="2"/>
-              <a:buChar char="§"/>
-              <a:defRPr sz="1800" kern="1200">
-                <a:solidFill>
-                  <a:schemeClr val="tx1"/>
-                </a:solidFill>
-                <a:latin typeface="+mn-lt"/>
-                <a:ea typeface="+mn-ea"/>
-                <a:cs typeface="+mn-cs"/>
-              </a:defRPr>
-            </a:lvl2pPr>
-            <a:lvl3pPr marL="731520" indent="-182880" algn="l" defTabSz="914400" rtl="0" eaLnBrk="1" latinLnBrk="0" hangingPunct="1">
-              <a:lnSpc>
-                <a:spcPct val="90000"/>
-              </a:lnSpc>
-              <a:spcBef>
-                <a:spcPts val="400"/>
-              </a:spcBef>
-              <a:spcAft>
-                <a:spcPts val="200"/>
-              </a:spcAft>
-              <a:buClr>
-                <a:schemeClr val="accent1">
-                  <a:lumMod val="75000"/>
-                </a:schemeClr>
-              </a:buClr>
-              <a:buSzPct val="85000"/>
-              <a:buFont typeface="Wingdings" pitchFamily="2" charset="2"/>
-              <a:buChar char="§"/>
-              <a:defRPr sz="1600" kern="1200">
-                <a:solidFill>
-                  <a:schemeClr val="tx1"/>
-                </a:solidFill>
-                <a:latin typeface="+mn-lt"/>
-                <a:ea typeface="+mn-ea"/>
-                <a:cs typeface="+mn-cs"/>
-              </a:defRPr>
-            </a:lvl3pPr>
-            <a:lvl4pPr marL="1005840" indent="-182880" algn="l" defTabSz="914400" rtl="0" eaLnBrk="1" latinLnBrk="0" hangingPunct="1">
-              <a:lnSpc>
-                <a:spcPct val="90000"/>
-              </a:lnSpc>
-              <a:spcBef>
-                <a:spcPts val="400"/>
-              </a:spcBef>
-              <a:spcAft>
-                <a:spcPts val="200"/>
-              </a:spcAft>
-              <a:buClr>
-                <a:schemeClr val="accent1">
-                  <a:lumMod val="75000"/>
-                </a:schemeClr>
-              </a:buClr>
-              <a:buSzPct val="85000"/>
-              <a:buFont typeface="Wingdings" pitchFamily="2" charset="2"/>
-              <a:buChar char="§"/>
-              <a:defRPr sz="1600" kern="1200">
-                <a:solidFill>
-                  <a:schemeClr val="tx1"/>
-                </a:solidFill>
-                <a:latin typeface="+mn-lt"/>
-                <a:ea typeface="+mn-ea"/>
-                <a:cs typeface="+mn-cs"/>
-              </a:defRPr>
-            </a:lvl4pPr>
-            <a:lvl5pPr marL="1280160" indent="-182880" algn="l" defTabSz="914400" rtl="0" eaLnBrk="1" latinLnBrk="0" hangingPunct="1">
-              <a:lnSpc>
-                <a:spcPct val="90000"/>
-              </a:lnSpc>
-              <a:spcBef>
-                <a:spcPts val="400"/>
-              </a:spcBef>
-              <a:spcAft>
-                <a:spcPts val="200"/>
-              </a:spcAft>
-              <a:buClr>
-                <a:schemeClr val="accent1">
-                  <a:lumMod val="75000"/>
-                </a:schemeClr>
-              </a:buClr>
-              <a:buSzPct val="85000"/>
-              <a:buFont typeface="Wingdings" pitchFamily="2" charset="2"/>
-              <a:buChar char="§"/>
-              <a:defRPr sz="1600" kern="1200">
-                <a:solidFill>
-                  <a:schemeClr val="tx1"/>
-                </a:solidFill>
-                <a:latin typeface="+mn-lt"/>
-                <a:ea typeface="+mn-ea"/>
-                <a:cs typeface="+mn-cs"/>
-              </a:defRPr>
-            </a:lvl5pPr>
-            <a:lvl6pPr marL="1600000" indent="-228600" algn="l" defTabSz="914400" rtl="0" eaLnBrk="1" latinLnBrk="0" hangingPunct="1">
-              <a:lnSpc>
-                <a:spcPct val="90000"/>
-              </a:lnSpc>
-              <a:spcBef>
-                <a:spcPts val="400"/>
-              </a:spcBef>
-              <a:spcAft>
-                <a:spcPts val="200"/>
-              </a:spcAft>
-              <a:buClr>
-                <a:schemeClr val="accent1">
-                  <a:lumMod val="75000"/>
-                </a:schemeClr>
-              </a:buClr>
-              <a:buSzPct val="85000"/>
-              <a:buFont typeface="Wingdings" pitchFamily="2" charset="2"/>
-              <a:buChar char="§"/>
-              <a:defRPr sz="1600" kern="1200">
-                <a:solidFill>
-                  <a:schemeClr val="tx1"/>
-                </a:solidFill>
-                <a:latin typeface="+mn-lt"/>
-                <a:ea typeface="+mn-ea"/>
-                <a:cs typeface="+mn-cs"/>
-              </a:defRPr>
-            </a:lvl6pPr>
-            <a:lvl7pPr marL="1900000" indent="-228600" algn="l" defTabSz="914400" rtl="0" eaLnBrk="1" latinLnBrk="0" hangingPunct="1">
-              <a:lnSpc>
-                <a:spcPct val="90000"/>
-              </a:lnSpc>
-              <a:spcBef>
-                <a:spcPts val="400"/>
-              </a:spcBef>
-              <a:spcAft>
-                <a:spcPts val="200"/>
-              </a:spcAft>
-              <a:buClr>
-                <a:schemeClr val="accent1">
-                  <a:lumMod val="75000"/>
-                </a:schemeClr>
-              </a:buClr>
-              <a:buSzPct val="85000"/>
-              <a:buFont typeface="Wingdings" pitchFamily="2" charset="2"/>
-              <a:buChar char="§"/>
-              <a:defRPr sz="1600" kern="1200">
-                <a:solidFill>
-                  <a:schemeClr val="tx1"/>
-                </a:solidFill>
-                <a:latin typeface="+mn-lt"/>
-                <a:ea typeface="+mn-ea"/>
-                <a:cs typeface="+mn-cs"/>
-              </a:defRPr>
-            </a:lvl7pPr>
-            <a:lvl8pPr marL="2200000" indent="-228600" algn="l" defTabSz="914400" rtl="0" eaLnBrk="1" latinLnBrk="0" hangingPunct="1">
-              <a:lnSpc>
-                <a:spcPct val="90000"/>
-              </a:lnSpc>
-              <a:spcBef>
-                <a:spcPts val="400"/>
-              </a:spcBef>
-              <a:spcAft>
-                <a:spcPts val="200"/>
-              </a:spcAft>
-              <a:buClr>
-                <a:schemeClr val="accent1">
-                  <a:lumMod val="75000"/>
-                </a:schemeClr>
-              </a:buClr>
-              <a:buSzPct val="85000"/>
-              <a:buFont typeface="Wingdings" pitchFamily="2" charset="2"/>
-              <a:buChar char="§"/>
-              <a:defRPr sz="1600" kern="1200">
-                <a:solidFill>
-                  <a:schemeClr val="tx1"/>
-                </a:solidFill>
-                <a:latin typeface="+mn-lt"/>
-                <a:ea typeface="+mn-ea"/>
-                <a:cs typeface="+mn-cs"/>
-              </a:defRPr>
-            </a:lvl8pPr>
-            <a:lvl9pPr marL="2500000" indent="-228600" algn="l" defTabSz="914400" rtl="0" eaLnBrk="1" latinLnBrk="0" hangingPunct="1">
-              <a:lnSpc>
-                <a:spcPct val="90000"/>
-              </a:lnSpc>
-              <a:spcBef>
-                <a:spcPts val="400"/>
-              </a:spcBef>
-              <a:spcAft>
-                <a:spcPts val="200"/>
-              </a:spcAft>
-              <a:buClr>
-                <a:schemeClr val="accent1">
-                  <a:lumMod val="75000"/>
-                </a:schemeClr>
-              </a:buClr>
-              <a:buSzPct val="85000"/>
-              <a:buFont typeface="Wingdings" pitchFamily="2" charset="2"/>
-              <a:buChar char="§"/>
-              <a:defRPr sz="1600" kern="1200">
-                <a:solidFill>
-                  <a:schemeClr val="tx1"/>
-                </a:solidFill>
-                <a:latin typeface="+mn-lt"/>
-                <a:ea typeface="+mn-ea"/>
-                <a:cs typeface="+mn-cs"/>
-              </a:defRPr>
-            </a:lvl9pPr>
-          </a:lstStyle>
-          <a:p>
-            <a:pPr marL="0" indent="0">
-              <a:buNone/>
-            </a:pPr>
-            <a:r>
-              <a:rPr lang="en-US" sz="1400" dirty="0">
-                <a:latin typeface="Cascadia Mono" pitchFamily="50" charset="0"/>
-                <a:cs typeface="Cascadia Mono" pitchFamily="50" charset="0"/>
-              </a:rPr>
-              <a:t>PS&gt; cd 2myprj</a:t>
-            </a:r>
-          </a:p>
-          <a:p>
-            <a:pPr marL="0" indent="0">
-              <a:buNone/>
-            </a:pPr>
-            <a:r>
-              <a:rPr lang="en-US" sz="1400" dirty="0">
-                <a:latin typeface="Cascadia Mono" pitchFamily="50" charset="0"/>
-                <a:cs typeface="Cascadia Mono" pitchFamily="50" charset="0"/>
-              </a:rPr>
-              <a:t>PS&gt; </a:t>
-            </a:r>
-            <a:r>
-              <a:rPr lang="en-US" sz="1400" dirty="0" err="1">
-                <a:latin typeface="Cascadia Mono" pitchFamily="50" charset="0"/>
-                <a:cs typeface="Cascadia Mono" pitchFamily="50" charset="0"/>
-              </a:rPr>
-              <a:t>pipenv</a:t>
-            </a:r>
-            <a:r>
-              <a:rPr lang="en-US" sz="1400" dirty="0">
-                <a:latin typeface="Cascadia Mono" pitchFamily="50" charset="0"/>
-                <a:cs typeface="Cascadia Mono" pitchFamily="50" charset="0"/>
-              </a:rPr>
-              <a:t> shell</a:t>
-            </a:r>
-          </a:p>
-          <a:p>
-            <a:pPr marL="0" indent="0">
-              <a:buNone/>
-            </a:pPr>
-            <a:r>
-              <a:rPr lang="en-US" sz="1400" dirty="0">
-                <a:latin typeface="Cascadia Mono" pitchFamily="50" charset="0"/>
-                <a:cs typeface="Cascadia Mono" pitchFamily="50" charset="0"/>
-              </a:rPr>
-              <a:t>PS&gt; cd </a:t>
-            </a:r>
-            <a:r>
-              <a:rPr lang="en-US" sz="1400" dirty="0" err="1">
-                <a:latin typeface="Cascadia Mono" pitchFamily="50" charset="0"/>
-                <a:cs typeface="Cascadia Mono" pitchFamily="50" charset="0"/>
-              </a:rPr>
-              <a:t>QuestionPrj</a:t>
-            </a:r>
-            <a:endParaRPr lang="en-US" sz="1400" dirty="0">
-              <a:latin typeface="Cascadia Mono" pitchFamily="50" charset="0"/>
-              <a:cs typeface="Cascadia Mono" pitchFamily="50" charset="0"/>
-            </a:endParaRPr>
-          </a:p>
-          <a:p>
-            <a:pPr marL="0" indent="0">
-              <a:buNone/>
-            </a:pPr>
-            <a:r>
-              <a:rPr lang="en-US" sz="1400" dirty="0">
-                <a:latin typeface="Cascadia Mono" pitchFamily="50" charset="0"/>
-                <a:cs typeface="Cascadia Mono" pitchFamily="50" charset="0"/>
-              </a:rPr>
-              <a:t>PS&gt; </a:t>
-            </a:r>
-            <a:r>
-              <a:rPr lang="en-US" sz="1400" dirty="0" err="1">
-                <a:latin typeface="Cascadia Mono" pitchFamily="50" charset="0"/>
-                <a:cs typeface="Cascadia Mono" pitchFamily="50" charset="0"/>
-              </a:rPr>
-              <a:t>makdir</a:t>
-            </a:r>
-            <a:r>
-              <a:rPr lang="en-US" sz="1400" dirty="0">
-                <a:latin typeface="Cascadia Mono" pitchFamily="50" charset="0"/>
-                <a:cs typeface="Cascadia Mono" pitchFamily="50" charset="0"/>
-              </a:rPr>
-              <a:t> templates/registration</a:t>
-            </a:r>
-          </a:p>
-          <a:p>
-            <a:pPr marL="0" indent="0">
-              <a:buNone/>
-            </a:pPr>
-            <a:r>
-              <a:rPr lang="en-US" sz="1400" dirty="0">
-                <a:latin typeface="Cascadia Mono" pitchFamily="50" charset="0"/>
-                <a:cs typeface="Cascadia Mono" pitchFamily="50" charset="0"/>
-              </a:rPr>
-              <a:t>PS&gt; </a:t>
-            </a:r>
-            <a:r>
-              <a:rPr lang="en-US" sz="1400" dirty="0" err="1">
-                <a:latin typeface="Cascadia Mono" pitchFamily="50" charset="0"/>
-                <a:cs typeface="Cascadia Mono" pitchFamily="50" charset="0"/>
-              </a:rPr>
-              <a:t>ni</a:t>
-            </a:r>
-            <a:r>
-              <a:rPr lang="en-US" sz="1400" dirty="0">
-                <a:latin typeface="Cascadia Mono" pitchFamily="50" charset="0"/>
-                <a:cs typeface="Cascadia Mono" pitchFamily="50" charset="0"/>
-              </a:rPr>
-              <a:t> templates/registration/login.html</a:t>
-            </a:r>
-          </a:p>
-        </p:txBody>
-      </p:sp>
-      <p:sp>
-        <p:nvSpPr>
-          <p:cNvPr id="4" name="TextBox 3">
-            <a:extLst>
-              <a:ext uri="{FF2B5EF4-FFF2-40B4-BE49-F238E27FC236}">
-                <a16:creationId xmlns:a16="http://schemas.microsoft.com/office/drawing/2014/main" id="{D8059DE7-D4C8-4EE9-8D70-A7C8DDE77EB9}"/>
-              </a:ext>
-            </a:extLst>
-          </p:cNvPr>
-          <p:cNvSpPr txBox="1"/>
-          <p:nvPr/>
-        </p:nvSpPr>
-        <p:spPr>
-          <a:xfrm>
-            <a:off x="6124578" y="3122269"/>
-            <a:ext cx="373820" cy="276999"/>
-          </a:xfrm>
-          <a:prstGeom prst="rect">
-            <a:avLst/>
-          </a:prstGeom>
-          <a:noFill/>
-        </p:spPr>
-        <p:txBody>
-          <a:bodyPr wrap="none" rtlCol="0">
-            <a:spAutoFit/>
-          </a:bodyPr>
-          <a:lstStyle/>
-          <a:p>
-            <a:r>
-              <a:rPr lang="en-US" sz="1200" b="1" dirty="0">
-                <a:solidFill>
-                  <a:srgbClr val="8AE1F2"/>
-                </a:solidFill>
-                <a:latin typeface="Fira Code SemiBold" panose="020B0809050000020004" pitchFamily="49" charset="0"/>
-                <a:ea typeface="Fira Code SemiBold" panose="020B0809050000020004" pitchFamily="49" charset="0"/>
-              </a:rPr>
-              <a:t>/’</a:t>
-            </a:r>
-            <a:endParaRPr lang="en-MY" sz="1200" b="1" dirty="0">
-              <a:solidFill>
-                <a:srgbClr val="8AE1F2"/>
-              </a:solidFill>
-              <a:latin typeface="Fira Code SemiBold" panose="020B0809050000020004" pitchFamily="49" charset="0"/>
-              <a:ea typeface="Fira Code SemiBold" panose="020B0809050000020004" pitchFamily="49" charset="0"/>
-            </a:endParaRPr>
-          </a:p>
-        </p:txBody>
-      </p:sp>
-    </p:spTree>
-    <p:extLst>
-      <p:ext uri="{BB962C8B-B14F-4D97-AF65-F5344CB8AC3E}">
-        <p14:creationId xmlns:p14="http://schemas.microsoft.com/office/powerpoint/2010/main" val="1863198769"/>
-      </p:ext>
-    </p:extLst>
-  </p:cSld>
-  <p:clrMapOvr>
-    <a:masterClrMapping/>
-  </p:clrMapOvr>
-</p:sld>
-</file>
-
-<file path=ppt/slides/slide4.xml><?xml version="1.0" encoding="utf-8"?>
-<p:sld xmlns:a="http://schemas.openxmlformats.org/drawingml/2006/main" xmlns:r="http://schemas.openxmlformats.org/officeDocument/2006/relationships" xmlns:p="http://schemas.openxmlformats.org/presentationml/2006/main">
-  <p:cSld>
-    <p:spTree>
-      <p:nvGrpSpPr>
-        <p:cNvPr id="1" name=""/>
-        <p:cNvGrpSpPr/>
-        <p:nvPr/>
-      </p:nvGrpSpPr>
-      <p:grpSpPr>
-        <a:xfrm>
-          <a:off x="0" y="0"/>
-          <a:ext cx="0" cy="0"/>
-          <a:chOff x="0" y="0"/>
-          <a:chExt cx="0" cy="0"/>
-        </a:xfrm>
-      </p:grpSpPr>
-      <p:pic>
-        <p:nvPicPr>
-          <p:cNvPr id="10" name="Picture 9">
-            <a:extLst>
-              <a:ext uri="{FF2B5EF4-FFF2-40B4-BE49-F238E27FC236}">
-                <a16:creationId xmlns:a16="http://schemas.microsoft.com/office/drawing/2014/main" id="{4B1AD44D-332F-43B0-BD82-C149E8DAD636}"/>
-              </a:ext>
-            </a:extLst>
-          </p:cNvPr>
-          <p:cNvPicPr>
-            <a:picLocks noChangeAspect="1"/>
-          </p:cNvPicPr>
-          <p:nvPr/>
-        </p:nvPicPr>
-        <p:blipFill>
-          <a:blip r:embed="rId2"/>
-          <a:stretch>
-            <a:fillRect/>
-          </a:stretch>
-        </p:blipFill>
-        <p:spPr>
-          <a:xfrm>
-            <a:off x="1608205" y="4781771"/>
-            <a:ext cx="9869277" cy="2029108"/>
-          </a:xfrm>
-          <a:prstGeom prst="rect">
-            <a:avLst/>
-          </a:prstGeom>
-        </p:spPr>
-      </p:pic>
-      <p:sp>
-        <p:nvSpPr>
-          <p:cNvPr id="2" name="Title 1">
-            <a:extLst>
-              <a:ext uri="{FF2B5EF4-FFF2-40B4-BE49-F238E27FC236}">
-                <a16:creationId xmlns:a16="http://schemas.microsoft.com/office/drawing/2014/main" id="{7973E765-D8D4-45A3-B1D3-2466DD9901A0}"/>
-              </a:ext>
-            </a:extLst>
-          </p:cNvPr>
-          <p:cNvSpPr>
-            <a:spLocks noGrp="1"/>
-          </p:cNvSpPr>
-          <p:nvPr>
-            <p:ph type="title"/>
-          </p:nvPr>
-        </p:nvSpPr>
-        <p:spPr/>
-        <p:txBody>
-          <a:bodyPr/>
-          <a:lstStyle/>
-          <a:p>
-            <a:r>
-              <a:rPr lang="en-US" dirty="0"/>
-              <a:t>Django ready made login and logout</a:t>
-            </a:r>
-            <a:endParaRPr lang="en-MY" dirty="0"/>
-          </a:p>
-        </p:txBody>
-      </p:sp>
-      <p:sp>
-        <p:nvSpPr>
-          <p:cNvPr id="3" name="Content Placeholder 2">
-            <a:extLst>
-              <a:ext uri="{FF2B5EF4-FFF2-40B4-BE49-F238E27FC236}">
-                <a16:creationId xmlns:a16="http://schemas.microsoft.com/office/drawing/2014/main" id="{B717ABF5-4B93-4344-8134-FEA09A3B53EA}"/>
-              </a:ext>
-            </a:extLst>
-          </p:cNvPr>
-          <p:cNvSpPr>
-            <a:spLocks noGrp="1"/>
-          </p:cNvSpPr>
-          <p:nvPr>
-            <p:ph idx="1"/>
-          </p:nvPr>
-        </p:nvSpPr>
-        <p:spPr/>
-        <p:txBody>
-          <a:bodyPr/>
-          <a:lstStyle/>
-          <a:p>
-            <a:r>
-              <a:rPr lang="en-US" dirty="0"/>
-              <a:t>Login template file</a:t>
-            </a:r>
-          </a:p>
-          <a:p>
-            <a:endParaRPr lang="en-US" dirty="0"/>
-          </a:p>
-          <a:p>
-            <a:endParaRPr lang="en-US" dirty="0"/>
-          </a:p>
-          <a:p>
-            <a:endParaRPr lang="en-US" dirty="0"/>
-          </a:p>
-          <a:p>
-            <a:endParaRPr lang="en-US" dirty="0"/>
-          </a:p>
-          <a:p>
-            <a:r>
-              <a:rPr lang="en-US" dirty="0"/>
-              <a:t>Add link in home.html</a:t>
-            </a:r>
-            <a:endParaRPr lang="en-MY" dirty="0"/>
-          </a:p>
-        </p:txBody>
-      </p:sp>
-      <p:pic>
-        <p:nvPicPr>
-          <p:cNvPr id="5" name="Picture 4">
-            <a:extLst>
-              <a:ext uri="{FF2B5EF4-FFF2-40B4-BE49-F238E27FC236}">
-                <a16:creationId xmlns:a16="http://schemas.microsoft.com/office/drawing/2014/main" id="{EA7B274C-8DFD-49D4-9016-E11B267FDA81}"/>
-              </a:ext>
-            </a:extLst>
-          </p:cNvPr>
-          <p:cNvPicPr>
-            <a:picLocks noChangeAspect="1"/>
-          </p:cNvPicPr>
-          <p:nvPr/>
-        </p:nvPicPr>
-        <p:blipFill rotWithShape="1">
-          <a:blip r:embed="rId3"/>
-          <a:srcRect t="1660"/>
-          <a:stretch/>
-        </p:blipFill>
-        <p:spPr>
-          <a:xfrm>
-            <a:off x="5204995" y="1745922"/>
-            <a:ext cx="4658375" cy="2876060"/>
-          </a:xfrm>
-          <a:prstGeom prst="rect">
-            <a:avLst/>
-          </a:prstGeom>
-        </p:spPr>
-      </p:pic>
-      <p:sp>
-        <p:nvSpPr>
-          <p:cNvPr id="8" name="Rectangle 7">
-            <a:extLst>
-              <a:ext uri="{FF2B5EF4-FFF2-40B4-BE49-F238E27FC236}">
-                <a16:creationId xmlns:a16="http://schemas.microsoft.com/office/drawing/2014/main" id="{BF02A866-DC6D-4DF1-9241-4AB6AB272C29}"/>
-              </a:ext>
-            </a:extLst>
-          </p:cNvPr>
-          <p:cNvSpPr/>
-          <p:nvPr/>
-        </p:nvSpPr>
-        <p:spPr>
-          <a:xfrm>
-            <a:off x="2006353" y="5450889"/>
-            <a:ext cx="8877670" cy="1100831"/>
-          </a:xfrm>
-          <a:prstGeom prst="rect">
-            <a:avLst/>
-          </a:prstGeom>
-          <a:noFill/>
-        </p:spPr>
-        <p:style>
-          <a:lnRef idx="2">
-            <a:schemeClr val="accent1">
-              <a:shade val="50000"/>
-            </a:schemeClr>
-          </a:lnRef>
-          <a:fillRef idx="1">
-            <a:schemeClr val="accent1"/>
-          </a:fillRef>
-          <a:effectRef idx="0">
-            <a:schemeClr val="accent1"/>
-          </a:effectRef>
-          <a:fontRef idx="minor">
-            <a:schemeClr val="lt1"/>
-          </a:fontRef>
-        </p:style>
-        <p:txBody>
-          <a:bodyPr rtlCol="0" anchor="ctr"/>
-          <a:lstStyle/>
-          <a:p>
-            <a:pPr algn="ctr"/>
-            <a:endParaRPr lang="en-MY"/>
-          </a:p>
-        </p:txBody>
-      </p:sp>
-    </p:spTree>
-    <p:extLst>
-      <p:ext uri="{BB962C8B-B14F-4D97-AF65-F5344CB8AC3E}">
-        <p14:creationId xmlns:p14="http://schemas.microsoft.com/office/powerpoint/2010/main" val="3125501235"/>
-      </p:ext>
-    </p:extLst>
-  </p:cSld>
-  <p:clrMapOvr>
-    <a:masterClrMapping/>
-  </p:clrMapOvr>
-</p:sld>
-</file>
-
-<file path=ppt/slides/slide5.xml><?xml version="1.0" encoding="utf-8"?>
-<p:sld xmlns:a="http://schemas.openxmlformats.org/drawingml/2006/main" xmlns:r="http://schemas.openxmlformats.org/officeDocument/2006/relationships" xmlns:p="http://schemas.openxmlformats.org/presentationml/2006/main">
-  <p:cSld>
-    <p:spTree>
-      <p:nvGrpSpPr>
-        <p:cNvPr id="1" name=""/>
-        <p:cNvGrpSpPr/>
-        <p:nvPr/>
-      </p:nvGrpSpPr>
-      <p:grpSpPr>
-        <a:xfrm>
-          <a:off x="0" y="0"/>
-          <a:ext cx="0" cy="0"/>
-          <a:chOff x="0" y="0"/>
-          <a:chExt cx="0" cy="0"/>
-        </a:xfrm>
-      </p:grpSpPr>
-      <p:sp>
-        <p:nvSpPr>
-          <p:cNvPr id="2" name="Title 1">
-            <a:extLst>
-              <a:ext uri="{FF2B5EF4-FFF2-40B4-BE49-F238E27FC236}">
-                <a16:creationId xmlns:a16="http://schemas.microsoft.com/office/drawing/2014/main" id="{7973E765-D8D4-45A3-B1D3-2466DD9901A0}"/>
-              </a:ext>
-            </a:extLst>
-          </p:cNvPr>
-          <p:cNvSpPr>
-            <a:spLocks noGrp="1"/>
-          </p:cNvSpPr>
-          <p:nvPr>
-            <p:ph type="title"/>
-          </p:nvPr>
-        </p:nvSpPr>
-        <p:spPr/>
-        <p:txBody>
-          <a:bodyPr/>
-          <a:lstStyle/>
-          <a:p>
-            <a:r>
-              <a:rPr lang="en-US" dirty="0"/>
-              <a:t>Django ready made login and logout</a:t>
-            </a:r>
-            <a:endParaRPr lang="en-MY" dirty="0"/>
-          </a:p>
-        </p:txBody>
-      </p:sp>
-      <p:sp>
-        <p:nvSpPr>
-          <p:cNvPr id="3" name="Content Placeholder 2">
-            <a:extLst>
-              <a:ext uri="{FF2B5EF4-FFF2-40B4-BE49-F238E27FC236}">
-                <a16:creationId xmlns:a16="http://schemas.microsoft.com/office/drawing/2014/main" id="{B717ABF5-4B93-4344-8134-FEA09A3B53EA}"/>
-              </a:ext>
-            </a:extLst>
-          </p:cNvPr>
-          <p:cNvSpPr>
-            <a:spLocks noGrp="1"/>
-          </p:cNvSpPr>
-          <p:nvPr>
-            <p:ph idx="1"/>
-          </p:nvPr>
-        </p:nvSpPr>
-        <p:spPr>
-          <a:xfrm>
-            <a:off x="1069848" y="2121408"/>
-            <a:ext cx="9032940" cy="2494980"/>
-          </a:xfrm>
-        </p:spPr>
-        <p:txBody>
-          <a:bodyPr/>
-          <a:lstStyle/>
-          <a:p>
-            <a:r>
-              <a:rPr lang="en-US" dirty="0"/>
-              <a:t>Still one step to go: after successful login, which page to land the user?</a:t>
-            </a:r>
-          </a:p>
-          <a:p>
-            <a:r>
-              <a:rPr lang="en-US" dirty="0"/>
-              <a:t>After successful logout, which page to land the user?</a:t>
-            </a:r>
-          </a:p>
-          <a:p>
-            <a:r>
-              <a:rPr lang="en-US" dirty="0"/>
-              <a:t>We give this in settings.py</a:t>
-            </a:r>
-          </a:p>
-        </p:txBody>
-      </p:sp>
-      <p:pic>
-        <p:nvPicPr>
-          <p:cNvPr id="6" name="Picture 5">
-            <a:extLst>
-              <a:ext uri="{FF2B5EF4-FFF2-40B4-BE49-F238E27FC236}">
-                <a16:creationId xmlns:a16="http://schemas.microsoft.com/office/drawing/2014/main" id="{FB5388D1-42AC-4365-8B0C-A1B5F4FF4BB3}"/>
-              </a:ext>
-            </a:extLst>
-          </p:cNvPr>
-          <p:cNvPicPr>
-            <a:picLocks noChangeAspect="1"/>
-          </p:cNvPicPr>
-          <p:nvPr/>
-        </p:nvPicPr>
-        <p:blipFill>
-          <a:blip r:embed="rId2"/>
-          <a:stretch>
-            <a:fillRect/>
-          </a:stretch>
-        </p:blipFill>
-        <p:spPr>
-          <a:xfrm>
-            <a:off x="3087105" y="3908859"/>
-            <a:ext cx="4153480" cy="638264"/>
-          </a:xfrm>
-          <a:prstGeom prst="rect">
-            <a:avLst/>
-          </a:prstGeom>
-        </p:spPr>
-      </p:pic>
-    </p:spTree>
-    <p:extLst>
-      <p:ext uri="{BB962C8B-B14F-4D97-AF65-F5344CB8AC3E}">
-        <p14:creationId xmlns:p14="http://schemas.microsoft.com/office/powerpoint/2010/main" val="2608967044"/>
-      </p:ext>
-    </p:extLst>
-  </p:cSld>
-  <p:clrMapOvr>
-    <a:masterClrMapping/>
-  </p:clrMapOvr>
-</p:sld>
-</file>
-
-<file path=ppt/slides/slide6.xml><?xml version="1.0" encoding="utf-8"?>
-<p:sld xmlns:a="http://schemas.openxmlformats.org/drawingml/2006/main" xmlns:r="http://schemas.openxmlformats.org/officeDocument/2006/relationships" xmlns:p="http://schemas.openxmlformats.org/presentationml/2006/main">
-  <p:cSld>
-    <p:spTree>
-      <p:nvGrpSpPr>
-        <p:cNvPr id="1" name=""/>
-        <p:cNvGrpSpPr/>
-        <p:nvPr/>
-      </p:nvGrpSpPr>
-      <p:grpSpPr>
-        <a:xfrm>
-          <a:off x="0" y="0"/>
-          <a:ext cx="0" cy="0"/>
-          <a:chOff x="0" y="0"/>
-          <a:chExt cx="0" cy="0"/>
-        </a:xfrm>
-      </p:grpSpPr>
-      <p:sp>
-        <p:nvSpPr>
-          <p:cNvPr id="2" name="Title 1">
-            <a:extLst>
-              <a:ext uri="{FF2B5EF4-FFF2-40B4-BE49-F238E27FC236}">
-                <a16:creationId xmlns:a16="http://schemas.microsoft.com/office/drawing/2014/main" id="{2C1E0989-3433-48A1-9439-ACD2093AF373}"/>
-              </a:ext>
-            </a:extLst>
-          </p:cNvPr>
-          <p:cNvSpPr>
-            <a:spLocks noGrp="1"/>
-          </p:cNvSpPr>
-          <p:nvPr>
-            <p:ph type="title"/>
-          </p:nvPr>
-        </p:nvSpPr>
-        <p:spPr/>
-        <p:txBody>
-          <a:bodyPr/>
-          <a:lstStyle/>
-          <a:p>
-            <a:r>
-              <a:rPr lang="en-US" dirty="0"/>
-              <a:t>After login, how to use the user information when post comment</a:t>
-            </a:r>
-            <a:endParaRPr lang="en-MY" dirty="0"/>
-          </a:p>
-        </p:txBody>
-      </p:sp>
-      <p:sp>
-        <p:nvSpPr>
-          <p:cNvPr id="3" name="Content Placeholder 2">
-            <a:extLst>
-              <a:ext uri="{FF2B5EF4-FFF2-40B4-BE49-F238E27FC236}">
-                <a16:creationId xmlns:a16="http://schemas.microsoft.com/office/drawing/2014/main" id="{0D31BA4D-869F-4022-82F0-C490CB27556A}"/>
-              </a:ext>
-            </a:extLst>
-          </p:cNvPr>
-          <p:cNvSpPr>
-            <a:spLocks noGrp="1"/>
-          </p:cNvSpPr>
-          <p:nvPr>
-            <p:ph idx="1"/>
-          </p:nvPr>
-        </p:nvSpPr>
-        <p:spPr>
-          <a:xfrm>
-            <a:off x="1069847" y="2121408"/>
-            <a:ext cx="9503457" cy="3018764"/>
-          </a:xfrm>
-        </p:spPr>
-        <p:txBody>
-          <a:bodyPr>
-            <a:normAutofit/>
-          </a:bodyPr>
-          <a:lstStyle/>
-          <a:p>
-            <a:r>
-              <a:rPr lang="en-US" dirty="0"/>
-              <a:t>For the </a:t>
-            </a:r>
-            <a:r>
-              <a:rPr lang="en-US" dirty="0" err="1"/>
-              <a:t>add_comment</a:t>
-            </a:r>
-            <a:r>
-              <a:rPr lang="en-US" dirty="0"/>
-              <a:t> view, remove the field of name and datetime, and we use </a:t>
-            </a:r>
-            <a:r>
-              <a:rPr lang="en-US" dirty="0" err="1"/>
-              <a:t>form_valid</a:t>
-            </a:r>
-            <a:r>
-              <a:rPr lang="en-US" dirty="0"/>
-              <a:t> to add the value from login user, and system time.</a:t>
-            </a:r>
-            <a:endParaRPr lang="en-MY" dirty="0"/>
-          </a:p>
-        </p:txBody>
-      </p:sp>
-      <p:pic>
-        <p:nvPicPr>
-          <p:cNvPr id="9" name="Picture 8">
-            <a:extLst>
-              <a:ext uri="{FF2B5EF4-FFF2-40B4-BE49-F238E27FC236}">
-                <a16:creationId xmlns:a16="http://schemas.microsoft.com/office/drawing/2014/main" id="{37773C4A-7DAE-44DD-8154-04C7DA07ECBE}"/>
-              </a:ext>
-            </a:extLst>
-          </p:cNvPr>
-          <p:cNvPicPr>
-            <a:picLocks noChangeAspect="1"/>
-          </p:cNvPicPr>
-          <p:nvPr/>
-        </p:nvPicPr>
-        <p:blipFill>
-          <a:blip r:embed="rId2"/>
-          <a:stretch>
-            <a:fillRect/>
-          </a:stretch>
-        </p:blipFill>
-        <p:spPr>
-          <a:xfrm>
-            <a:off x="3319075" y="3074045"/>
-            <a:ext cx="5553850" cy="3124636"/>
-          </a:xfrm>
-          <a:prstGeom prst="rect">
-            <a:avLst/>
-          </a:prstGeom>
-        </p:spPr>
-      </p:pic>
-      <p:sp>
-        <p:nvSpPr>
-          <p:cNvPr id="10" name="Rectangle 9">
-            <a:extLst>
-              <a:ext uri="{FF2B5EF4-FFF2-40B4-BE49-F238E27FC236}">
-                <a16:creationId xmlns:a16="http://schemas.microsoft.com/office/drawing/2014/main" id="{649F5FF8-90E4-48FD-A233-B67FDFA43E11}"/>
-              </a:ext>
-            </a:extLst>
-          </p:cNvPr>
-          <p:cNvSpPr/>
-          <p:nvPr/>
-        </p:nvSpPr>
-        <p:spPr>
-          <a:xfrm>
-            <a:off x="3630967" y="3719744"/>
-            <a:ext cx="4074850" cy="275207"/>
-          </a:xfrm>
-          <a:prstGeom prst="rect">
-            <a:avLst/>
-          </a:prstGeom>
-          <a:noFill/>
-        </p:spPr>
-        <p:style>
-          <a:lnRef idx="2">
-            <a:schemeClr val="accent1">
-              <a:shade val="50000"/>
-            </a:schemeClr>
-          </a:lnRef>
-          <a:fillRef idx="1">
-            <a:schemeClr val="accent1"/>
-          </a:fillRef>
-          <a:effectRef idx="0">
-            <a:schemeClr val="accent1"/>
-          </a:effectRef>
-          <a:fontRef idx="minor">
-            <a:schemeClr val="lt1"/>
-          </a:fontRef>
-        </p:style>
-        <p:txBody>
-          <a:bodyPr rtlCol="0" anchor="ctr"/>
-          <a:lstStyle/>
-          <a:p>
-            <a:pPr algn="ctr"/>
-            <a:endParaRPr lang="en-MY"/>
-          </a:p>
-        </p:txBody>
-      </p:sp>
-      <p:sp>
-        <p:nvSpPr>
-          <p:cNvPr id="11" name="Rectangle 10">
-            <a:extLst>
-              <a:ext uri="{FF2B5EF4-FFF2-40B4-BE49-F238E27FC236}">
-                <a16:creationId xmlns:a16="http://schemas.microsoft.com/office/drawing/2014/main" id="{BF17764D-AAAE-472D-89DC-B1FB661C239F}"/>
-              </a:ext>
-            </a:extLst>
-          </p:cNvPr>
-          <p:cNvSpPr/>
-          <p:nvPr/>
-        </p:nvSpPr>
-        <p:spPr>
-          <a:xfrm>
-            <a:off x="3610839" y="5225251"/>
-            <a:ext cx="4583250" cy="973430"/>
-          </a:xfrm>
-          <a:prstGeom prst="rect">
-            <a:avLst/>
-          </a:prstGeom>
-          <a:noFill/>
-        </p:spPr>
-        <p:style>
-          <a:lnRef idx="2">
-            <a:schemeClr val="accent1">
-              <a:shade val="50000"/>
-            </a:schemeClr>
-          </a:lnRef>
-          <a:fillRef idx="1">
-            <a:schemeClr val="accent1"/>
-          </a:fillRef>
-          <a:effectRef idx="0">
-            <a:schemeClr val="accent1"/>
-          </a:effectRef>
-          <a:fontRef idx="minor">
-            <a:schemeClr val="lt1"/>
-          </a:fontRef>
-        </p:style>
-        <p:txBody>
-          <a:bodyPr rtlCol="0" anchor="ctr"/>
-          <a:lstStyle/>
-          <a:p>
-            <a:pPr algn="ctr"/>
-            <a:endParaRPr lang="en-MY"/>
-          </a:p>
-        </p:txBody>
-      </p:sp>
-    </p:spTree>
-    <p:extLst>
-      <p:ext uri="{BB962C8B-B14F-4D97-AF65-F5344CB8AC3E}">
-        <p14:creationId xmlns:p14="http://schemas.microsoft.com/office/powerpoint/2010/main" val="2827388619"/>
-      </p:ext>
-    </p:extLst>
-  </p:cSld>
-  <p:clrMapOvr>
-    <a:masterClrMapping/>
-  </p:clrMapOvr>
-</p:sld>
-</file>
-
-<file path=ppt/slides/slide7.xml><?xml version="1.0" encoding="utf-8"?>
-<p:sld xmlns:a="http://schemas.openxmlformats.org/drawingml/2006/main" xmlns:r="http://schemas.openxmlformats.org/officeDocument/2006/relationships" xmlns:p="http://schemas.openxmlformats.org/presentationml/2006/main">
-  <p:cSld>
-    <p:spTree>
-      <p:nvGrpSpPr>
-        <p:cNvPr id="1" name=""/>
-        <p:cNvGrpSpPr/>
-        <p:nvPr/>
-      </p:nvGrpSpPr>
-      <p:grpSpPr>
-        <a:xfrm>
-          <a:off x="0" y="0"/>
-          <a:ext cx="0" cy="0"/>
-          <a:chOff x="0" y="0"/>
-          <a:chExt cx="0" cy="0"/>
-        </a:xfrm>
-      </p:grpSpPr>
-      <p:sp>
-        <p:nvSpPr>
-          <p:cNvPr id="2" name="Title 1">
-            <a:extLst>
-              <a:ext uri="{FF2B5EF4-FFF2-40B4-BE49-F238E27FC236}">
-                <a16:creationId xmlns:a16="http://schemas.microsoft.com/office/drawing/2014/main" id="{5EE8EF30-CDF7-4D40-BBC3-A016F1581E91}"/>
-              </a:ext>
-            </a:extLst>
-          </p:cNvPr>
-          <p:cNvSpPr>
-            <a:spLocks noGrp="1"/>
-          </p:cNvSpPr>
-          <p:nvPr>
-            <p:ph type="title"/>
-          </p:nvPr>
-        </p:nvSpPr>
-        <p:spPr>
-          <a:xfrm>
-            <a:off x="1069848" y="484632"/>
-            <a:ext cx="10444490" cy="1609344"/>
-          </a:xfrm>
-        </p:spPr>
-        <p:txBody>
-          <a:bodyPr>
-            <a:normAutofit fontScale="90000"/>
-          </a:bodyPr>
-          <a:lstStyle/>
-          <a:p>
-            <a:r>
-              <a:rPr lang="en-US" dirty="0"/>
-              <a:t>Add authorization: if not login, not allow add/delete/update, only allow view</a:t>
-            </a:r>
-            <a:endParaRPr lang="en-MY" dirty="0"/>
-          </a:p>
-        </p:txBody>
-      </p:sp>
-      <p:sp>
-        <p:nvSpPr>
-          <p:cNvPr id="3" name="Content Placeholder 2">
-            <a:extLst>
-              <a:ext uri="{FF2B5EF4-FFF2-40B4-BE49-F238E27FC236}">
-                <a16:creationId xmlns:a16="http://schemas.microsoft.com/office/drawing/2014/main" id="{8AB58A4F-C919-4A31-807C-EC89B878CA6F}"/>
-              </a:ext>
-            </a:extLst>
-          </p:cNvPr>
-          <p:cNvSpPr>
-            <a:spLocks noGrp="1"/>
-          </p:cNvSpPr>
-          <p:nvPr>
-            <p:ph idx="1"/>
-          </p:nvPr>
-        </p:nvSpPr>
-        <p:spPr/>
-        <p:txBody>
-          <a:bodyPr/>
-          <a:lstStyle/>
-          <a:p>
-            <a:r>
-              <a:rPr lang="en-US" dirty="0"/>
-              <a:t>For the add/delete/update view, add multiple inheritance, put </a:t>
-            </a:r>
-            <a:r>
-              <a:rPr lang="en-US" dirty="0" err="1"/>
-              <a:t>LoginRequiredMixin</a:t>
-            </a:r>
-            <a:r>
-              <a:rPr lang="en-US" dirty="0"/>
-              <a:t> before the corresponding view</a:t>
-            </a:r>
-          </a:p>
-          <a:p>
-            <a:endParaRPr lang="en-US" dirty="0"/>
-          </a:p>
-          <a:p>
-            <a:endParaRPr lang="en-US" dirty="0"/>
-          </a:p>
-          <a:p>
-            <a:endParaRPr lang="en-US" dirty="0"/>
-          </a:p>
-          <a:p>
-            <a:endParaRPr lang="en-US" dirty="0"/>
-          </a:p>
-          <a:p>
-            <a:r>
-              <a:rPr lang="en-US" dirty="0"/>
-              <a:t>If not login but try to edit/add/delete, will get a result of 404</a:t>
-            </a:r>
-          </a:p>
-          <a:p>
-            <a:r>
-              <a:rPr lang="en-US" dirty="0"/>
-              <a:t>This is because the URL contains additional parameters, and the Django default </a:t>
-            </a:r>
-            <a:r>
-              <a:rPr lang="en-US" dirty="0" err="1"/>
-              <a:t>url</a:t>
-            </a:r>
-            <a:r>
-              <a:rPr lang="en-US" dirty="0"/>
-              <a:t> conf cannot handle it. </a:t>
-            </a:r>
-            <a:endParaRPr lang="en-MY" dirty="0"/>
-          </a:p>
-        </p:txBody>
-      </p:sp>
-      <p:pic>
-        <p:nvPicPr>
-          <p:cNvPr id="5" name="Picture 4">
-            <a:extLst>
-              <a:ext uri="{FF2B5EF4-FFF2-40B4-BE49-F238E27FC236}">
-                <a16:creationId xmlns:a16="http://schemas.microsoft.com/office/drawing/2014/main" id="{60D0D001-9AF0-4D46-9C95-598F3D26799E}"/>
-              </a:ext>
-            </a:extLst>
-          </p:cNvPr>
-          <p:cNvPicPr>
-            <a:picLocks noChangeAspect="1"/>
-          </p:cNvPicPr>
-          <p:nvPr/>
-        </p:nvPicPr>
-        <p:blipFill>
-          <a:blip r:embed="rId2"/>
-          <a:stretch>
-            <a:fillRect/>
-          </a:stretch>
-        </p:blipFill>
-        <p:spPr>
-          <a:xfrm>
-            <a:off x="3048166" y="2971272"/>
-            <a:ext cx="4906060" cy="276264"/>
-          </a:xfrm>
-          <a:prstGeom prst="rect">
-            <a:avLst/>
-          </a:prstGeom>
-        </p:spPr>
-      </p:pic>
-      <p:pic>
-        <p:nvPicPr>
-          <p:cNvPr id="7" name="Picture 6">
-            <a:extLst>
-              <a:ext uri="{FF2B5EF4-FFF2-40B4-BE49-F238E27FC236}">
-                <a16:creationId xmlns:a16="http://schemas.microsoft.com/office/drawing/2014/main" id="{7437C158-A069-422B-AADD-0E0D829AEC1C}"/>
-              </a:ext>
-            </a:extLst>
-          </p:cNvPr>
-          <p:cNvPicPr>
-            <a:picLocks noChangeAspect="1"/>
-          </p:cNvPicPr>
-          <p:nvPr/>
-        </p:nvPicPr>
-        <p:blipFill>
-          <a:blip r:embed="rId3"/>
-          <a:stretch>
-            <a:fillRect/>
-          </a:stretch>
-        </p:blipFill>
-        <p:spPr>
-          <a:xfrm>
-            <a:off x="3048166" y="3372307"/>
-            <a:ext cx="5106113" cy="238158"/>
-          </a:xfrm>
-          <a:prstGeom prst="rect">
-            <a:avLst/>
-          </a:prstGeom>
-        </p:spPr>
-      </p:pic>
-      <p:pic>
-        <p:nvPicPr>
-          <p:cNvPr id="9" name="Picture 8">
-            <a:extLst>
-              <a:ext uri="{FF2B5EF4-FFF2-40B4-BE49-F238E27FC236}">
-                <a16:creationId xmlns:a16="http://schemas.microsoft.com/office/drawing/2014/main" id="{12850BA9-6FBC-4C07-AC21-CB7A0E506EC0}"/>
-              </a:ext>
-            </a:extLst>
-          </p:cNvPr>
-          <p:cNvPicPr>
-            <a:picLocks noChangeAspect="1"/>
-          </p:cNvPicPr>
-          <p:nvPr/>
-        </p:nvPicPr>
-        <p:blipFill>
-          <a:blip r:embed="rId4"/>
-          <a:stretch>
-            <a:fillRect/>
-          </a:stretch>
-        </p:blipFill>
-        <p:spPr>
-          <a:xfrm>
-            <a:off x="3048165" y="3735236"/>
-            <a:ext cx="5106113" cy="238158"/>
-          </a:xfrm>
-          <a:prstGeom prst="rect">
-            <a:avLst/>
-          </a:prstGeom>
-        </p:spPr>
-      </p:pic>
-      <p:pic>
-        <p:nvPicPr>
-          <p:cNvPr id="11" name="Picture 10">
-            <a:extLst>
-              <a:ext uri="{FF2B5EF4-FFF2-40B4-BE49-F238E27FC236}">
-                <a16:creationId xmlns:a16="http://schemas.microsoft.com/office/drawing/2014/main" id="{BCB8F241-42D3-45B5-A5F9-0AD2E00D14A5}"/>
-              </a:ext>
-            </a:extLst>
-          </p:cNvPr>
-          <p:cNvPicPr>
-            <a:picLocks noChangeAspect="1"/>
-          </p:cNvPicPr>
-          <p:nvPr/>
-        </p:nvPicPr>
-        <p:blipFill>
-          <a:blip r:embed="rId5"/>
-          <a:stretch>
-            <a:fillRect/>
-          </a:stretch>
-        </p:blipFill>
-        <p:spPr>
-          <a:xfrm>
-            <a:off x="2976718" y="5841926"/>
-            <a:ext cx="5048955" cy="457264"/>
-          </a:xfrm>
-          <a:prstGeom prst="rect">
-            <a:avLst/>
-          </a:prstGeom>
-        </p:spPr>
-      </p:pic>
-      <p:sp>
-        <p:nvSpPr>
-          <p:cNvPr id="12" name="Rectangle 11">
-            <a:extLst>
-              <a:ext uri="{FF2B5EF4-FFF2-40B4-BE49-F238E27FC236}">
-                <a16:creationId xmlns:a16="http://schemas.microsoft.com/office/drawing/2014/main" id="{4F3759CB-B455-40F8-9D37-2DF2E26F8EB2}"/>
-              </a:ext>
-            </a:extLst>
-          </p:cNvPr>
-          <p:cNvSpPr/>
-          <p:nvPr/>
-        </p:nvSpPr>
-        <p:spPr>
-          <a:xfrm>
-            <a:off x="6408421" y="6052802"/>
-            <a:ext cx="1536928" cy="226413"/>
-          </a:xfrm>
-          <a:prstGeom prst="rect">
-            <a:avLst/>
-          </a:prstGeom>
-          <a:noFill/>
-        </p:spPr>
-        <p:style>
-          <a:lnRef idx="2">
-            <a:schemeClr val="accent1">
-              <a:shade val="50000"/>
-            </a:schemeClr>
-          </a:lnRef>
-          <a:fillRef idx="1">
-            <a:schemeClr val="accent1"/>
-          </a:fillRef>
-          <a:effectRef idx="0">
-            <a:schemeClr val="accent1"/>
-          </a:effectRef>
-          <a:fontRef idx="minor">
-            <a:schemeClr val="lt1"/>
-          </a:fontRef>
-        </p:style>
-        <p:txBody>
-          <a:bodyPr rtlCol="0" anchor="ctr"/>
-          <a:lstStyle/>
-          <a:p>
-            <a:pPr algn="ctr"/>
-            <a:endParaRPr lang="en-MY"/>
-          </a:p>
-        </p:txBody>
-      </p:sp>
-    </p:spTree>
-    <p:extLst>
-      <p:ext uri="{BB962C8B-B14F-4D97-AF65-F5344CB8AC3E}">
-        <p14:creationId xmlns:p14="http://schemas.microsoft.com/office/powerpoint/2010/main" val="4222901175"/>
-      </p:ext>
-    </p:extLst>
-  </p:cSld>
-  <p:clrMapOvr>
-    <a:masterClrMapping/>
-  </p:clrMapOvr>
-</p:sld>
-</file>
-
-<file path=ppt/slides/slide8.xml><?xml version="1.0" encoding="utf-8"?>
-<p:sld xmlns:a="http://schemas.openxmlformats.org/drawingml/2006/main" xmlns:r="http://schemas.openxmlformats.org/officeDocument/2006/relationships" xmlns:p="http://schemas.openxmlformats.org/presentationml/2006/main">
-  <p:cSld>
-    <p:spTree>
-      <p:nvGrpSpPr>
-        <p:cNvPr id="1" name=""/>
-        <p:cNvGrpSpPr/>
-        <p:nvPr/>
-      </p:nvGrpSpPr>
-      <p:grpSpPr>
-        <a:xfrm>
-          <a:off x="0" y="0"/>
-          <a:ext cx="0" cy="0"/>
-          <a:chOff x="0" y="0"/>
-          <a:chExt cx="0" cy="0"/>
-        </a:xfrm>
-      </p:grpSpPr>
-      <p:sp>
-        <p:nvSpPr>
-          <p:cNvPr id="2" name="Title 1">
-            <a:extLst>
-              <a:ext uri="{FF2B5EF4-FFF2-40B4-BE49-F238E27FC236}">
-                <a16:creationId xmlns:a16="http://schemas.microsoft.com/office/drawing/2014/main" id="{EB465B98-2FC4-4C97-B122-B430860E1C75}"/>
-              </a:ext>
-            </a:extLst>
-          </p:cNvPr>
-          <p:cNvSpPr>
-            <a:spLocks noGrp="1"/>
-          </p:cNvSpPr>
-          <p:nvPr>
-            <p:ph type="title"/>
-          </p:nvPr>
-        </p:nvSpPr>
-        <p:spPr/>
-        <p:txBody>
-          <a:bodyPr/>
-          <a:lstStyle/>
-          <a:p>
-            <a:r>
-              <a:rPr lang="en-US" dirty="0"/>
-              <a:t>Add a new user app, then create new view to handle login</a:t>
-            </a:r>
-            <a:endParaRPr lang="en-MY" dirty="0"/>
-          </a:p>
-        </p:txBody>
-      </p:sp>
-      <p:sp>
-        <p:nvSpPr>
-          <p:cNvPr id="3" name="Content Placeholder 2">
-            <a:extLst>
-              <a:ext uri="{FF2B5EF4-FFF2-40B4-BE49-F238E27FC236}">
-                <a16:creationId xmlns:a16="http://schemas.microsoft.com/office/drawing/2014/main" id="{D625420F-A618-4FB4-8E6E-45B44030AEA8}"/>
-              </a:ext>
-            </a:extLst>
-          </p:cNvPr>
-          <p:cNvSpPr>
-            <a:spLocks noGrp="1"/>
-          </p:cNvSpPr>
-          <p:nvPr>
-            <p:ph idx="1"/>
-          </p:nvPr>
-        </p:nvSpPr>
-        <p:spPr>
-          <a:xfrm>
-            <a:off x="1069848" y="2121408"/>
-            <a:ext cx="10058400" cy="3456432"/>
-          </a:xfrm>
-        </p:spPr>
-        <p:txBody>
-          <a:bodyPr>
-            <a:normAutofit/>
-          </a:bodyPr>
-          <a:lstStyle/>
-          <a:p>
-            <a:r>
-              <a:rPr lang="en-US" dirty="0"/>
-              <a:t>New app user</a:t>
-            </a:r>
-          </a:p>
-          <a:p>
-            <a:endParaRPr lang="en-US" dirty="0"/>
-          </a:p>
-          <a:p>
-            <a:endParaRPr lang="en-US" dirty="0"/>
-          </a:p>
-          <a:p>
-            <a:r>
-              <a:rPr lang="en-US" dirty="0"/>
-              <a:t>Add urls.py for the new app</a:t>
-            </a:r>
-          </a:p>
-          <a:p>
-            <a:endParaRPr lang="en-US" dirty="0"/>
-          </a:p>
-          <a:p>
-            <a:r>
-              <a:rPr lang="en-MY" dirty="0"/>
-              <a:t>In site </a:t>
-            </a:r>
-            <a:r>
-              <a:rPr lang="en-MY" dirty="0" err="1"/>
-              <a:t>urls</a:t>
-            </a:r>
-            <a:r>
-              <a:rPr lang="en-MY" dirty="0"/>
-              <a:t> include this app </a:t>
-            </a:r>
-            <a:r>
-              <a:rPr lang="en-MY" dirty="0" err="1"/>
-              <a:t>urls</a:t>
-            </a:r>
-            <a:endParaRPr lang="en-US" dirty="0"/>
-          </a:p>
-        </p:txBody>
-      </p:sp>
-      <p:sp>
-        <p:nvSpPr>
-          <p:cNvPr id="4" name="Content Placeholder 2">
-            <a:extLst>
-              <a:ext uri="{FF2B5EF4-FFF2-40B4-BE49-F238E27FC236}">
-                <a16:creationId xmlns:a16="http://schemas.microsoft.com/office/drawing/2014/main" id="{F24AFF98-FBF3-4922-A6AA-0AC8D5EB137E}"/>
-              </a:ext>
-            </a:extLst>
-          </p:cNvPr>
-          <p:cNvSpPr txBox="1">
-            <a:spLocks/>
-          </p:cNvSpPr>
-          <p:nvPr/>
-        </p:nvSpPr>
-        <p:spPr>
-          <a:xfrm>
-            <a:off x="3718559" y="2151888"/>
-            <a:ext cx="7280681" cy="1150971"/>
           </a:xfrm>
           <a:prstGeom prst="rect">
             <a:avLst/>
@@ -13650,47 +13260,21 @@
                 <a:latin typeface="Cascadia Mono" pitchFamily="50" charset="0"/>
                 <a:cs typeface="Cascadia Mono" pitchFamily="50" charset="0"/>
               </a:rPr>
-              <a:t>PS&gt; </a:t>
+              <a:t>PS&gt; cd %</a:t>
             </a:r>
             <a:r>
               <a:rPr lang="en-US" sz="1400" dirty="0" err="1">
                 <a:latin typeface="Cascadia Mono" pitchFamily="50" charset="0"/>
                 <a:cs typeface="Cascadia Mono" pitchFamily="50" charset="0"/>
               </a:rPr>
-              <a:t>py</a:t>
+              <a:t>Project_Root_Folder</a:t>
             </a:r>
             <a:r>
               <a:rPr lang="en-US" sz="1400" dirty="0">
                 <a:latin typeface="Cascadia Mono" pitchFamily="50" charset="0"/>
                 <a:cs typeface="Cascadia Mono" pitchFamily="50" charset="0"/>
               </a:rPr>
-              <a:t> manage.py </a:t>
-            </a:r>
-            <a:r>
-              <a:rPr lang="en-US" sz="1400" dirty="0" err="1">
-                <a:latin typeface="Cascadia Mono" pitchFamily="50" charset="0"/>
-                <a:cs typeface="Cascadia Mono" pitchFamily="50" charset="0"/>
-              </a:rPr>
-              <a:t>createapp</a:t>
-            </a:r>
-            <a:r>
-              <a:rPr lang="en-US" sz="1400" dirty="0">
-                <a:latin typeface="Cascadia Mono" pitchFamily="50" charset="0"/>
-                <a:cs typeface="Cascadia Mono" pitchFamily="50" charset="0"/>
-              </a:rPr>
-              <a:t> user</a:t>
-            </a:r>
-          </a:p>
-          <a:p>
-            <a:pPr marL="0" indent="0">
-              <a:buNone/>
-            </a:pPr>
-            <a:r>
-              <a:rPr lang="en-US" sz="1400" dirty="0">
-                <a:latin typeface="Cascadia Mono" pitchFamily="50" charset="0"/>
-                <a:cs typeface="Cascadia Mono" pitchFamily="50" charset="0"/>
-              </a:rPr>
-              <a:t>PS&gt; cd user</a:t>
+              <a:t>%</a:t>
             </a:r>
           </a:p>
           <a:p>
@@ -13709,24 +13293,76 @@
                 <a:latin typeface="Cascadia Mono" pitchFamily="50" charset="0"/>
                 <a:cs typeface="Cascadia Mono" pitchFamily="50" charset="0"/>
               </a:rPr>
-              <a:t>ni</a:t>
+              <a:t>pipenv</a:t>
             </a:r>
             <a:r>
               <a:rPr lang="en-US" sz="1400" dirty="0">
                 <a:latin typeface="Cascadia Mono" pitchFamily="50" charset="0"/>
                 <a:cs typeface="Cascadia Mono" pitchFamily="50" charset="0"/>
               </a:rPr>
-              <a:t> urls.py</a:t>
+              <a:t> shell</a:t>
+            </a:r>
+          </a:p>
+          <a:p>
+            <a:pPr marL="0" indent="0">
+              <a:buNone/>
+            </a:pPr>
+            <a:r>
+              <a:rPr lang="en-US" sz="1400" dirty="0">
+                <a:latin typeface="Cascadia Mono" pitchFamily="50" charset="0"/>
+                <a:cs typeface="Cascadia Mono" pitchFamily="50" charset="0"/>
+              </a:rPr>
+              <a:t>PS&gt; </a:t>
+            </a:r>
+            <a:r>
+              <a:rPr lang="en-US" sz="1400" dirty="0" err="1">
+                <a:latin typeface="Cascadia Mono" pitchFamily="50" charset="0"/>
+                <a:cs typeface="Cascadia Mono" pitchFamily="50" charset="0"/>
+              </a:rPr>
+              <a:t>makdir</a:t>
+            </a:r>
+            <a:r>
+              <a:rPr lang="en-US" sz="1400" dirty="0">
+                <a:latin typeface="Cascadia Mono" pitchFamily="50" charset="0"/>
+                <a:cs typeface="Cascadia Mono" pitchFamily="50" charset="0"/>
+              </a:rPr>
+              <a:t> templates/registration</a:t>
+            </a:r>
+          </a:p>
+          <a:p>
+            <a:pPr marL="0" indent="0">
+              <a:buNone/>
+            </a:pPr>
+            <a:r>
+              <a:rPr lang="en-US" sz="1400" dirty="0">
+                <a:latin typeface="Cascadia Mono" pitchFamily="50" charset="0"/>
+                <a:cs typeface="Cascadia Mono" pitchFamily="50" charset="0"/>
+              </a:rPr>
+              <a:t>PS&gt; </a:t>
+            </a:r>
+            <a:r>
+              <a:rPr lang="en-US" sz="1400" dirty="0" err="1">
+                <a:latin typeface="Cascadia Mono" pitchFamily="50" charset="0"/>
+                <a:cs typeface="Cascadia Mono" pitchFamily="50" charset="0"/>
+              </a:rPr>
+              <a:t>ni</a:t>
+            </a:r>
+            <a:r>
+              <a:rPr lang="en-US" sz="1400" dirty="0">
+                <a:latin typeface="Cascadia Mono" pitchFamily="50" charset="0"/>
+                <a:cs typeface="Cascadia Mono" pitchFamily="50" charset="0"/>
+              </a:rPr>
+              <a:t> templates/registration/login.html</a:t>
             </a:r>
           </a:p>
         </p:txBody>
       </p:sp>
       <p:pic>
         <p:nvPicPr>
-          <p:cNvPr id="6" name="Picture 5">
+          <p:cNvPr id="9" name="Picture 8">
             <a:extLst>
               <a:ext uri="{FF2B5EF4-FFF2-40B4-BE49-F238E27FC236}">
-                <a16:creationId xmlns:a16="http://schemas.microsoft.com/office/drawing/2014/main" id="{F8505C60-EF9E-44F8-BBCF-7ED9360D0426}"/>
+                <a16:creationId xmlns:a16="http://schemas.microsoft.com/office/drawing/2014/main" id="{073EB200-55BF-4461-B9BB-11CF594F169D}"/>
               </a:ext>
             </a:extLst>
           </p:cNvPr>
@@ -13743,38 +13379,8 @@
         </p:blipFill>
         <p:spPr>
           <a:xfrm>
-            <a:off x="5281286" y="3302859"/>
-            <a:ext cx="4677428" cy="819264"/>
-          </a:xfrm>
-          <a:prstGeom prst="rect">
-            <a:avLst/>
-          </a:prstGeom>
-        </p:spPr>
-      </p:pic>
-      <p:pic>
-        <p:nvPicPr>
-          <p:cNvPr id="8" name="Picture 7">
-            <a:extLst>
-              <a:ext uri="{FF2B5EF4-FFF2-40B4-BE49-F238E27FC236}">
-                <a16:creationId xmlns:a16="http://schemas.microsoft.com/office/drawing/2014/main" id="{A9FA8B80-C077-44DC-B949-9C8208C8A204}"/>
-              </a:ext>
-            </a:extLst>
-          </p:cNvPr>
-          <p:cNvPicPr>
-            <a:picLocks noChangeAspect="1"/>
-          </p:cNvPicPr>
-          <p:nvPr/>
-        </p:nvPicPr>
-        <p:blipFill>
-          <a:blip r:embed="rId3"/>
-          <a:stretch>
-            <a:fillRect/>
-          </a:stretch>
-        </p:blipFill>
-        <p:spPr>
-          <a:xfrm>
-            <a:off x="5286017" y="4351880"/>
-            <a:ext cx="5125165" cy="1324160"/>
+            <a:off x="5344544" y="3164878"/>
+            <a:ext cx="5344271" cy="1086002"/>
           </a:xfrm>
           <a:prstGeom prst="rect">
             <a:avLst/>
@@ -13783,10 +13389,10 @@
       </p:pic>
       <p:sp>
         <p:nvSpPr>
-          <p:cNvPr id="9" name="Rectangle 8">
+          <p:cNvPr id="6" name="Rectangle 5">
             <a:extLst>
               <a:ext uri="{FF2B5EF4-FFF2-40B4-BE49-F238E27FC236}">
-                <a16:creationId xmlns:a16="http://schemas.microsoft.com/office/drawing/2014/main" id="{001702C2-6010-41B0-9BE6-C4E76B123348}"/>
+                <a16:creationId xmlns:a16="http://schemas.microsoft.com/office/drawing/2014/main" id="{E5DA674E-A5B8-4049-ADEB-F153311F0123}"/>
               </a:ext>
             </a:extLst>
           </p:cNvPr>
@@ -13795,8 +13401,8 @@
         </p:nvSpPr>
         <p:spPr>
           <a:xfrm>
-            <a:off x="5494020" y="4762500"/>
-            <a:ext cx="4251960" cy="236220"/>
+            <a:off x="5734631" y="3610187"/>
+            <a:ext cx="4814596" cy="195383"/>
           </a:xfrm>
           <a:prstGeom prst="rect">
             <a:avLst/>
@@ -13831,7 +13437,1389 @@
     </p:spTree>
     <p:extLst>
       <p:ext uri="{BB962C8B-B14F-4D97-AF65-F5344CB8AC3E}">
-        <p14:creationId xmlns:p14="http://schemas.microsoft.com/office/powerpoint/2010/main" val="3127263991"/>
+        <p14:creationId xmlns:p14="http://schemas.microsoft.com/office/powerpoint/2010/main" val="1863198769"/>
+      </p:ext>
+    </p:extLst>
+  </p:cSld>
+  <p:clrMapOvr>
+    <a:masterClrMapping/>
+  </p:clrMapOvr>
+</p:sld>
+</file>
+
+<file path=ppt/slides/slide4.xml><?xml version="1.0" encoding="utf-8"?>
+<p:sld xmlns:a="http://schemas.openxmlformats.org/drawingml/2006/main" xmlns:r="http://schemas.openxmlformats.org/officeDocument/2006/relationships" xmlns:p="http://schemas.openxmlformats.org/presentationml/2006/main">
+  <p:cSld>
+    <p:spTree>
+      <p:nvGrpSpPr>
+        <p:cNvPr id="1" name=""/>
+        <p:cNvGrpSpPr/>
+        <p:nvPr/>
+      </p:nvGrpSpPr>
+      <p:grpSpPr>
+        <a:xfrm>
+          <a:off x="0" y="0"/>
+          <a:ext cx="0" cy="0"/>
+          <a:chOff x="0" y="0"/>
+          <a:chExt cx="0" cy="0"/>
+        </a:xfrm>
+      </p:grpSpPr>
+      <p:sp>
+        <p:nvSpPr>
+          <p:cNvPr id="2" name="Title 1">
+            <a:extLst>
+              <a:ext uri="{FF2B5EF4-FFF2-40B4-BE49-F238E27FC236}">
+                <a16:creationId xmlns:a16="http://schemas.microsoft.com/office/drawing/2014/main" id="{7973E765-D8D4-45A3-B1D3-2466DD9901A0}"/>
+              </a:ext>
+            </a:extLst>
+          </p:cNvPr>
+          <p:cNvSpPr>
+            <a:spLocks noGrp="1"/>
+          </p:cNvSpPr>
+          <p:nvPr>
+            <p:ph type="title"/>
+          </p:nvPr>
+        </p:nvSpPr>
+        <p:spPr/>
+        <p:txBody>
+          <a:bodyPr/>
+          <a:lstStyle/>
+          <a:p>
+            <a:r>
+              <a:rPr lang="en-US" dirty="0"/>
+              <a:t>Django ready made login and logout</a:t>
+            </a:r>
+            <a:endParaRPr lang="en-MY" dirty="0"/>
+          </a:p>
+        </p:txBody>
+      </p:sp>
+      <p:sp>
+        <p:nvSpPr>
+          <p:cNvPr id="3" name="Content Placeholder 2">
+            <a:extLst>
+              <a:ext uri="{FF2B5EF4-FFF2-40B4-BE49-F238E27FC236}">
+                <a16:creationId xmlns:a16="http://schemas.microsoft.com/office/drawing/2014/main" id="{B717ABF5-4B93-4344-8134-FEA09A3B53EA}"/>
+              </a:ext>
+            </a:extLst>
+          </p:cNvPr>
+          <p:cNvSpPr>
+            <a:spLocks noGrp="1"/>
+          </p:cNvSpPr>
+          <p:nvPr>
+            <p:ph idx="1"/>
+          </p:nvPr>
+        </p:nvSpPr>
+        <p:spPr>
+          <a:xfrm>
+            <a:off x="1069848" y="2121407"/>
+            <a:ext cx="4135147" cy="2739841"/>
+          </a:xfrm>
+        </p:spPr>
+        <p:txBody>
+          <a:bodyPr>
+            <a:normAutofit/>
+          </a:bodyPr>
+          <a:lstStyle/>
+          <a:p>
+            <a:r>
+              <a:rPr lang="en-US" dirty="0"/>
+              <a:t>Login template file,</a:t>
+            </a:r>
+          </a:p>
+          <a:p>
+            <a:r>
+              <a:rPr lang="en-US" dirty="0"/>
+              <a:t>And login template location in settings.py</a:t>
+            </a:r>
+          </a:p>
+          <a:p>
+            <a:endParaRPr lang="en-US" dirty="0"/>
+          </a:p>
+          <a:p>
+            <a:pPr marL="0" indent="0">
+              <a:buNone/>
+            </a:pPr>
+            <a:endParaRPr lang="en-MY" dirty="0"/>
+          </a:p>
+        </p:txBody>
+      </p:sp>
+      <p:pic>
+        <p:nvPicPr>
+          <p:cNvPr id="5" name="Picture 4">
+            <a:extLst>
+              <a:ext uri="{FF2B5EF4-FFF2-40B4-BE49-F238E27FC236}">
+                <a16:creationId xmlns:a16="http://schemas.microsoft.com/office/drawing/2014/main" id="{EA7B274C-8DFD-49D4-9016-E11B267FDA81}"/>
+              </a:ext>
+            </a:extLst>
+          </p:cNvPr>
+          <p:cNvPicPr>
+            <a:picLocks noChangeAspect="1"/>
+          </p:cNvPicPr>
+          <p:nvPr/>
+        </p:nvPicPr>
+        <p:blipFill rotWithShape="1">
+          <a:blip r:embed="rId2"/>
+          <a:srcRect t="1660"/>
+          <a:stretch/>
+        </p:blipFill>
+        <p:spPr>
+          <a:xfrm>
+            <a:off x="5204995" y="1745922"/>
+            <a:ext cx="4658375" cy="2876060"/>
+          </a:xfrm>
+          <a:prstGeom prst="rect">
+            <a:avLst/>
+          </a:prstGeom>
+        </p:spPr>
+      </p:pic>
+      <p:pic>
+        <p:nvPicPr>
+          <p:cNvPr id="6" name="Picture 5">
+            <a:extLst>
+              <a:ext uri="{FF2B5EF4-FFF2-40B4-BE49-F238E27FC236}">
+                <a16:creationId xmlns:a16="http://schemas.microsoft.com/office/drawing/2014/main" id="{0C2A7E14-2B11-471C-8718-158DCC4846F6}"/>
+              </a:ext>
+            </a:extLst>
+          </p:cNvPr>
+          <p:cNvPicPr>
+            <a:picLocks noChangeAspect="1"/>
+          </p:cNvPicPr>
+          <p:nvPr/>
+        </p:nvPicPr>
+        <p:blipFill rotWithShape="1">
+          <a:blip r:embed="rId3"/>
+          <a:srcRect b="52291"/>
+          <a:stretch/>
+        </p:blipFill>
+        <p:spPr>
+          <a:xfrm>
+            <a:off x="2728149" y="4861248"/>
+            <a:ext cx="7135221" cy="1813417"/>
+          </a:xfrm>
+          <a:prstGeom prst="rect">
+            <a:avLst/>
+          </a:prstGeom>
+        </p:spPr>
+      </p:pic>
+      <p:sp>
+        <p:nvSpPr>
+          <p:cNvPr id="7" name="Rectangle 6">
+            <a:extLst>
+              <a:ext uri="{FF2B5EF4-FFF2-40B4-BE49-F238E27FC236}">
+                <a16:creationId xmlns:a16="http://schemas.microsoft.com/office/drawing/2014/main" id="{3B5F57CB-84FE-4A50-B1DF-4C7B33993149}"/>
+              </a:ext>
+            </a:extLst>
+          </p:cNvPr>
+          <p:cNvSpPr/>
+          <p:nvPr/>
+        </p:nvSpPr>
+        <p:spPr>
+          <a:xfrm>
+            <a:off x="3441700" y="5613400"/>
+            <a:ext cx="3517900" cy="269872"/>
+          </a:xfrm>
+          <a:prstGeom prst="rect">
+            <a:avLst/>
+          </a:prstGeom>
+          <a:noFill/>
+        </p:spPr>
+        <p:style>
+          <a:lnRef idx="2">
+            <a:schemeClr val="accent1">
+              <a:shade val="50000"/>
+            </a:schemeClr>
+          </a:lnRef>
+          <a:fillRef idx="1">
+            <a:schemeClr val="accent1"/>
+          </a:fillRef>
+          <a:effectRef idx="0">
+            <a:schemeClr val="accent1"/>
+          </a:effectRef>
+          <a:fontRef idx="minor">
+            <a:schemeClr val="lt1"/>
+          </a:fontRef>
+        </p:style>
+        <p:txBody>
+          <a:bodyPr rtlCol="0" anchor="ctr"/>
+          <a:lstStyle/>
+          <a:p>
+            <a:pPr algn="ctr"/>
+            <a:endParaRPr lang="en-MY"/>
+          </a:p>
+        </p:txBody>
+      </p:sp>
+    </p:spTree>
+    <p:extLst>
+      <p:ext uri="{BB962C8B-B14F-4D97-AF65-F5344CB8AC3E}">
+        <p14:creationId xmlns:p14="http://schemas.microsoft.com/office/powerpoint/2010/main" val="3125501235"/>
+      </p:ext>
+    </p:extLst>
+  </p:cSld>
+  <p:clrMapOvr>
+    <a:masterClrMapping/>
+  </p:clrMapOvr>
+</p:sld>
+</file>
+
+<file path=ppt/slides/slide5.xml><?xml version="1.0" encoding="utf-8"?>
+<p:sld xmlns:a="http://schemas.openxmlformats.org/drawingml/2006/main" xmlns:r="http://schemas.openxmlformats.org/officeDocument/2006/relationships" xmlns:p="http://schemas.openxmlformats.org/presentationml/2006/main">
+  <p:cSld>
+    <p:spTree>
+      <p:nvGrpSpPr>
+        <p:cNvPr id="1" name=""/>
+        <p:cNvGrpSpPr/>
+        <p:nvPr/>
+      </p:nvGrpSpPr>
+      <p:grpSpPr>
+        <a:xfrm>
+          <a:off x="0" y="0"/>
+          <a:ext cx="0" cy="0"/>
+          <a:chOff x="0" y="0"/>
+          <a:chExt cx="0" cy="0"/>
+        </a:xfrm>
+      </p:grpSpPr>
+      <p:pic>
+        <p:nvPicPr>
+          <p:cNvPr id="10" name="Picture 9">
+            <a:extLst>
+              <a:ext uri="{FF2B5EF4-FFF2-40B4-BE49-F238E27FC236}">
+                <a16:creationId xmlns:a16="http://schemas.microsoft.com/office/drawing/2014/main" id="{4B1AD44D-332F-43B0-BD82-C149E8DAD636}"/>
+              </a:ext>
+            </a:extLst>
+          </p:cNvPr>
+          <p:cNvPicPr>
+            <a:picLocks noChangeAspect="1"/>
+          </p:cNvPicPr>
+          <p:nvPr/>
+        </p:nvPicPr>
+        <p:blipFill>
+          <a:blip r:embed="rId2"/>
+          <a:stretch>
+            <a:fillRect/>
+          </a:stretch>
+        </p:blipFill>
+        <p:spPr>
+          <a:xfrm>
+            <a:off x="1654858" y="3027616"/>
+            <a:ext cx="9869277" cy="2029108"/>
+          </a:xfrm>
+          <a:prstGeom prst="rect">
+            <a:avLst/>
+          </a:prstGeom>
+        </p:spPr>
+      </p:pic>
+      <p:sp>
+        <p:nvSpPr>
+          <p:cNvPr id="2" name="Title 1">
+            <a:extLst>
+              <a:ext uri="{FF2B5EF4-FFF2-40B4-BE49-F238E27FC236}">
+                <a16:creationId xmlns:a16="http://schemas.microsoft.com/office/drawing/2014/main" id="{7973E765-D8D4-45A3-B1D3-2466DD9901A0}"/>
+              </a:ext>
+            </a:extLst>
+          </p:cNvPr>
+          <p:cNvSpPr>
+            <a:spLocks noGrp="1"/>
+          </p:cNvSpPr>
+          <p:nvPr>
+            <p:ph type="title"/>
+          </p:nvPr>
+        </p:nvSpPr>
+        <p:spPr/>
+        <p:txBody>
+          <a:bodyPr/>
+          <a:lstStyle/>
+          <a:p>
+            <a:r>
+              <a:rPr lang="en-US" dirty="0"/>
+              <a:t>Django ready made login and logout</a:t>
+            </a:r>
+            <a:endParaRPr lang="en-MY" dirty="0"/>
+          </a:p>
+        </p:txBody>
+      </p:sp>
+      <p:sp>
+        <p:nvSpPr>
+          <p:cNvPr id="3" name="Content Placeholder 2">
+            <a:extLst>
+              <a:ext uri="{FF2B5EF4-FFF2-40B4-BE49-F238E27FC236}">
+                <a16:creationId xmlns:a16="http://schemas.microsoft.com/office/drawing/2014/main" id="{B717ABF5-4B93-4344-8134-FEA09A3B53EA}"/>
+              </a:ext>
+            </a:extLst>
+          </p:cNvPr>
+          <p:cNvSpPr>
+            <a:spLocks noGrp="1"/>
+          </p:cNvSpPr>
+          <p:nvPr>
+            <p:ph idx="1"/>
+          </p:nvPr>
+        </p:nvSpPr>
+        <p:spPr>
+          <a:xfrm>
+            <a:off x="1069848" y="2121407"/>
+            <a:ext cx="4135147" cy="2739841"/>
+          </a:xfrm>
+        </p:spPr>
+        <p:txBody>
+          <a:bodyPr>
+            <a:normAutofit/>
+          </a:bodyPr>
+          <a:lstStyle/>
+          <a:p>
+            <a:r>
+              <a:rPr lang="en-US" dirty="0"/>
+              <a:t>Add link in home.html</a:t>
+            </a:r>
+            <a:endParaRPr lang="en-MY" dirty="0"/>
+          </a:p>
+        </p:txBody>
+      </p:sp>
+      <p:sp>
+        <p:nvSpPr>
+          <p:cNvPr id="8" name="Rectangle 7">
+            <a:extLst>
+              <a:ext uri="{FF2B5EF4-FFF2-40B4-BE49-F238E27FC236}">
+                <a16:creationId xmlns:a16="http://schemas.microsoft.com/office/drawing/2014/main" id="{BF02A866-DC6D-4DF1-9241-4AB6AB272C29}"/>
+              </a:ext>
+            </a:extLst>
+          </p:cNvPr>
+          <p:cNvSpPr/>
+          <p:nvPr/>
+        </p:nvSpPr>
+        <p:spPr>
+          <a:xfrm>
+            <a:off x="2053006" y="3696734"/>
+            <a:ext cx="8877670" cy="1100831"/>
+          </a:xfrm>
+          <a:prstGeom prst="rect">
+            <a:avLst/>
+          </a:prstGeom>
+          <a:noFill/>
+        </p:spPr>
+        <p:style>
+          <a:lnRef idx="2">
+            <a:schemeClr val="accent1">
+              <a:shade val="50000"/>
+            </a:schemeClr>
+          </a:lnRef>
+          <a:fillRef idx="1">
+            <a:schemeClr val="accent1"/>
+          </a:fillRef>
+          <a:effectRef idx="0">
+            <a:schemeClr val="accent1"/>
+          </a:effectRef>
+          <a:fontRef idx="minor">
+            <a:schemeClr val="lt1"/>
+          </a:fontRef>
+        </p:style>
+        <p:txBody>
+          <a:bodyPr rtlCol="0" anchor="ctr"/>
+          <a:lstStyle/>
+          <a:p>
+            <a:pPr algn="ctr"/>
+            <a:endParaRPr lang="en-MY"/>
+          </a:p>
+        </p:txBody>
+      </p:sp>
+    </p:spTree>
+    <p:extLst>
+      <p:ext uri="{BB962C8B-B14F-4D97-AF65-F5344CB8AC3E}">
+        <p14:creationId xmlns:p14="http://schemas.microsoft.com/office/powerpoint/2010/main" val="3134881837"/>
+      </p:ext>
+    </p:extLst>
+  </p:cSld>
+  <p:clrMapOvr>
+    <a:masterClrMapping/>
+  </p:clrMapOvr>
+</p:sld>
+</file>
+
+<file path=ppt/slides/slide6.xml><?xml version="1.0" encoding="utf-8"?>
+<p:sld xmlns:a="http://schemas.openxmlformats.org/drawingml/2006/main" xmlns:r="http://schemas.openxmlformats.org/officeDocument/2006/relationships" xmlns:p="http://schemas.openxmlformats.org/presentationml/2006/main">
+  <p:cSld>
+    <p:spTree>
+      <p:nvGrpSpPr>
+        <p:cNvPr id="1" name=""/>
+        <p:cNvGrpSpPr/>
+        <p:nvPr/>
+      </p:nvGrpSpPr>
+      <p:grpSpPr>
+        <a:xfrm>
+          <a:off x="0" y="0"/>
+          <a:ext cx="0" cy="0"/>
+          <a:chOff x="0" y="0"/>
+          <a:chExt cx="0" cy="0"/>
+        </a:xfrm>
+      </p:grpSpPr>
+      <p:sp>
+        <p:nvSpPr>
+          <p:cNvPr id="2" name="Title 1">
+            <a:extLst>
+              <a:ext uri="{FF2B5EF4-FFF2-40B4-BE49-F238E27FC236}">
+                <a16:creationId xmlns:a16="http://schemas.microsoft.com/office/drawing/2014/main" id="{7973E765-D8D4-45A3-B1D3-2466DD9901A0}"/>
+              </a:ext>
+            </a:extLst>
+          </p:cNvPr>
+          <p:cNvSpPr>
+            <a:spLocks noGrp="1"/>
+          </p:cNvSpPr>
+          <p:nvPr>
+            <p:ph type="title"/>
+          </p:nvPr>
+        </p:nvSpPr>
+        <p:spPr/>
+        <p:txBody>
+          <a:bodyPr/>
+          <a:lstStyle/>
+          <a:p>
+            <a:r>
+              <a:rPr lang="en-US" dirty="0"/>
+              <a:t>Django ready made login and logout</a:t>
+            </a:r>
+            <a:endParaRPr lang="en-MY" dirty="0"/>
+          </a:p>
+        </p:txBody>
+      </p:sp>
+      <p:sp>
+        <p:nvSpPr>
+          <p:cNvPr id="3" name="Content Placeholder 2">
+            <a:extLst>
+              <a:ext uri="{FF2B5EF4-FFF2-40B4-BE49-F238E27FC236}">
+                <a16:creationId xmlns:a16="http://schemas.microsoft.com/office/drawing/2014/main" id="{B717ABF5-4B93-4344-8134-FEA09A3B53EA}"/>
+              </a:ext>
+            </a:extLst>
+          </p:cNvPr>
+          <p:cNvSpPr>
+            <a:spLocks noGrp="1"/>
+          </p:cNvSpPr>
+          <p:nvPr>
+            <p:ph idx="1"/>
+          </p:nvPr>
+        </p:nvSpPr>
+        <p:spPr>
+          <a:xfrm>
+            <a:off x="1069848" y="2121408"/>
+            <a:ext cx="9032940" cy="2494980"/>
+          </a:xfrm>
+        </p:spPr>
+        <p:txBody>
+          <a:bodyPr/>
+          <a:lstStyle/>
+          <a:p>
+            <a:r>
+              <a:rPr lang="en-US" dirty="0"/>
+              <a:t>Still one step to go: after successful login, which page to land the user?</a:t>
+            </a:r>
+          </a:p>
+          <a:p>
+            <a:r>
+              <a:rPr lang="en-US" dirty="0"/>
+              <a:t>After successful logout, which page to land the user?</a:t>
+            </a:r>
+          </a:p>
+          <a:p>
+            <a:r>
+              <a:rPr lang="en-US" dirty="0"/>
+              <a:t>We give this in settings.py</a:t>
+            </a:r>
+          </a:p>
+        </p:txBody>
+      </p:sp>
+      <p:pic>
+        <p:nvPicPr>
+          <p:cNvPr id="6" name="Picture 5">
+            <a:extLst>
+              <a:ext uri="{FF2B5EF4-FFF2-40B4-BE49-F238E27FC236}">
+                <a16:creationId xmlns:a16="http://schemas.microsoft.com/office/drawing/2014/main" id="{FB5388D1-42AC-4365-8B0C-A1B5F4FF4BB3}"/>
+              </a:ext>
+            </a:extLst>
+          </p:cNvPr>
+          <p:cNvPicPr>
+            <a:picLocks noChangeAspect="1"/>
+          </p:cNvPicPr>
+          <p:nvPr/>
+        </p:nvPicPr>
+        <p:blipFill>
+          <a:blip r:embed="rId2"/>
+          <a:stretch>
+            <a:fillRect/>
+          </a:stretch>
+        </p:blipFill>
+        <p:spPr>
+          <a:xfrm>
+            <a:off x="3087105" y="3908859"/>
+            <a:ext cx="4153480" cy="638264"/>
+          </a:xfrm>
+          <a:prstGeom prst="rect">
+            <a:avLst/>
+          </a:prstGeom>
+        </p:spPr>
+      </p:pic>
+    </p:spTree>
+    <p:extLst>
+      <p:ext uri="{BB962C8B-B14F-4D97-AF65-F5344CB8AC3E}">
+        <p14:creationId xmlns:p14="http://schemas.microsoft.com/office/powerpoint/2010/main" val="2608967044"/>
+      </p:ext>
+    </p:extLst>
+  </p:cSld>
+  <p:clrMapOvr>
+    <a:masterClrMapping/>
+  </p:clrMapOvr>
+</p:sld>
+</file>
+
+<file path=ppt/slides/slide7.xml><?xml version="1.0" encoding="utf-8"?>
+<p:sld xmlns:a="http://schemas.openxmlformats.org/drawingml/2006/main" xmlns:r="http://schemas.openxmlformats.org/officeDocument/2006/relationships" xmlns:p="http://schemas.openxmlformats.org/presentationml/2006/main">
+  <p:cSld>
+    <p:spTree>
+      <p:nvGrpSpPr>
+        <p:cNvPr id="1" name=""/>
+        <p:cNvGrpSpPr/>
+        <p:nvPr/>
+      </p:nvGrpSpPr>
+      <p:grpSpPr>
+        <a:xfrm>
+          <a:off x="0" y="0"/>
+          <a:ext cx="0" cy="0"/>
+          <a:chOff x="0" y="0"/>
+          <a:chExt cx="0" cy="0"/>
+        </a:xfrm>
+      </p:grpSpPr>
+      <p:sp>
+        <p:nvSpPr>
+          <p:cNvPr id="2" name="Title 1">
+            <a:extLst>
+              <a:ext uri="{FF2B5EF4-FFF2-40B4-BE49-F238E27FC236}">
+                <a16:creationId xmlns:a16="http://schemas.microsoft.com/office/drawing/2014/main" id="{2C1E0989-3433-48A1-9439-ACD2093AF373}"/>
+              </a:ext>
+            </a:extLst>
+          </p:cNvPr>
+          <p:cNvSpPr>
+            <a:spLocks noGrp="1"/>
+          </p:cNvSpPr>
+          <p:nvPr>
+            <p:ph type="title"/>
+          </p:nvPr>
+        </p:nvSpPr>
+        <p:spPr/>
+        <p:txBody>
+          <a:bodyPr/>
+          <a:lstStyle/>
+          <a:p>
+            <a:r>
+              <a:rPr lang="en-US" dirty="0"/>
+              <a:t>After login, how to use the user information when post comment</a:t>
+            </a:r>
+            <a:endParaRPr lang="en-MY" dirty="0"/>
+          </a:p>
+        </p:txBody>
+      </p:sp>
+      <p:sp>
+        <p:nvSpPr>
+          <p:cNvPr id="3" name="Content Placeholder 2">
+            <a:extLst>
+              <a:ext uri="{FF2B5EF4-FFF2-40B4-BE49-F238E27FC236}">
+                <a16:creationId xmlns:a16="http://schemas.microsoft.com/office/drawing/2014/main" id="{0D31BA4D-869F-4022-82F0-C490CB27556A}"/>
+              </a:ext>
+            </a:extLst>
+          </p:cNvPr>
+          <p:cNvSpPr>
+            <a:spLocks noGrp="1"/>
+          </p:cNvSpPr>
+          <p:nvPr>
+            <p:ph idx="1"/>
+          </p:nvPr>
+        </p:nvSpPr>
+        <p:spPr>
+          <a:xfrm>
+            <a:off x="1069847" y="2121408"/>
+            <a:ext cx="9503457" cy="3018764"/>
+          </a:xfrm>
+        </p:spPr>
+        <p:txBody>
+          <a:bodyPr>
+            <a:normAutofit/>
+          </a:bodyPr>
+          <a:lstStyle/>
+          <a:p>
+            <a:r>
+              <a:rPr lang="en-US" dirty="0"/>
+              <a:t>For the </a:t>
+            </a:r>
+            <a:r>
+              <a:rPr lang="en-US" dirty="0" err="1"/>
+              <a:t>add_comment</a:t>
+            </a:r>
+            <a:r>
+              <a:rPr lang="en-US" dirty="0"/>
+              <a:t> view, remove the field of name and datetime, and we use </a:t>
+            </a:r>
+            <a:r>
+              <a:rPr lang="en-US" dirty="0" err="1"/>
+              <a:t>form_valid</a:t>
+            </a:r>
+            <a:r>
+              <a:rPr lang="en-US" dirty="0"/>
+              <a:t> to add the value from login user, and system time.</a:t>
+            </a:r>
+            <a:endParaRPr lang="en-MY" dirty="0"/>
+          </a:p>
+        </p:txBody>
+      </p:sp>
+      <p:pic>
+        <p:nvPicPr>
+          <p:cNvPr id="9" name="Picture 8">
+            <a:extLst>
+              <a:ext uri="{FF2B5EF4-FFF2-40B4-BE49-F238E27FC236}">
+                <a16:creationId xmlns:a16="http://schemas.microsoft.com/office/drawing/2014/main" id="{37773C4A-7DAE-44DD-8154-04C7DA07ECBE}"/>
+              </a:ext>
+            </a:extLst>
+          </p:cNvPr>
+          <p:cNvPicPr>
+            <a:picLocks noChangeAspect="1"/>
+          </p:cNvPicPr>
+          <p:nvPr/>
+        </p:nvPicPr>
+        <p:blipFill>
+          <a:blip r:embed="rId2"/>
+          <a:stretch>
+            <a:fillRect/>
+          </a:stretch>
+        </p:blipFill>
+        <p:spPr>
+          <a:xfrm>
+            <a:off x="3319075" y="3074045"/>
+            <a:ext cx="5553850" cy="3124636"/>
+          </a:xfrm>
+          <a:prstGeom prst="rect">
+            <a:avLst/>
+          </a:prstGeom>
+        </p:spPr>
+      </p:pic>
+      <p:sp>
+        <p:nvSpPr>
+          <p:cNvPr id="10" name="Rectangle 9">
+            <a:extLst>
+              <a:ext uri="{FF2B5EF4-FFF2-40B4-BE49-F238E27FC236}">
+                <a16:creationId xmlns:a16="http://schemas.microsoft.com/office/drawing/2014/main" id="{649F5FF8-90E4-48FD-A233-B67FDFA43E11}"/>
+              </a:ext>
+            </a:extLst>
+          </p:cNvPr>
+          <p:cNvSpPr/>
+          <p:nvPr/>
+        </p:nvSpPr>
+        <p:spPr>
+          <a:xfrm>
+            <a:off x="3630967" y="3719744"/>
+            <a:ext cx="4074850" cy="275207"/>
+          </a:xfrm>
+          <a:prstGeom prst="rect">
+            <a:avLst/>
+          </a:prstGeom>
+          <a:noFill/>
+        </p:spPr>
+        <p:style>
+          <a:lnRef idx="2">
+            <a:schemeClr val="accent1">
+              <a:shade val="50000"/>
+            </a:schemeClr>
+          </a:lnRef>
+          <a:fillRef idx="1">
+            <a:schemeClr val="accent1"/>
+          </a:fillRef>
+          <a:effectRef idx="0">
+            <a:schemeClr val="accent1"/>
+          </a:effectRef>
+          <a:fontRef idx="minor">
+            <a:schemeClr val="lt1"/>
+          </a:fontRef>
+        </p:style>
+        <p:txBody>
+          <a:bodyPr rtlCol="0" anchor="ctr"/>
+          <a:lstStyle/>
+          <a:p>
+            <a:pPr algn="ctr"/>
+            <a:endParaRPr lang="en-MY"/>
+          </a:p>
+        </p:txBody>
+      </p:sp>
+      <p:sp>
+        <p:nvSpPr>
+          <p:cNvPr id="11" name="Rectangle 10">
+            <a:extLst>
+              <a:ext uri="{FF2B5EF4-FFF2-40B4-BE49-F238E27FC236}">
+                <a16:creationId xmlns:a16="http://schemas.microsoft.com/office/drawing/2014/main" id="{BF17764D-AAAE-472D-89DC-B1FB661C239F}"/>
+              </a:ext>
+            </a:extLst>
+          </p:cNvPr>
+          <p:cNvSpPr/>
+          <p:nvPr/>
+        </p:nvSpPr>
+        <p:spPr>
+          <a:xfrm>
+            <a:off x="3610839" y="5225251"/>
+            <a:ext cx="4583250" cy="973430"/>
+          </a:xfrm>
+          <a:prstGeom prst="rect">
+            <a:avLst/>
+          </a:prstGeom>
+          <a:noFill/>
+        </p:spPr>
+        <p:style>
+          <a:lnRef idx="2">
+            <a:schemeClr val="accent1">
+              <a:shade val="50000"/>
+            </a:schemeClr>
+          </a:lnRef>
+          <a:fillRef idx="1">
+            <a:schemeClr val="accent1"/>
+          </a:fillRef>
+          <a:effectRef idx="0">
+            <a:schemeClr val="accent1"/>
+          </a:effectRef>
+          <a:fontRef idx="minor">
+            <a:schemeClr val="lt1"/>
+          </a:fontRef>
+        </p:style>
+        <p:txBody>
+          <a:bodyPr rtlCol="0" anchor="ctr"/>
+          <a:lstStyle/>
+          <a:p>
+            <a:pPr algn="ctr"/>
+            <a:endParaRPr lang="en-MY"/>
+          </a:p>
+        </p:txBody>
+      </p:sp>
+    </p:spTree>
+    <p:extLst>
+      <p:ext uri="{BB962C8B-B14F-4D97-AF65-F5344CB8AC3E}">
+        <p14:creationId xmlns:p14="http://schemas.microsoft.com/office/powerpoint/2010/main" val="2827388619"/>
+      </p:ext>
+    </p:extLst>
+  </p:cSld>
+  <p:clrMapOvr>
+    <a:masterClrMapping/>
+  </p:clrMapOvr>
+</p:sld>
+</file>
+
+<file path=ppt/slides/slide8.xml><?xml version="1.0" encoding="utf-8"?>
+<p:sld xmlns:a="http://schemas.openxmlformats.org/drawingml/2006/main" xmlns:r="http://schemas.openxmlformats.org/officeDocument/2006/relationships" xmlns:p="http://schemas.openxmlformats.org/presentationml/2006/main">
+  <p:cSld>
+    <p:spTree>
+      <p:nvGrpSpPr>
+        <p:cNvPr id="1" name=""/>
+        <p:cNvGrpSpPr/>
+        <p:nvPr/>
+      </p:nvGrpSpPr>
+      <p:grpSpPr>
+        <a:xfrm>
+          <a:off x="0" y="0"/>
+          <a:ext cx="0" cy="0"/>
+          <a:chOff x="0" y="0"/>
+          <a:chExt cx="0" cy="0"/>
+        </a:xfrm>
+      </p:grpSpPr>
+      <p:sp>
+        <p:nvSpPr>
+          <p:cNvPr id="2" name="Title 1">
+            <a:extLst>
+              <a:ext uri="{FF2B5EF4-FFF2-40B4-BE49-F238E27FC236}">
+                <a16:creationId xmlns:a16="http://schemas.microsoft.com/office/drawing/2014/main" id="{5EE8EF30-CDF7-4D40-BBC3-A016F1581E91}"/>
+              </a:ext>
+            </a:extLst>
+          </p:cNvPr>
+          <p:cNvSpPr>
+            <a:spLocks noGrp="1"/>
+          </p:cNvSpPr>
+          <p:nvPr>
+            <p:ph type="title"/>
+          </p:nvPr>
+        </p:nvSpPr>
+        <p:spPr>
+          <a:xfrm>
+            <a:off x="1069848" y="484632"/>
+            <a:ext cx="10444490" cy="1609344"/>
+          </a:xfrm>
+        </p:spPr>
+        <p:txBody>
+          <a:bodyPr>
+            <a:normAutofit fontScale="90000"/>
+          </a:bodyPr>
+          <a:lstStyle/>
+          <a:p>
+            <a:r>
+              <a:rPr lang="en-US" dirty="0"/>
+              <a:t>Add authorization: if not login, not allow add/delete/update, only allow view</a:t>
+            </a:r>
+            <a:endParaRPr lang="en-MY" dirty="0"/>
+          </a:p>
+        </p:txBody>
+      </p:sp>
+      <p:sp>
+        <p:nvSpPr>
+          <p:cNvPr id="3" name="Content Placeholder 2">
+            <a:extLst>
+              <a:ext uri="{FF2B5EF4-FFF2-40B4-BE49-F238E27FC236}">
+                <a16:creationId xmlns:a16="http://schemas.microsoft.com/office/drawing/2014/main" id="{8AB58A4F-C919-4A31-807C-EC89B878CA6F}"/>
+              </a:ext>
+            </a:extLst>
+          </p:cNvPr>
+          <p:cNvSpPr>
+            <a:spLocks noGrp="1"/>
+          </p:cNvSpPr>
+          <p:nvPr>
+            <p:ph idx="1"/>
+          </p:nvPr>
+        </p:nvSpPr>
+        <p:spPr/>
+        <p:txBody>
+          <a:bodyPr/>
+          <a:lstStyle/>
+          <a:p>
+            <a:r>
+              <a:rPr lang="en-US" dirty="0"/>
+              <a:t>For the add/delete/update view, add multiple inheritance, put </a:t>
+            </a:r>
+            <a:r>
+              <a:rPr lang="en-US" dirty="0" err="1"/>
+              <a:t>LoginRequiredMixin</a:t>
+            </a:r>
+            <a:r>
+              <a:rPr lang="en-US" dirty="0"/>
+              <a:t> before the corresponding view</a:t>
+            </a:r>
+          </a:p>
+          <a:p>
+            <a:endParaRPr lang="en-US" dirty="0"/>
+          </a:p>
+          <a:p>
+            <a:endParaRPr lang="en-US" dirty="0"/>
+          </a:p>
+          <a:p>
+            <a:endParaRPr lang="en-US" dirty="0"/>
+          </a:p>
+          <a:p>
+            <a:endParaRPr lang="en-US" dirty="0"/>
+          </a:p>
+          <a:p>
+            <a:r>
+              <a:rPr lang="en-US" dirty="0"/>
+              <a:t>If not login but try to edit/add/delete, will get a result of 404</a:t>
+            </a:r>
+          </a:p>
+          <a:p>
+            <a:r>
+              <a:rPr lang="en-US" dirty="0"/>
+              <a:t>This is because the URL contains additional parameters, and the Django default </a:t>
+            </a:r>
+            <a:r>
+              <a:rPr lang="en-US" dirty="0" err="1"/>
+              <a:t>url</a:t>
+            </a:r>
+            <a:r>
+              <a:rPr lang="en-US" dirty="0"/>
+              <a:t> conf of auth app cannot handle it. </a:t>
+            </a:r>
+            <a:endParaRPr lang="en-MY" dirty="0"/>
+          </a:p>
+        </p:txBody>
+      </p:sp>
+      <p:pic>
+        <p:nvPicPr>
+          <p:cNvPr id="5" name="Picture 4">
+            <a:extLst>
+              <a:ext uri="{FF2B5EF4-FFF2-40B4-BE49-F238E27FC236}">
+                <a16:creationId xmlns:a16="http://schemas.microsoft.com/office/drawing/2014/main" id="{60D0D001-9AF0-4D46-9C95-598F3D26799E}"/>
+              </a:ext>
+            </a:extLst>
+          </p:cNvPr>
+          <p:cNvPicPr>
+            <a:picLocks noChangeAspect="1"/>
+          </p:cNvPicPr>
+          <p:nvPr/>
+        </p:nvPicPr>
+        <p:blipFill>
+          <a:blip r:embed="rId2"/>
+          <a:stretch>
+            <a:fillRect/>
+          </a:stretch>
+        </p:blipFill>
+        <p:spPr>
+          <a:xfrm>
+            <a:off x="3048166" y="2971272"/>
+            <a:ext cx="4906060" cy="276264"/>
+          </a:xfrm>
+          <a:prstGeom prst="rect">
+            <a:avLst/>
+          </a:prstGeom>
+        </p:spPr>
+      </p:pic>
+      <p:pic>
+        <p:nvPicPr>
+          <p:cNvPr id="7" name="Picture 6">
+            <a:extLst>
+              <a:ext uri="{FF2B5EF4-FFF2-40B4-BE49-F238E27FC236}">
+                <a16:creationId xmlns:a16="http://schemas.microsoft.com/office/drawing/2014/main" id="{7437C158-A069-422B-AADD-0E0D829AEC1C}"/>
+              </a:ext>
+            </a:extLst>
+          </p:cNvPr>
+          <p:cNvPicPr>
+            <a:picLocks noChangeAspect="1"/>
+          </p:cNvPicPr>
+          <p:nvPr/>
+        </p:nvPicPr>
+        <p:blipFill>
+          <a:blip r:embed="rId3"/>
+          <a:stretch>
+            <a:fillRect/>
+          </a:stretch>
+        </p:blipFill>
+        <p:spPr>
+          <a:xfrm>
+            <a:off x="3048166" y="3372307"/>
+            <a:ext cx="5106113" cy="238158"/>
+          </a:xfrm>
+          <a:prstGeom prst="rect">
+            <a:avLst/>
+          </a:prstGeom>
+        </p:spPr>
+      </p:pic>
+      <p:pic>
+        <p:nvPicPr>
+          <p:cNvPr id="9" name="Picture 8">
+            <a:extLst>
+              <a:ext uri="{FF2B5EF4-FFF2-40B4-BE49-F238E27FC236}">
+                <a16:creationId xmlns:a16="http://schemas.microsoft.com/office/drawing/2014/main" id="{12850BA9-6FBC-4C07-AC21-CB7A0E506EC0}"/>
+              </a:ext>
+            </a:extLst>
+          </p:cNvPr>
+          <p:cNvPicPr>
+            <a:picLocks noChangeAspect="1"/>
+          </p:cNvPicPr>
+          <p:nvPr/>
+        </p:nvPicPr>
+        <p:blipFill>
+          <a:blip r:embed="rId4"/>
+          <a:stretch>
+            <a:fillRect/>
+          </a:stretch>
+        </p:blipFill>
+        <p:spPr>
+          <a:xfrm>
+            <a:off x="3048165" y="3735236"/>
+            <a:ext cx="5106113" cy="238158"/>
+          </a:xfrm>
+          <a:prstGeom prst="rect">
+            <a:avLst/>
+          </a:prstGeom>
+        </p:spPr>
+      </p:pic>
+      <p:pic>
+        <p:nvPicPr>
+          <p:cNvPr id="11" name="Picture 10">
+            <a:extLst>
+              <a:ext uri="{FF2B5EF4-FFF2-40B4-BE49-F238E27FC236}">
+                <a16:creationId xmlns:a16="http://schemas.microsoft.com/office/drawing/2014/main" id="{BCB8F241-42D3-45B5-A5F9-0AD2E00D14A5}"/>
+              </a:ext>
+            </a:extLst>
+          </p:cNvPr>
+          <p:cNvPicPr>
+            <a:picLocks noChangeAspect="1"/>
+          </p:cNvPicPr>
+          <p:nvPr/>
+        </p:nvPicPr>
+        <p:blipFill>
+          <a:blip r:embed="rId5"/>
+          <a:stretch>
+            <a:fillRect/>
+          </a:stretch>
+        </p:blipFill>
+        <p:spPr>
+          <a:xfrm>
+            <a:off x="2976718" y="5708576"/>
+            <a:ext cx="5048955" cy="457264"/>
+          </a:xfrm>
+          <a:prstGeom prst="rect">
+            <a:avLst/>
+          </a:prstGeom>
+        </p:spPr>
+      </p:pic>
+      <p:sp>
+        <p:nvSpPr>
+          <p:cNvPr id="12" name="Rectangle 11">
+            <a:extLst>
+              <a:ext uri="{FF2B5EF4-FFF2-40B4-BE49-F238E27FC236}">
+                <a16:creationId xmlns:a16="http://schemas.microsoft.com/office/drawing/2014/main" id="{4F3759CB-B455-40F8-9D37-2DF2E26F8EB2}"/>
+              </a:ext>
+            </a:extLst>
+          </p:cNvPr>
+          <p:cNvSpPr/>
+          <p:nvPr/>
+        </p:nvSpPr>
+        <p:spPr>
+          <a:xfrm>
+            <a:off x="6408421" y="5919452"/>
+            <a:ext cx="1536928" cy="226413"/>
+          </a:xfrm>
+          <a:prstGeom prst="rect">
+            <a:avLst/>
+          </a:prstGeom>
+          <a:noFill/>
+        </p:spPr>
+        <p:style>
+          <a:lnRef idx="2">
+            <a:schemeClr val="accent1">
+              <a:shade val="50000"/>
+            </a:schemeClr>
+          </a:lnRef>
+          <a:fillRef idx="1">
+            <a:schemeClr val="accent1"/>
+          </a:fillRef>
+          <a:effectRef idx="0">
+            <a:schemeClr val="accent1"/>
+          </a:effectRef>
+          <a:fontRef idx="minor">
+            <a:schemeClr val="lt1"/>
+          </a:fontRef>
+        </p:style>
+        <p:txBody>
+          <a:bodyPr rtlCol="0" anchor="ctr"/>
+          <a:lstStyle/>
+          <a:p>
+            <a:pPr algn="ctr"/>
+            <a:endParaRPr lang="en-MY"/>
+          </a:p>
+        </p:txBody>
+      </p:sp>
+      <p:sp>
+        <p:nvSpPr>
+          <p:cNvPr id="10" name="Content Placeholder 2">
+            <a:extLst>
+              <a:ext uri="{FF2B5EF4-FFF2-40B4-BE49-F238E27FC236}">
+                <a16:creationId xmlns:a16="http://schemas.microsoft.com/office/drawing/2014/main" id="{DF6F27BB-10BD-4D3E-8190-7DC663143873}"/>
+              </a:ext>
+            </a:extLst>
+          </p:cNvPr>
+          <p:cNvSpPr txBox="1">
+            <a:spLocks/>
+          </p:cNvSpPr>
+          <p:nvPr/>
+        </p:nvSpPr>
+        <p:spPr>
+          <a:xfrm>
+            <a:off x="993648" y="6199632"/>
+            <a:ext cx="10058400" cy="756763"/>
+          </a:xfrm>
+          <a:prstGeom prst="rect">
+            <a:avLst/>
+          </a:prstGeom>
+        </p:spPr>
+        <p:txBody>
+          <a:bodyPr vert="horz" lIns="91440" tIns="45720" rIns="91440" bIns="45720" rtlCol="0">
+            <a:normAutofit/>
+          </a:bodyPr>
+          <a:lstStyle>
+            <a:lvl1pPr marL="182880" indent="-182880" algn="l" defTabSz="914400" rtl="0" eaLnBrk="1" latinLnBrk="0" hangingPunct="1">
+              <a:lnSpc>
+                <a:spcPct val="90000"/>
+              </a:lnSpc>
+              <a:spcBef>
+                <a:spcPts val="1200"/>
+              </a:spcBef>
+              <a:buClr>
+                <a:schemeClr val="accent1">
+                  <a:lumMod val="75000"/>
+                </a:schemeClr>
+              </a:buClr>
+              <a:buSzPct val="85000"/>
+              <a:buFont typeface="Wingdings" pitchFamily="2" charset="2"/>
+              <a:buChar char="§"/>
+              <a:defRPr sz="2000" kern="1200">
+                <a:solidFill>
+                  <a:schemeClr val="tx1"/>
+                </a:solidFill>
+                <a:latin typeface="+mn-lt"/>
+                <a:ea typeface="+mn-ea"/>
+                <a:cs typeface="+mn-cs"/>
+              </a:defRPr>
+            </a:lvl1pPr>
+            <a:lvl2pPr marL="457200" indent="-182880" algn="l" defTabSz="914400" rtl="0" eaLnBrk="1" latinLnBrk="0" hangingPunct="1">
+              <a:lnSpc>
+                <a:spcPct val="90000"/>
+              </a:lnSpc>
+              <a:spcBef>
+                <a:spcPts val="400"/>
+              </a:spcBef>
+              <a:spcAft>
+                <a:spcPts val="200"/>
+              </a:spcAft>
+              <a:buClr>
+                <a:schemeClr val="accent1">
+                  <a:lumMod val="75000"/>
+                </a:schemeClr>
+              </a:buClr>
+              <a:buSzPct val="85000"/>
+              <a:buFont typeface="Wingdings" pitchFamily="2" charset="2"/>
+              <a:buChar char="§"/>
+              <a:defRPr sz="1800" kern="1200">
+                <a:solidFill>
+                  <a:schemeClr val="tx1"/>
+                </a:solidFill>
+                <a:latin typeface="+mn-lt"/>
+                <a:ea typeface="+mn-ea"/>
+                <a:cs typeface="+mn-cs"/>
+              </a:defRPr>
+            </a:lvl2pPr>
+            <a:lvl3pPr marL="731520" indent="-182880" algn="l" defTabSz="914400" rtl="0" eaLnBrk="1" latinLnBrk="0" hangingPunct="1">
+              <a:lnSpc>
+                <a:spcPct val="90000"/>
+              </a:lnSpc>
+              <a:spcBef>
+                <a:spcPts val="400"/>
+              </a:spcBef>
+              <a:spcAft>
+                <a:spcPts val="200"/>
+              </a:spcAft>
+              <a:buClr>
+                <a:schemeClr val="accent1">
+                  <a:lumMod val="75000"/>
+                </a:schemeClr>
+              </a:buClr>
+              <a:buSzPct val="85000"/>
+              <a:buFont typeface="Wingdings" pitchFamily="2" charset="2"/>
+              <a:buChar char="§"/>
+              <a:defRPr sz="1600" kern="1200">
+                <a:solidFill>
+                  <a:schemeClr val="tx1"/>
+                </a:solidFill>
+                <a:latin typeface="+mn-lt"/>
+                <a:ea typeface="+mn-ea"/>
+                <a:cs typeface="+mn-cs"/>
+              </a:defRPr>
+            </a:lvl3pPr>
+            <a:lvl4pPr marL="1005840" indent="-182880" algn="l" defTabSz="914400" rtl="0" eaLnBrk="1" latinLnBrk="0" hangingPunct="1">
+              <a:lnSpc>
+                <a:spcPct val="90000"/>
+              </a:lnSpc>
+              <a:spcBef>
+                <a:spcPts val="400"/>
+              </a:spcBef>
+              <a:spcAft>
+                <a:spcPts val="200"/>
+              </a:spcAft>
+              <a:buClr>
+                <a:schemeClr val="accent1">
+                  <a:lumMod val="75000"/>
+                </a:schemeClr>
+              </a:buClr>
+              <a:buSzPct val="85000"/>
+              <a:buFont typeface="Wingdings" pitchFamily="2" charset="2"/>
+              <a:buChar char="§"/>
+              <a:defRPr sz="1600" kern="1200">
+                <a:solidFill>
+                  <a:schemeClr val="tx1"/>
+                </a:solidFill>
+                <a:latin typeface="+mn-lt"/>
+                <a:ea typeface="+mn-ea"/>
+                <a:cs typeface="+mn-cs"/>
+              </a:defRPr>
+            </a:lvl4pPr>
+            <a:lvl5pPr marL="1280160" indent="-182880" algn="l" defTabSz="914400" rtl="0" eaLnBrk="1" latinLnBrk="0" hangingPunct="1">
+              <a:lnSpc>
+                <a:spcPct val="90000"/>
+              </a:lnSpc>
+              <a:spcBef>
+                <a:spcPts val="400"/>
+              </a:spcBef>
+              <a:spcAft>
+                <a:spcPts val="200"/>
+              </a:spcAft>
+              <a:buClr>
+                <a:schemeClr val="accent1">
+                  <a:lumMod val="75000"/>
+                </a:schemeClr>
+              </a:buClr>
+              <a:buSzPct val="85000"/>
+              <a:buFont typeface="Wingdings" pitchFamily="2" charset="2"/>
+              <a:buChar char="§"/>
+              <a:defRPr sz="1600" kern="1200">
+                <a:solidFill>
+                  <a:schemeClr val="tx1"/>
+                </a:solidFill>
+                <a:latin typeface="+mn-lt"/>
+                <a:ea typeface="+mn-ea"/>
+                <a:cs typeface="+mn-cs"/>
+              </a:defRPr>
+            </a:lvl5pPr>
+            <a:lvl6pPr marL="1600000" indent="-228600" algn="l" defTabSz="914400" rtl="0" eaLnBrk="1" latinLnBrk="0" hangingPunct="1">
+              <a:lnSpc>
+                <a:spcPct val="90000"/>
+              </a:lnSpc>
+              <a:spcBef>
+                <a:spcPts val="400"/>
+              </a:spcBef>
+              <a:spcAft>
+                <a:spcPts val="200"/>
+              </a:spcAft>
+              <a:buClr>
+                <a:schemeClr val="accent1">
+                  <a:lumMod val="75000"/>
+                </a:schemeClr>
+              </a:buClr>
+              <a:buSzPct val="85000"/>
+              <a:buFont typeface="Wingdings" pitchFamily="2" charset="2"/>
+              <a:buChar char="§"/>
+              <a:defRPr sz="1600" kern="1200">
+                <a:solidFill>
+                  <a:schemeClr val="tx1"/>
+                </a:solidFill>
+                <a:latin typeface="+mn-lt"/>
+                <a:ea typeface="+mn-ea"/>
+                <a:cs typeface="+mn-cs"/>
+              </a:defRPr>
+            </a:lvl6pPr>
+            <a:lvl7pPr marL="1900000" indent="-228600" algn="l" defTabSz="914400" rtl="0" eaLnBrk="1" latinLnBrk="0" hangingPunct="1">
+              <a:lnSpc>
+                <a:spcPct val="90000"/>
+              </a:lnSpc>
+              <a:spcBef>
+                <a:spcPts val="400"/>
+              </a:spcBef>
+              <a:spcAft>
+                <a:spcPts val="200"/>
+              </a:spcAft>
+              <a:buClr>
+                <a:schemeClr val="accent1">
+                  <a:lumMod val="75000"/>
+                </a:schemeClr>
+              </a:buClr>
+              <a:buSzPct val="85000"/>
+              <a:buFont typeface="Wingdings" pitchFamily="2" charset="2"/>
+              <a:buChar char="§"/>
+              <a:defRPr sz="1600" kern="1200">
+                <a:solidFill>
+                  <a:schemeClr val="tx1"/>
+                </a:solidFill>
+                <a:latin typeface="+mn-lt"/>
+                <a:ea typeface="+mn-ea"/>
+                <a:cs typeface="+mn-cs"/>
+              </a:defRPr>
+            </a:lvl7pPr>
+            <a:lvl8pPr marL="2200000" indent="-228600" algn="l" defTabSz="914400" rtl="0" eaLnBrk="1" latinLnBrk="0" hangingPunct="1">
+              <a:lnSpc>
+                <a:spcPct val="90000"/>
+              </a:lnSpc>
+              <a:spcBef>
+                <a:spcPts val="400"/>
+              </a:spcBef>
+              <a:spcAft>
+                <a:spcPts val="200"/>
+              </a:spcAft>
+              <a:buClr>
+                <a:schemeClr val="accent1">
+                  <a:lumMod val="75000"/>
+                </a:schemeClr>
+              </a:buClr>
+              <a:buSzPct val="85000"/>
+              <a:buFont typeface="Wingdings" pitchFamily="2" charset="2"/>
+              <a:buChar char="§"/>
+              <a:defRPr sz="1600" kern="1200">
+                <a:solidFill>
+                  <a:schemeClr val="tx1"/>
+                </a:solidFill>
+                <a:latin typeface="+mn-lt"/>
+                <a:ea typeface="+mn-ea"/>
+                <a:cs typeface="+mn-cs"/>
+              </a:defRPr>
+            </a:lvl8pPr>
+            <a:lvl9pPr marL="2500000" indent="-228600" algn="l" defTabSz="914400" rtl="0" eaLnBrk="1" latinLnBrk="0" hangingPunct="1">
+              <a:lnSpc>
+                <a:spcPct val="90000"/>
+              </a:lnSpc>
+              <a:spcBef>
+                <a:spcPts val="400"/>
+              </a:spcBef>
+              <a:spcAft>
+                <a:spcPts val="200"/>
+              </a:spcAft>
+              <a:buClr>
+                <a:schemeClr val="accent1">
+                  <a:lumMod val="75000"/>
+                </a:schemeClr>
+              </a:buClr>
+              <a:buSzPct val="85000"/>
+              <a:buFont typeface="Wingdings" pitchFamily="2" charset="2"/>
+              <a:buChar char="§"/>
+              <a:defRPr sz="1600" kern="1200">
+                <a:solidFill>
+                  <a:schemeClr val="tx1"/>
+                </a:solidFill>
+                <a:latin typeface="+mn-lt"/>
+                <a:ea typeface="+mn-ea"/>
+                <a:cs typeface="+mn-cs"/>
+              </a:defRPr>
+            </a:lvl9pPr>
+          </a:lstStyle>
+          <a:p>
+            <a:pPr marL="0" indent="0">
+              <a:buNone/>
+            </a:pPr>
+            <a:r>
+              <a:rPr lang="en-US" dirty="0">
+                <a:solidFill>
+                  <a:srgbClr val="FF0000"/>
+                </a:solidFill>
+              </a:rPr>
+              <a:t>Now Django auth already can handle this, so use built-in login process this can be done, no need customize.</a:t>
+            </a:r>
+          </a:p>
+        </p:txBody>
+      </p:sp>
+      <p:cxnSp>
+        <p:nvCxnSpPr>
+          <p:cNvPr id="6" name="Straight Connector 5">
+            <a:extLst>
+              <a:ext uri="{FF2B5EF4-FFF2-40B4-BE49-F238E27FC236}">
+                <a16:creationId xmlns:a16="http://schemas.microsoft.com/office/drawing/2014/main" id="{F70DC16E-EDD9-4C9F-B1C2-143403AF4C84}"/>
+              </a:ext>
+            </a:extLst>
+          </p:cNvPr>
+          <p:cNvCxnSpPr/>
+          <p:nvPr/>
+        </p:nvCxnSpPr>
+        <p:spPr>
+          <a:xfrm>
+            <a:off x="1381125" y="4543425"/>
+            <a:ext cx="8115300" cy="1781175"/>
+          </a:xfrm>
+          <a:prstGeom prst="line">
+            <a:avLst/>
+          </a:prstGeom>
+          <a:ln>
+            <a:solidFill>
+              <a:srgbClr val="FF0000"/>
+            </a:solidFill>
+          </a:ln>
+        </p:spPr>
+        <p:style>
+          <a:lnRef idx="1">
+            <a:schemeClr val="accent1"/>
+          </a:lnRef>
+          <a:fillRef idx="0">
+            <a:schemeClr val="accent1"/>
+          </a:fillRef>
+          <a:effectRef idx="0">
+            <a:schemeClr val="accent1"/>
+          </a:effectRef>
+          <a:fontRef idx="minor">
+            <a:schemeClr val="tx1"/>
+          </a:fontRef>
+        </p:style>
+      </p:cxnSp>
+    </p:spTree>
+    <p:extLst>
+      <p:ext uri="{BB962C8B-B14F-4D97-AF65-F5344CB8AC3E}">
+        <p14:creationId xmlns:p14="http://schemas.microsoft.com/office/powerpoint/2010/main" val="4222901175"/>
       </p:ext>
     </p:extLst>
   </p:cSld>
@@ -13963,6 +14951,331 @@
           </a:prstGeom>
         </p:spPr>
       </p:pic>
+      <p:sp>
+        <p:nvSpPr>
+          <p:cNvPr id="5" name="Content Placeholder 2">
+            <a:extLst>
+              <a:ext uri="{FF2B5EF4-FFF2-40B4-BE49-F238E27FC236}">
+                <a16:creationId xmlns:a16="http://schemas.microsoft.com/office/drawing/2014/main" id="{CAD150B4-EB7A-4BD2-AFF6-5533407E71DB}"/>
+              </a:ext>
+            </a:extLst>
+          </p:cNvPr>
+          <p:cNvSpPr txBox="1">
+            <a:spLocks/>
+          </p:cNvSpPr>
+          <p:nvPr/>
+        </p:nvSpPr>
+        <p:spPr>
+          <a:xfrm>
+            <a:off x="1155573" y="4745887"/>
+            <a:ext cx="10058400" cy="756763"/>
+          </a:xfrm>
+          <a:prstGeom prst="rect">
+            <a:avLst/>
+          </a:prstGeom>
+        </p:spPr>
+        <p:txBody>
+          <a:bodyPr vert="horz" lIns="91440" tIns="45720" rIns="91440" bIns="45720" rtlCol="0">
+            <a:normAutofit/>
+          </a:bodyPr>
+          <a:lstStyle>
+            <a:lvl1pPr marL="182880" indent="-182880" algn="l" defTabSz="914400" rtl="0" eaLnBrk="1" latinLnBrk="0" hangingPunct="1">
+              <a:lnSpc>
+                <a:spcPct val="90000"/>
+              </a:lnSpc>
+              <a:spcBef>
+                <a:spcPts val="1200"/>
+              </a:spcBef>
+              <a:buClr>
+                <a:schemeClr val="accent1">
+                  <a:lumMod val="75000"/>
+                </a:schemeClr>
+              </a:buClr>
+              <a:buSzPct val="85000"/>
+              <a:buFont typeface="Wingdings" pitchFamily="2" charset="2"/>
+              <a:buChar char="§"/>
+              <a:defRPr sz="2000" kern="1200">
+                <a:solidFill>
+                  <a:schemeClr val="tx1"/>
+                </a:solidFill>
+                <a:latin typeface="+mn-lt"/>
+                <a:ea typeface="+mn-ea"/>
+                <a:cs typeface="+mn-cs"/>
+              </a:defRPr>
+            </a:lvl1pPr>
+            <a:lvl2pPr marL="457200" indent="-182880" algn="l" defTabSz="914400" rtl="0" eaLnBrk="1" latinLnBrk="0" hangingPunct="1">
+              <a:lnSpc>
+                <a:spcPct val="90000"/>
+              </a:lnSpc>
+              <a:spcBef>
+                <a:spcPts val="400"/>
+              </a:spcBef>
+              <a:spcAft>
+                <a:spcPts val="200"/>
+              </a:spcAft>
+              <a:buClr>
+                <a:schemeClr val="accent1">
+                  <a:lumMod val="75000"/>
+                </a:schemeClr>
+              </a:buClr>
+              <a:buSzPct val="85000"/>
+              <a:buFont typeface="Wingdings" pitchFamily="2" charset="2"/>
+              <a:buChar char="§"/>
+              <a:defRPr sz="1800" kern="1200">
+                <a:solidFill>
+                  <a:schemeClr val="tx1"/>
+                </a:solidFill>
+                <a:latin typeface="+mn-lt"/>
+                <a:ea typeface="+mn-ea"/>
+                <a:cs typeface="+mn-cs"/>
+              </a:defRPr>
+            </a:lvl2pPr>
+            <a:lvl3pPr marL="731520" indent="-182880" algn="l" defTabSz="914400" rtl="0" eaLnBrk="1" latinLnBrk="0" hangingPunct="1">
+              <a:lnSpc>
+                <a:spcPct val="90000"/>
+              </a:lnSpc>
+              <a:spcBef>
+                <a:spcPts val="400"/>
+              </a:spcBef>
+              <a:spcAft>
+                <a:spcPts val="200"/>
+              </a:spcAft>
+              <a:buClr>
+                <a:schemeClr val="accent1">
+                  <a:lumMod val="75000"/>
+                </a:schemeClr>
+              </a:buClr>
+              <a:buSzPct val="85000"/>
+              <a:buFont typeface="Wingdings" pitchFamily="2" charset="2"/>
+              <a:buChar char="§"/>
+              <a:defRPr sz="1600" kern="1200">
+                <a:solidFill>
+                  <a:schemeClr val="tx1"/>
+                </a:solidFill>
+                <a:latin typeface="+mn-lt"/>
+                <a:ea typeface="+mn-ea"/>
+                <a:cs typeface="+mn-cs"/>
+              </a:defRPr>
+            </a:lvl3pPr>
+            <a:lvl4pPr marL="1005840" indent="-182880" algn="l" defTabSz="914400" rtl="0" eaLnBrk="1" latinLnBrk="0" hangingPunct="1">
+              <a:lnSpc>
+                <a:spcPct val="90000"/>
+              </a:lnSpc>
+              <a:spcBef>
+                <a:spcPts val="400"/>
+              </a:spcBef>
+              <a:spcAft>
+                <a:spcPts val="200"/>
+              </a:spcAft>
+              <a:buClr>
+                <a:schemeClr val="accent1">
+                  <a:lumMod val="75000"/>
+                </a:schemeClr>
+              </a:buClr>
+              <a:buSzPct val="85000"/>
+              <a:buFont typeface="Wingdings" pitchFamily="2" charset="2"/>
+              <a:buChar char="§"/>
+              <a:defRPr sz="1600" kern="1200">
+                <a:solidFill>
+                  <a:schemeClr val="tx1"/>
+                </a:solidFill>
+                <a:latin typeface="+mn-lt"/>
+                <a:ea typeface="+mn-ea"/>
+                <a:cs typeface="+mn-cs"/>
+              </a:defRPr>
+            </a:lvl4pPr>
+            <a:lvl5pPr marL="1280160" indent="-182880" algn="l" defTabSz="914400" rtl="0" eaLnBrk="1" latinLnBrk="0" hangingPunct="1">
+              <a:lnSpc>
+                <a:spcPct val="90000"/>
+              </a:lnSpc>
+              <a:spcBef>
+                <a:spcPts val="400"/>
+              </a:spcBef>
+              <a:spcAft>
+                <a:spcPts val="200"/>
+              </a:spcAft>
+              <a:buClr>
+                <a:schemeClr val="accent1">
+                  <a:lumMod val="75000"/>
+                </a:schemeClr>
+              </a:buClr>
+              <a:buSzPct val="85000"/>
+              <a:buFont typeface="Wingdings" pitchFamily="2" charset="2"/>
+              <a:buChar char="§"/>
+              <a:defRPr sz="1600" kern="1200">
+                <a:solidFill>
+                  <a:schemeClr val="tx1"/>
+                </a:solidFill>
+                <a:latin typeface="+mn-lt"/>
+                <a:ea typeface="+mn-ea"/>
+                <a:cs typeface="+mn-cs"/>
+              </a:defRPr>
+            </a:lvl5pPr>
+            <a:lvl6pPr marL="1600000" indent="-228600" algn="l" defTabSz="914400" rtl="0" eaLnBrk="1" latinLnBrk="0" hangingPunct="1">
+              <a:lnSpc>
+                <a:spcPct val="90000"/>
+              </a:lnSpc>
+              <a:spcBef>
+                <a:spcPts val="400"/>
+              </a:spcBef>
+              <a:spcAft>
+                <a:spcPts val="200"/>
+              </a:spcAft>
+              <a:buClr>
+                <a:schemeClr val="accent1">
+                  <a:lumMod val="75000"/>
+                </a:schemeClr>
+              </a:buClr>
+              <a:buSzPct val="85000"/>
+              <a:buFont typeface="Wingdings" pitchFamily="2" charset="2"/>
+              <a:buChar char="§"/>
+              <a:defRPr sz="1600" kern="1200">
+                <a:solidFill>
+                  <a:schemeClr val="tx1"/>
+                </a:solidFill>
+                <a:latin typeface="+mn-lt"/>
+                <a:ea typeface="+mn-ea"/>
+                <a:cs typeface="+mn-cs"/>
+              </a:defRPr>
+            </a:lvl6pPr>
+            <a:lvl7pPr marL="1900000" indent="-228600" algn="l" defTabSz="914400" rtl="0" eaLnBrk="1" latinLnBrk="0" hangingPunct="1">
+              <a:lnSpc>
+                <a:spcPct val="90000"/>
+              </a:lnSpc>
+              <a:spcBef>
+                <a:spcPts val="400"/>
+              </a:spcBef>
+              <a:spcAft>
+                <a:spcPts val="200"/>
+              </a:spcAft>
+              <a:buClr>
+                <a:schemeClr val="accent1">
+                  <a:lumMod val="75000"/>
+                </a:schemeClr>
+              </a:buClr>
+              <a:buSzPct val="85000"/>
+              <a:buFont typeface="Wingdings" pitchFamily="2" charset="2"/>
+              <a:buChar char="§"/>
+              <a:defRPr sz="1600" kern="1200">
+                <a:solidFill>
+                  <a:schemeClr val="tx1"/>
+                </a:solidFill>
+                <a:latin typeface="+mn-lt"/>
+                <a:ea typeface="+mn-ea"/>
+                <a:cs typeface="+mn-cs"/>
+              </a:defRPr>
+            </a:lvl7pPr>
+            <a:lvl8pPr marL="2200000" indent="-228600" algn="l" defTabSz="914400" rtl="0" eaLnBrk="1" latinLnBrk="0" hangingPunct="1">
+              <a:lnSpc>
+                <a:spcPct val="90000"/>
+              </a:lnSpc>
+              <a:spcBef>
+                <a:spcPts val="400"/>
+              </a:spcBef>
+              <a:spcAft>
+                <a:spcPts val="200"/>
+              </a:spcAft>
+              <a:buClr>
+                <a:schemeClr val="accent1">
+                  <a:lumMod val="75000"/>
+                </a:schemeClr>
+              </a:buClr>
+              <a:buSzPct val="85000"/>
+              <a:buFont typeface="Wingdings" pitchFamily="2" charset="2"/>
+              <a:buChar char="§"/>
+              <a:defRPr sz="1600" kern="1200">
+                <a:solidFill>
+                  <a:schemeClr val="tx1"/>
+                </a:solidFill>
+                <a:latin typeface="+mn-lt"/>
+                <a:ea typeface="+mn-ea"/>
+                <a:cs typeface="+mn-cs"/>
+              </a:defRPr>
+            </a:lvl8pPr>
+            <a:lvl9pPr marL="2500000" indent="-228600" algn="l" defTabSz="914400" rtl="0" eaLnBrk="1" latinLnBrk="0" hangingPunct="1">
+              <a:lnSpc>
+                <a:spcPct val="90000"/>
+              </a:lnSpc>
+              <a:spcBef>
+                <a:spcPts val="400"/>
+              </a:spcBef>
+              <a:spcAft>
+                <a:spcPts val="200"/>
+              </a:spcAft>
+              <a:buClr>
+                <a:schemeClr val="accent1">
+                  <a:lumMod val="75000"/>
+                </a:schemeClr>
+              </a:buClr>
+              <a:buSzPct val="85000"/>
+              <a:buFont typeface="Wingdings" pitchFamily="2" charset="2"/>
+              <a:buChar char="§"/>
+              <a:defRPr sz="1600" kern="1200">
+                <a:solidFill>
+                  <a:schemeClr val="tx1"/>
+                </a:solidFill>
+                <a:latin typeface="+mn-lt"/>
+                <a:ea typeface="+mn-ea"/>
+                <a:cs typeface="+mn-cs"/>
+              </a:defRPr>
+            </a:lvl9pPr>
+          </a:lstStyle>
+          <a:p>
+            <a:pPr marL="0" indent="0">
+              <a:buNone/>
+            </a:pPr>
+            <a:r>
+              <a:rPr lang="en-US" dirty="0">
+                <a:solidFill>
+                  <a:srgbClr val="FF0000"/>
+                </a:solidFill>
+              </a:rPr>
+              <a:t>Now Django auth already can handle this, so use built-in login process this can be done, no need customize.</a:t>
+            </a:r>
+          </a:p>
+        </p:txBody>
+      </p:sp>
+      <p:cxnSp>
+        <p:nvCxnSpPr>
+          <p:cNvPr id="6" name="Straight Connector 5">
+            <a:extLst>
+              <a:ext uri="{FF2B5EF4-FFF2-40B4-BE49-F238E27FC236}">
+                <a16:creationId xmlns:a16="http://schemas.microsoft.com/office/drawing/2014/main" id="{D3F22D86-A115-4EB2-A300-36F37E2F1F71}"/>
+              </a:ext>
+            </a:extLst>
+          </p:cNvPr>
+          <p:cNvCxnSpPr/>
+          <p:nvPr/>
+        </p:nvCxnSpPr>
+        <p:spPr>
+          <a:xfrm>
+            <a:off x="1420264" y="1984780"/>
+            <a:ext cx="8115300" cy="1781175"/>
+          </a:xfrm>
+          <a:prstGeom prst="line">
+            <a:avLst/>
+          </a:prstGeom>
+          <a:ln>
+            <a:solidFill>
+              <a:srgbClr val="FF0000"/>
+            </a:solidFill>
+          </a:ln>
+        </p:spPr>
+        <p:style>
+          <a:lnRef idx="1">
+            <a:schemeClr val="accent1"/>
+          </a:lnRef>
+          <a:fillRef idx="0">
+            <a:schemeClr val="accent1"/>
+          </a:fillRef>
+          <a:effectRef idx="0">
+            <a:schemeClr val="accent1"/>
+          </a:effectRef>
+          <a:fontRef idx="minor">
+            <a:schemeClr val="tx1"/>
+          </a:fontRef>
+        </p:style>
+      </p:cxnSp>
     </p:spTree>
     <p:extLst>
       <p:ext uri="{BB962C8B-B14F-4D97-AF65-F5344CB8AC3E}">

--- a/Py Web Unit2e.pptx
+++ b/Py Web Unit2e.pptx
@@ -2677,18 +2677,18 @@
   <pc:docChgLst>
     <pc:chgData name="Li Lixiang" userId="6104bbfcb56aea79" providerId="LiveId" clId="{6CC3D90D-8118-4F8B-A993-017911A0DDAA}"/>
     <pc:docChg chg="undo custSel addSld delSld modSld sldOrd">
-      <pc:chgData name="Li Lixiang" userId="6104bbfcb56aea79" providerId="LiveId" clId="{6CC3D90D-8118-4F8B-A993-017911A0DDAA}" dt="2021-11-16T09:28:00.693" v="4768" actId="14100"/>
+      <pc:chgData name="Li Lixiang" userId="6104bbfcb56aea79" providerId="LiveId" clId="{6CC3D90D-8118-4F8B-A993-017911A0DDAA}" dt="2021-12-23T11:56:14.183" v="4803" actId="20577"/>
       <pc:docMkLst>
         <pc:docMk/>
       </pc:docMkLst>
       <pc:sldChg chg="modSp mod">
-        <pc:chgData name="Li Lixiang" userId="6104bbfcb56aea79" providerId="LiveId" clId="{6CC3D90D-8118-4F8B-A993-017911A0DDAA}" dt="2021-09-10T12:45:33.773" v="481" actId="20577"/>
+        <pc:chgData name="Li Lixiang" userId="6104bbfcb56aea79" providerId="LiveId" clId="{6CC3D90D-8118-4F8B-A993-017911A0DDAA}" dt="2021-12-23T11:56:14.183" v="4803" actId="20577"/>
         <pc:sldMkLst>
           <pc:docMk/>
           <pc:sldMk cId="993770899" sldId="256"/>
         </pc:sldMkLst>
         <pc:spChg chg="mod">
-          <ac:chgData name="Li Lixiang" userId="6104bbfcb56aea79" providerId="LiveId" clId="{6CC3D90D-8118-4F8B-A993-017911A0DDAA}" dt="2021-09-10T12:45:33.773" v="481" actId="20577"/>
+          <ac:chgData name="Li Lixiang" userId="6104bbfcb56aea79" providerId="LiveId" clId="{6CC3D90D-8118-4F8B-A993-017911A0DDAA}" dt="2021-12-23T11:56:14.183" v="4803" actId="20577"/>
           <ac:spMkLst>
             <pc:docMk/>
             <pc:sldMk cId="993770899" sldId="256"/>
@@ -2860,7 +2860,7 @@
         </pc:spChg>
       </pc:sldChg>
       <pc:sldChg chg="modSp new mod">
-        <pc:chgData name="Li Lixiang" userId="6104bbfcb56aea79" providerId="LiveId" clId="{6CC3D90D-8118-4F8B-A993-017911A0DDAA}" dt="2021-11-15T12:13:27.326" v="4455" actId="20577"/>
+        <pc:chgData name="Li Lixiang" userId="6104bbfcb56aea79" providerId="LiveId" clId="{6CC3D90D-8118-4F8B-A993-017911A0DDAA}" dt="2021-12-23T11:05:54.922" v="4785" actId="20577"/>
         <pc:sldMkLst>
           <pc:docMk/>
           <pc:sldMk cId="3994271121" sldId="310"/>
@@ -2874,7 +2874,7 @@
           </ac:spMkLst>
         </pc:spChg>
         <pc:spChg chg="mod">
-          <ac:chgData name="Li Lixiang" userId="6104bbfcb56aea79" providerId="LiveId" clId="{6CC3D90D-8118-4F8B-A993-017911A0DDAA}" dt="2021-09-10T12:52:00.899" v="1104" actId="20577"/>
+          <ac:chgData name="Li Lixiang" userId="6104bbfcb56aea79" providerId="LiveId" clId="{6CC3D90D-8118-4F8B-A993-017911A0DDAA}" dt="2021-12-23T11:05:54.922" v="4785" actId="20577"/>
           <ac:spMkLst>
             <pc:docMk/>
             <pc:sldMk cId="3994271121" sldId="310"/>
@@ -3395,7 +3395,7 @@
         </pc:cxnChg>
       </pc:sldChg>
       <pc:sldChg chg="addSp delSp modSp add mod">
-        <pc:chgData name="Li Lixiang" userId="6104bbfcb56aea79" providerId="LiveId" clId="{6CC3D90D-8118-4F8B-A993-017911A0DDAA}" dt="2021-11-16T09:28:00.693" v="4768" actId="14100"/>
+        <pc:chgData name="Li Lixiang" userId="6104bbfcb56aea79" providerId="LiveId" clId="{6CC3D90D-8118-4F8B-A993-017911A0DDAA}" dt="2021-12-23T11:12:13.521" v="4786" actId="1076"/>
         <pc:sldMkLst>
           <pc:docMk/>
           <pc:sldMk cId="1438882001" sldId="318"/>
@@ -3441,7 +3441,7 @@
           </ac:picMkLst>
         </pc:picChg>
         <pc:cxnChg chg="add mod">
-          <ac:chgData name="Li Lixiang" userId="6104bbfcb56aea79" providerId="LiveId" clId="{6CC3D90D-8118-4F8B-A993-017911A0DDAA}" dt="2021-11-16T09:28:00.693" v="4768" actId="14100"/>
+          <ac:chgData name="Li Lixiang" userId="6104bbfcb56aea79" providerId="LiveId" clId="{6CC3D90D-8118-4F8B-A993-017911A0DDAA}" dt="2021-12-23T11:12:13.521" v="4786" actId="1076"/>
           <ac:cxnSpMkLst>
             <pc:docMk/>
             <pc:sldMk cId="1438882001" sldId="318"/>
@@ -6674,7 +6674,7 @@
             <a:fld id="{A5B0A250-5CC0-1746-B209-08E8B0DAE6AF}" type="datetimeFigureOut">
               <a:rPr lang="en-US" smtClean="0"/>
               <a:pPr algn="l"/>
-              <a:t>11/16/2021</a:t>
+              <a:t>12/23/2021</a:t>
             </a:fld>
             <a:endParaRPr lang="en-US" dirty="0"/>
           </a:p>
@@ -6853,7 +6853,7 @@
           <a:p>
             <a:fld id="{A5B0A250-5CC0-1746-B209-08E8B0DAE6AF}" type="datetimeFigureOut">
               <a:rPr lang="en-US" smtClean="0"/>
-              <a:t>11/16/2021</a:t>
+              <a:t>12/23/2021</a:t>
             </a:fld>
             <a:endParaRPr lang="en-US" dirty="0"/>
           </a:p>
@@ -7033,7 +7033,7 @@
           <a:p>
             <a:fld id="{A5B0A250-5CC0-1746-B209-08E8B0DAE6AF}" type="datetimeFigureOut">
               <a:rPr lang="en-US" smtClean="0"/>
-              <a:t>11/16/2021</a:t>
+              <a:t>12/23/2021</a:t>
             </a:fld>
             <a:endParaRPr lang="en-US"/>
           </a:p>
@@ -7203,7 +7203,7 @@
           <a:p>
             <a:fld id="{A5B0A250-5CC0-1746-B209-08E8B0DAE6AF}" type="datetimeFigureOut">
               <a:rPr lang="en-US" smtClean="0"/>
-              <a:t>11/16/2021</a:t>
+              <a:t>12/23/2021</a:t>
             </a:fld>
             <a:endParaRPr lang="en-US" dirty="0"/>
           </a:p>
@@ -7516,7 +7516,7 @@
           <a:p>
             <a:fld id="{A5B0A250-5CC0-1746-B209-08E8B0DAE6AF}" type="datetimeFigureOut">
               <a:rPr lang="en-US" smtClean="0"/>
-              <a:t>11/16/2021</a:t>
+              <a:t>12/23/2021</a:t>
             </a:fld>
             <a:endParaRPr lang="en-US" dirty="0"/>
           </a:p>
@@ -7902,7 +7902,7 @@
           <a:p>
             <a:fld id="{A5B0A250-5CC0-1746-B209-08E8B0DAE6AF}" type="datetimeFigureOut">
               <a:rPr lang="en-US" smtClean="0"/>
-              <a:t>11/16/2021</a:t>
+              <a:t>12/23/2021</a:t>
             </a:fld>
             <a:endParaRPr lang="en-US" dirty="0"/>
           </a:p>
@@ -8336,7 +8336,7 @@
           <a:p>
             <a:fld id="{A5B0A250-5CC0-1746-B209-08E8B0DAE6AF}" type="datetimeFigureOut">
               <a:rPr lang="en-US" smtClean="0"/>
-              <a:t>11/16/2021</a:t>
+              <a:t>12/23/2021</a:t>
             </a:fld>
             <a:endParaRPr lang="en-US" dirty="0"/>
           </a:p>
@@ -8454,7 +8454,7 @@
           <a:p>
             <a:fld id="{A5B0A250-5CC0-1746-B209-08E8B0DAE6AF}" type="datetimeFigureOut">
               <a:rPr lang="en-US" smtClean="0"/>
-              <a:t>11/16/2021</a:t>
+              <a:t>12/23/2021</a:t>
             </a:fld>
             <a:endParaRPr lang="en-US" dirty="0"/>
           </a:p>
@@ -8550,7 +8550,7 @@
             <a:fld id="{A5B0A250-5CC0-1746-B209-08E8B0DAE6AF}" type="datetimeFigureOut">
               <a:rPr lang="en-US" smtClean="0"/>
               <a:pPr/>
-              <a:t>11/16/2021</a:t>
+              <a:t>12/23/2021</a:t>
             </a:fld>
             <a:endParaRPr lang="en-US" dirty="0"/>
           </a:p>
@@ -8901,7 +8901,7 @@
           <a:p>
             <a:fld id="{A5B0A250-5CC0-1746-B209-08E8B0DAE6AF}" type="datetimeFigureOut">
               <a:rPr lang="en-US" smtClean="0"/>
-              <a:t>11/16/2021</a:t>
+              <a:t>12/23/2021</a:t>
             </a:fld>
             <a:endParaRPr lang="en-US" dirty="0"/>
           </a:p>
@@ -9326,7 +9326,7 @@
           <a:p>
             <a:fld id="{A5B0A250-5CC0-1746-B209-08E8B0DAE6AF}" type="datetimeFigureOut">
               <a:rPr lang="en-US" smtClean="0"/>
-              <a:t>11/16/2021</a:t>
+              <a:t>12/23/2021</a:t>
             </a:fld>
             <a:endParaRPr lang="en-US" dirty="0"/>
           </a:p>
@@ -9608,7 +9608,7 @@
             <a:fld id="{A5B0A250-5CC0-1746-B209-08E8B0DAE6AF}" type="datetimeFigureOut">
               <a:rPr lang="en-US" smtClean="0"/>
               <a:pPr/>
-              <a:t>11/16/2021</a:t>
+              <a:t>12/23/2021</a:t>
             </a:fld>
             <a:endParaRPr lang="en-US" dirty="0"/>
           </a:p>
@@ -10326,8 +10326,13 @@
           <a:p>
             <a:r>
               <a:rPr lang="en-MY" dirty="0"/>
-              <a:t>  --AAA, Authenticate, Authorization, Accounting</a:t>
-            </a:r>
+              <a:t>  --User login</a:t>
+            </a:r>
+            <a:r>
+              <a:rPr lang="en-MY"/>
+              <a:t>/logout</a:t>
+            </a:r>
+            <a:endParaRPr lang="en-MY" dirty="0"/>
           </a:p>
         </p:txBody>
       </p:sp>
@@ -11802,7 +11807,7 @@
         </p:nvCxnSpPr>
         <p:spPr>
           <a:xfrm>
-            <a:off x="1069848" y="4343400"/>
+            <a:off x="2127123" y="2121409"/>
             <a:ext cx="7007352" cy="733425"/>
           </a:xfrm>
           <a:prstGeom prst="line">
@@ -12824,7 +12829,7 @@
           <a:p>
             <a:r>
               <a:rPr lang="en-US" dirty="0"/>
-              <a:t>when login, all activity assume the </a:t>
+              <a:t>After login, all activity assume the </a:t>
             </a:r>
             <a:r>
               <a:rPr lang="en-US" dirty="0" err="1"/>

--- a/Py Web Unit2e.pptx
+++ b/Py Web Unit2e.pptx
@@ -17,7 +17,8 @@
     <p:sldId id="316" r:id="rId11"/>
     <p:sldId id="318" r:id="rId12"/>
     <p:sldId id="319" r:id="rId13"/>
-    <p:sldId id="309" r:id="rId14"/>
+    <p:sldId id="321" r:id="rId14"/>
+    <p:sldId id="309" r:id="rId15"/>
   </p:sldIdLst>
   <p:sldSz cx="12192000" cy="6858000"/>
   <p:notesSz cx="6858000" cy="9144000"/>
@@ -127,7 +128,7 @@
 <file path=ppt/revisionInfo.xml><?xml version="1.0" encoding="utf-8"?>
 <p1510:revInfo xmlns:a="http://schemas.openxmlformats.org/drawingml/2006/main" xmlns:r="http://schemas.openxmlformats.org/officeDocument/2006/relationships" xmlns:p1510="http://schemas.microsoft.com/office/powerpoint/2015/10/main">
   <p1510:revLst>
-    <p1510:client id="{6CC3D90D-8118-4F8B-A993-017911A0DDAA}" v="69" dt="2021-11-16T09:27:53.595"/>
+    <p1510:client id="{6CC3D90D-8118-4F8B-A993-017911A0DDAA}" v="71" dt="2022-01-07T12:44:04.071"/>
   </p1510:revLst>
 </p1510:revInfo>
 </file>
@@ -2677,7 +2678,7 @@
   <pc:docChgLst>
     <pc:chgData name="Li Lixiang" userId="6104bbfcb56aea79" providerId="LiveId" clId="{6CC3D90D-8118-4F8B-A993-017911A0DDAA}"/>
     <pc:docChg chg="undo custSel addSld delSld modSld sldOrd">
-      <pc:chgData name="Li Lixiang" userId="6104bbfcb56aea79" providerId="LiveId" clId="{6CC3D90D-8118-4F8B-A993-017911A0DDAA}" dt="2021-12-23T11:56:14.183" v="4803" actId="20577"/>
+      <pc:chgData name="Li Lixiang" userId="6104bbfcb56aea79" providerId="LiveId" clId="{6CC3D90D-8118-4F8B-A993-017911A0DDAA}" dt="2022-01-07T12:53:44.672" v="5371" actId="20577"/>
       <pc:docMkLst>
         <pc:docMk/>
       </pc:docMkLst>
@@ -3142,7 +3143,7 @@
         </pc:sldMkLst>
       </pc:sldChg>
       <pc:sldChg chg="addSp modSp new mod">
-        <pc:chgData name="Li Lixiang" userId="6104bbfcb56aea79" providerId="LiveId" clId="{6CC3D90D-8118-4F8B-A993-017911A0DDAA}" dt="2021-11-16T09:25:13.920" v="4754" actId="208"/>
+        <pc:chgData name="Li Lixiang" userId="6104bbfcb56aea79" providerId="LiveId" clId="{6CC3D90D-8118-4F8B-A993-017911A0DDAA}" dt="2022-01-07T12:27:17.137" v="4925" actId="1036"/>
         <pc:sldMkLst>
           <pc:docMk/>
           <pc:sldMk cId="4222901175" sldId="315"/>
@@ -3180,7 +3181,7 @@
           </ac:spMkLst>
         </pc:spChg>
         <pc:picChg chg="add mod">
-          <ac:chgData name="Li Lixiang" userId="6104bbfcb56aea79" providerId="LiveId" clId="{6CC3D90D-8118-4F8B-A993-017911A0DDAA}" dt="2021-09-11T04:30:28.319" v="2785" actId="1076"/>
+          <ac:chgData name="Li Lixiang" userId="6104bbfcb56aea79" providerId="LiveId" clId="{6CC3D90D-8118-4F8B-A993-017911A0DDAA}" dt="2022-01-07T12:27:17.137" v="4925" actId="1036"/>
           <ac:picMkLst>
             <pc:docMk/>
             <pc:sldMk cId="4222901175" sldId="315"/>
@@ -3188,7 +3189,7 @@
           </ac:picMkLst>
         </pc:picChg>
         <pc:picChg chg="add mod">
-          <ac:chgData name="Li Lixiang" userId="6104bbfcb56aea79" providerId="LiveId" clId="{6CC3D90D-8118-4F8B-A993-017911A0DDAA}" dt="2021-09-11T04:30:44.137" v="2787" actId="1076"/>
+          <ac:chgData name="Li Lixiang" userId="6104bbfcb56aea79" providerId="LiveId" clId="{6CC3D90D-8118-4F8B-A993-017911A0DDAA}" dt="2022-01-07T12:27:17.137" v="4925" actId="1036"/>
           <ac:picMkLst>
             <pc:docMk/>
             <pc:sldMk cId="4222901175" sldId="315"/>
@@ -3196,7 +3197,15 @@
           </ac:picMkLst>
         </pc:picChg>
         <pc:picChg chg="add mod">
-          <ac:chgData name="Li Lixiang" userId="6104bbfcb56aea79" providerId="LiveId" clId="{6CC3D90D-8118-4F8B-A993-017911A0DDAA}" dt="2021-09-11T04:31:07.975" v="2789" actId="1076"/>
+          <ac:chgData name="Li Lixiang" userId="6104bbfcb56aea79" providerId="LiveId" clId="{6CC3D90D-8118-4F8B-A993-017911A0DDAA}" dt="2022-01-07T12:27:12.377" v="4919" actId="1076"/>
+          <ac:picMkLst>
+            <pc:docMk/>
+            <pc:sldMk cId="4222901175" sldId="315"/>
+            <ac:picMk id="8" creationId="{473CAFD4-15B2-4438-BC8E-CB6086F74D5C}"/>
+          </ac:picMkLst>
+        </pc:picChg>
+        <pc:picChg chg="add mod">
+          <ac:chgData name="Li Lixiang" userId="6104bbfcb56aea79" providerId="LiveId" clId="{6CC3D90D-8118-4F8B-A993-017911A0DDAA}" dt="2022-01-07T12:27:17.137" v="4925" actId="1036"/>
           <ac:picMkLst>
             <pc:docMk/>
             <pc:sldMk cId="4222901175" sldId="315"/>
@@ -3449,8 +3458,8 @@
           </ac:cxnSpMkLst>
         </pc:cxnChg>
       </pc:sldChg>
-      <pc:sldChg chg="addSp modSp new mod">
-        <pc:chgData name="Li Lixiang" userId="6104bbfcb56aea79" providerId="LiveId" clId="{6CC3D90D-8118-4F8B-A993-017911A0DDAA}" dt="2021-09-11T07:22:00.058" v="4058" actId="20577"/>
+      <pc:sldChg chg="addSp delSp modSp new mod">
+        <pc:chgData name="Li Lixiang" userId="6104bbfcb56aea79" providerId="LiveId" clId="{6CC3D90D-8118-4F8B-A993-017911A0DDAA}" dt="2022-01-07T12:49:33.899" v="5208" actId="1036"/>
         <pc:sldMkLst>
           <pc:docMk/>
           <pc:sldMk cId="4116957025" sldId="319"/>
@@ -3464,15 +3473,23 @@
           </ac:spMkLst>
         </pc:spChg>
         <pc:spChg chg="mod">
-          <ac:chgData name="Li Lixiang" userId="6104bbfcb56aea79" providerId="LiveId" clId="{6CC3D90D-8118-4F8B-A993-017911A0DDAA}" dt="2021-09-11T06:57:19.806" v="4035" actId="14100"/>
+          <ac:chgData name="Li Lixiang" userId="6104bbfcb56aea79" providerId="LiveId" clId="{6CC3D90D-8118-4F8B-A993-017911A0DDAA}" dt="2022-01-07T12:49:26.429" v="5203" actId="20577"/>
           <ac:spMkLst>
             <pc:docMk/>
             <pc:sldMk cId="4116957025" sldId="319"/>
             <ac:spMk id="3" creationId="{9BB69CA7-579B-4F8A-ADC5-B7D43BF50EB0}"/>
           </ac:spMkLst>
         </pc:spChg>
+        <pc:spChg chg="add del mod">
+          <ac:chgData name="Li Lixiang" userId="6104bbfcb56aea79" providerId="LiveId" clId="{6CC3D90D-8118-4F8B-A993-017911A0DDAA}" dt="2022-01-07T12:44:12.128" v="4966" actId="478"/>
+          <ac:spMkLst>
+            <pc:docMk/>
+            <pc:sldMk cId="4116957025" sldId="319"/>
+            <ac:spMk id="6" creationId="{73641858-7D17-49F8-87F6-56381AF9C15B}"/>
+          </ac:spMkLst>
+        </pc:spChg>
         <pc:picChg chg="add mod">
-          <ac:chgData name="Li Lixiang" userId="6104bbfcb56aea79" providerId="LiveId" clId="{6CC3D90D-8118-4F8B-A993-017911A0DDAA}" dt="2021-09-11T07:21:47.989" v="4041" actId="1076"/>
+          <ac:chgData name="Li Lixiang" userId="6104bbfcb56aea79" providerId="LiveId" clId="{6CC3D90D-8118-4F8B-A993-017911A0DDAA}" dt="2022-01-07T12:49:33.899" v="5208" actId="1036"/>
           <ac:picMkLst>
             <pc:docMk/>
             <pc:sldMk cId="4116957025" sldId="319"/>
@@ -3480,7 +3497,7 @@
           </ac:picMkLst>
         </pc:picChg>
         <pc:picChg chg="add mod modCrop">
-          <ac:chgData name="Li Lixiang" userId="6104bbfcb56aea79" providerId="LiveId" clId="{6CC3D90D-8118-4F8B-A993-017911A0DDAA}" dt="2021-09-11T07:21:46.447" v="4040" actId="1076"/>
+          <ac:chgData name="Li Lixiang" userId="6104bbfcb56aea79" providerId="LiveId" clId="{6CC3D90D-8118-4F8B-A993-017911A0DDAA}" dt="2022-01-07T12:49:33.899" v="5208" actId="1036"/>
           <ac:picMkLst>
             <pc:docMk/>
             <pc:sldMk cId="4116957025" sldId="319"/>
@@ -3555,6 +3572,61 @@
             <pc:docMk/>
             <pc:sldMk cId="3134881837" sldId="320"/>
             <ac:picMk id="10" creationId="{4B1AD44D-332F-43B0-BD82-C149E8DAD636}"/>
+          </ac:picMkLst>
+        </pc:picChg>
+      </pc:sldChg>
+      <pc:sldChg chg="addSp delSp modSp add mod">
+        <pc:chgData name="Li Lixiang" userId="6104bbfcb56aea79" providerId="LiveId" clId="{6CC3D90D-8118-4F8B-A993-017911A0DDAA}" dt="2022-01-07T12:53:44.672" v="5371" actId="20577"/>
+        <pc:sldMkLst>
+          <pc:docMk/>
+          <pc:sldMk cId="3186048236" sldId="321"/>
+        </pc:sldMkLst>
+        <pc:spChg chg="del">
+          <ac:chgData name="Li Lixiang" userId="6104bbfcb56aea79" providerId="LiveId" clId="{6CC3D90D-8118-4F8B-A993-017911A0DDAA}" dt="2022-01-07T12:44:16.759" v="4967" actId="478"/>
+          <ac:spMkLst>
+            <pc:docMk/>
+            <pc:sldMk cId="3186048236" sldId="321"/>
+            <ac:spMk id="3" creationId="{9BB69CA7-579B-4F8A-ADC5-B7D43BF50EB0}"/>
+          </ac:spMkLst>
+        </pc:spChg>
+        <pc:spChg chg="mod">
+          <ac:chgData name="Li Lixiang" userId="6104bbfcb56aea79" providerId="LiveId" clId="{6CC3D90D-8118-4F8B-A993-017911A0DDAA}" dt="2022-01-07T12:53:44.672" v="5371" actId="20577"/>
+          <ac:spMkLst>
+            <pc:docMk/>
+            <pc:sldMk cId="3186048236" sldId="321"/>
+            <ac:spMk id="6" creationId="{73641858-7D17-49F8-87F6-56381AF9C15B}"/>
+          </ac:spMkLst>
+        </pc:spChg>
+        <pc:spChg chg="add del mod">
+          <ac:chgData name="Li Lixiang" userId="6104bbfcb56aea79" providerId="LiveId" clId="{6CC3D90D-8118-4F8B-A993-017911A0DDAA}" dt="2022-01-07T12:44:19.538" v="4968" actId="478"/>
+          <ac:spMkLst>
+            <pc:docMk/>
+            <pc:sldMk cId="3186048236" sldId="321"/>
+            <ac:spMk id="8" creationId="{2D6506B1-4E11-4B83-A894-A2DA1AE8BD6A}"/>
+          </ac:spMkLst>
+        </pc:spChg>
+        <pc:picChg chg="del">
+          <ac:chgData name="Li Lixiang" userId="6104bbfcb56aea79" providerId="LiveId" clId="{6CC3D90D-8118-4F8B-A993-017911A0DDAA}" dt="2022-01-07T12:44:16.759" v="4967" actId="478"/>
+          <ac:picMkLst>
+            <pc:docMk/>
+            <pc:sldMk cId="3186048236" sldId="321"/>
+            <ac:picMk id="5" creationId="{6CFD5AAD-9A75-4D42-970A-CE3A1812984F}"/>
+          </ac:picMkLst>
+        </pc:picChg>
+        <pc:picChg chg="del">
+          <ac:chgData name="Li Lixiang" userId="6104bbfcb56aea79" providerId="LiveId" clId="{6CC3D90D-8118-4F8B-A993-017911A0DDAA}" dt="2022-01-07T12:44:16.759" v="4967" actId="478"/>
+          <ac:picMkLst>
+            <pc:docMk/>
+            <pc:sldMk cId="3186048236" sldId="321"/>
+            <ac:picMk id="7" creationId="{F22B65F9-DCCC-473E-97C5-B5BACD5D1559}"/>
+          </ac:picMkLst>
+        </pc:picChg>
+        <pc:picChg chg="add mod">
+          <ac:chgData name="Li Lixiang" userId="6104bbfcb56aea79" providerId="LiveId" clId="{6CC3D90D-8118-4F8B-A993-017911A0DDAA}" dt="2022-01-07T12:47:52.480" v="5015" actId="1076"/>
+          <ac:picMkLst>
+            <pc:docMk/>
+            <pc:sldMk cId="3186048236" sldId="321"/>
+            <ac:picMk id="10" creationId="{5BD4B0CB-0A57-4F9D-86FE-B290A11A0077}"/>
           </ac:picMkLst>
         </pc:picChg>
       </pc:sldChg>
@@ -6674,7 +6746,7 @@
             <a:fld id="{A5B0A250-5CC0-1746-B209-08E8B0DAE6AF}" type="datetimeFigureOut">
               <a:rPr lang="en-US" smtClean="0"/>
               <a:pPr algn="l"/>
-              <a:t>12/23/2021</a:t>
+              <a:t>1/7/2022</a:t>
             </a:fld>
             <a:endParaRPr lang="en-US" dirty="0"/>
           </a:p>
@@ -6853,7 +6925,7 @@
           <a:p>
             <a:fld id="{A5B0A250-5CC0-1746-B209-08E8B0DAE6AF}" type="datetimeFigureOut">
               <a:rPr lang="en-US" smtClean="0"/>
-              <a:t>12/23/2021</a:t>
+              <a:t>1/7/2022</a:t>
             </a:fld>
             <a:endParaRPr lang="en-US" dirty="0"/>
           </a:p>
@@ -7033,7 +7105,7 @@
           <a:p>
             <a:fld id="{A5B0A250-5CC0-1746-B209-08E8B0DAE6AF}" type="datetimeFigureOut">
               <a:rPr lang="en-US" smtClean="0"/>
-              <a:t>12/23/2021</a:t>
+              <a:t>1/7/2022</a:t>
             </a:fld>
             <a:endParaRPr lang="en-US"/>
           </a:p>
@@ -7203,7 +7275,7 @@
           <a:p>
             <a:fld id="{A5B0A250-5CC0-1746-B209-08E8B0DAE6AF}" type="datetimeFigureOut">
               <a:rPr lang="en-US" smtClean="0"/>
-              <a:t>12/23/2021</a:t>
+              <a:t>1/7/2022</a:t>
             </a:fld>
             <a:endParaRPr lang="en-US" dirty="0"/>
           </a:p>
@@ -7516,7 +7588,7 @@
           <a:p>
             <a:fld id="{A5B0A250-5CC0-1746-B209-08E8B0DAE6AF}" type="datetimeFigureOut">
               <a:rPr lang="en-US" smtClean="0"/>
-              <a:t>12/23/2021</a:t>
+              <a:t>1/7/2022</a:t>
             </a:fld>
             <a:endParaRPr lang="en-US" dirty="0"/>
           </a:p>
@@ -7902,7 +7974,7 @@
           <a:p>
             <a:fld id="{A5B0A250-5CC0-1746-B209-08E8B0DAE6AF}" type="datetimeFigureOut">
               <a:rPr lang="en-US" smtClean="0"/>
-              <a:t>12/23/2021</a:t>
+              <a:t>1/7/2022</a:t>
             </a:fld>
             <a:endParaRPr lang="en-US" dirty="0"/>
           </a:p>
@@ -8336,7 +8408,7 @@
           <a:p>
             <a:fld id="{A5B0A250-5CC0-1746-B209-08E8B0DAE6AF}" type="datetimeFigureOut">
               <a:rPr lang="en-US" smtClean="0"/>
-              <a:t>12/23/2021</a:t>
+              <a:t>1/7/2022</a:t>
             </a:fld>
             <a:endParaRPr lang="en-US" dirty="0"/>
           </a:p>
@@ -8454,7 +8526,7 @@
           <a:p>
             <a:fld id="{A5B0A250-5CC0-1746-B209-08E8B0DAE6AF}" type="datetimeFigureOut">
               <a:rPr lang="en-US" smtClean="0"/>
-              <a:t>12/23/2021</a:t>
+              <a:t>1/7/2022</a:t>
             </a:fld>
             <a:endParaRPr lang="en-US" dirty="0"/>
           </a:p>
@@ -8550,7 +8622,7 @@
             <a:fld id="{A5B0A250-5CC0-1746-B209-08E8B0DAE6AF}" type="datetimeFigureOut">
               <a:rPr lang="en-US" smtClean="0"/>
               <a:pPr/>
-              <a:t>12/23/2021</a:t>
+              <a:t>1/7/2022</a:t>
             </a:fld>
             <a:endParaRPr lang="en-US" dirty="0"/>
           </a:p>
@@ -8901,7 +8973,7 @@
           <a:p>
             <a:fld id="{A5B0A250-5CC0-1746-B209-08E8B0DAE6AF}" type="datetimeFigureOut">
               <a:rPr lang="en-US" smtClean="0"/>
-              <a:t>12/23/2021</a:t>
+              <a:t>1/7/2022</a:t>
             </a:fld>
             <a:endParaRPr lang="en-US" dirty="0"/>
           </a:p>
@@ -9326,7 +9398,7 @@
           <a:p>
             <a:fld id="{A5B0A250-5CC0-1746-B209-08E8B0DAE6AF}" type="datetimeFigureOut">
               <a:rPr lang="en-US" smtClean="0"/>
-              <a:t>12/23/2021</a:t>
+              <a:t>1/7/2022</a:t>
             </a:fld>
             <a:endParaRPr lang="en-US" dirty="0"/>
           </a:p>
@@ -9608,7 +9680,7 @@
             <a:fld id="{A5B0A250-5CC0-1746-B209-08E8B0DAE6AF}" type="datetimeFigureOut">
               <a:rPr lang="en-US" smtClean="0"/>
               <a:pPr/>
-              <a:t>12/23/2021</a:t>
+              <a:t>1/7/2022</a:t>
             </a:fld>
             <a:endParaRPr lang="en-US" dirty="0"/>
           </a:p>
@@ -11911,7 +11983,7 @@
         </p:nvSpPr>
         <p:spPr>
           <a:xfrm>
-            <a:off x="1069848" y="2121408"/>
+            <a:off x="1069848" y="2045208"/>
             <a:ext cx="10058400" cy="1855788"/>
           </a:xfrm>
         </p:spPr>
@@ -11928,6 +12000,12 @@
             <a:r>
               <a:rPr lang="en-US" dirty="0"/>
               <a:t>Do in the edit and delete view, we need to check user, only same user then it is allowed.</a:t>
+            </a:r>
+          </a:p>
+          <a:p>
+            <a:r>
+              <a:rPr lang="en-US" dirty="0"/>
+              <a:t>We can do this check in the get() function, which deals all the get request process.</a:t>
             </a:r>
             <a:endParaRPr lang="en-MY" dirty="0"/>
           </a:p>
@@ -11955,7 +12033,7 @@
         </p:blipFill>
         <p:spPr>
           <a:xfrm>
-            <a:off x="1946393" y="4755499"/>
+            <a:off x="1946393" y="4460224"/>
             <a:ext cx="7802064" cy="933580"/>
           </a:xfrm>
           <a:prstGeom prst="rect">
@@ -11984,7 +12062,7 @@
         </p:blipFill>
         <p:spPr>
           <a:xfrm>
-            <a:off x="1946393" y="4344675"/>
+            <a:off x="1946393" y="4049400"/>
             <a:ext cx="4706007" cy="256409"/>
           </a:xfrm>
           <a:prstGeom prst="rect">
@@ -12006,6 +12084,410 @@
 </file>
 
 <file path=ppt/slides/slide13.xml><?xml version="1.0" encoding="utf-8"?>
+<p:sld xmlns:a="http://schemas.openxmlformats.org/drawingml/2006/main" xmlns:r="http://schemas.openxmlformats.org/officeDocument/2006/relationships" xmlns:p="http://schemas.openxmlformats.org/presentationml/2006/main">
+  <p:cSld>
+    <p:spTree>
+      <p:nvGrpSpPr>
+        <p:cNvPr id="1" name=""/>
+        <p:cNvGrpSpPr/>
+        <p:nvPr/>
+      </p:nvGrpSpPr>
+      <p:grpSpPr>
+        <a:xfrm>
+          <a:off x="0" y="0"/>
+          <a:ext cx="0" cy="0"/>
+          <a:chOff x="0" y="0"/>
+          <a:chExt cx="0" cy="0"/>
+        </a:xfrm>
+      </p:grpSpPr>
+      <p:sp>
+        <p:nvSpPr>
+          <p:cNvPr id="2" name="Title 1">
+            <a:extLst>
+              <a:ext uri="{FF2B5EF4-FFF2-40B4-BE49-F238E27FC236}">
+                <a16:creationId xmlns:a16="http://schemas.microsoft.com/office/drawing/2014/main" id="{657FB61E-6B36-48A4-912E-355141BD8C58}"/>
+              </a:ext>
+            </a:extLst>
+          </p:cNvPr>
+          <p:cNvSpPr>
+            <a:spLocks noGrp="1"/>
+          </p:cNvSpPr>
+          <p:nvPr>
+            <p:ph type="title"/>
+          </p:nvPr>
+        </p:nvSpPr>
+        <p:spPr/>
+        <p:txBody>
+          <a:bodyPr/>
+          <a:lstStyle/>
+          <a:p>
+            <a:r>
+              <a:rPr lang="en-US" dirty="0"/>
+              <a:t>New problem of authorization</a:t>
+            </a:r>
+            <a:endParaRPr lang="en-MY" dirty="0"/>
+          </a:p>
+        </p:txBody>
+      </p:sp>
+      <p:sp>
+        <p:nvSpPr>
+          <p:cNvPr id="6" name="Content Placeholder 2">
+            <a:extLst>
+              <a:ext uri="{FF2B5EF4-FFF2-40B4-BE49-F238E27FC236}">
+                <a16:creationId xmlns:a16="http://schemas.microsoft.com/office/drawing/2014/main" id="{73641858-7D17-49F8-87F6-56381AF9C15B}"/>
+              </a:ext>
+            </a:extLst>
+          </p:cNvPr>
+          <p:cNvSpPr txBox="1">
+            <a:spLocks/>
+          </p:cNvSpPr>
+          <p:nvPr/>
+        </p:nvSpPr>
+        <p:spPr>
+          <a:xfrm>
+            <a:off x="1069848" y="2026158"/>
+            <a:ext cx="10058400" cy="1810003"/>
+          </a:xfrm>
+          <a:prstGeom prst="rect">
+            <a:avLst/>
+          </a:prstGeom>
+        </p:spPr>
+        <p:txBody>
+          <a:bodyPr vert="horz" lIns="91440" tIns="45720" rIns="91440" bIns="45720" rtlCol="0">
+            <a:normAutofit/>
+          </a:bodyPr>
+          <a:lstStyle>
+            <a:lvl1pPr marL="182880" indent="-182880" algn="l" defTabSz="914400" rtl="0" eaLnBrk="1" latinLnBrk="0" hangingPunct="1">
+              <a:lnSpc>
+                <a:spcPct val="90000"/>
+              </a:lnSpc>
+              <a:spcBef>
+                <a:spcPts val="1200"/>
+              </a:spcBef>
+              <a:buClr>
+                <a:schemeClr val="accent1">
+                  <a:lumMod val="75000"/>
+                </a:schemeClr>
+              </a:buClr>
+              <a:buSzPct val="85000"/>
+              <a:buFont typeface="Wingdings" pitchFamily="2" charset="2"/>
+              <a:buChar char="§"/>
+              <a:defRPr sz="2000" kern="1200">
+                <a:solidFill>
+                  <a:schemeClr val="tx1"/>
+                </a:solidFill>
+                <a:latin typeface="+mn-lt"/>
+                <a:ea typeface="+mn-ea"/>
+                <a:cs typeface="+mn-cs"/>
+              </a:defRPr>
+            </a:lvl1pPr>
+            <a:lvl2pPr marL="457200" indent="-182880" algn="l" defTabSz="914400" rtl="0" eaLnBrk="1" latinLnBrk="0" hangingPunct="1">
+              <a:lnSpc>
+                <a:spcPct val="90000"/>
+              </a:lnSpc>
+              <a:spcBef>
+                <a:spcPts val="400"/>
+              </a:spcBef>
+              <a:spcAft>
+                <a:spcPts val="200"/>
+              </a:spcAft>
+              <a:buClr>
+                <a:schemeClr val="accent1">
+                  <a:lumMod val="75000"/>
+                </a:schemeClr>
+              </a:buClr>
+              <a:buSzPct val="85000"/>
+              <a:buFont typeface="Wingdings" pitchFamily="2" charset="2"/>
+              <a:buChar char="§"/>
+              <a:defRPr sz="1800" kern="1200">
+                <a:solidFill>
+                  <a:schemeClr val="tx1"/>
+                </a:solidFill>
+                <a:latin typeface="+mn-lt"/>
+                <a:ea typeface="+mn-ea"/>
+                <a:cs typeface="+mn-cs"/>
+              </a:defRPr>
+            </a:lvl2pPr>
+            <a:lvl3pPr marL="731520" indent="-182880" algn="l" defTabSz="914400" rtl="0" eaLnBrk="1" latinLnBrk="0" hangingPunct="1">
+              <a:lnSpc>
+                <a:spcPct val="90000"/>
+              </a:lnSpc>
+              <a:spcBef>
+                <a:spcPts val="400"/>
+              </a:spcBef>
+              <a:spcAft>
+                <a:spcPts val="200"/>
+              </a:spcAft>
+              <a:buClr>
+                <a:schemeClr val="accent1">
+                  <a:lumMod val="75000"/>
+                </a:schemeClr>
+              </a:buClr>
+              <a:buSzPct val="85000"/>
+              <a:buFont typeface="Wingdings" pitchFamily="2" charset="2"/>
+              <a:buChar char="§"/>
+              <a:defRPr sz="1600" kern="1200">
+                <a:solidFill>
+                  <a:schemeClr val="tx1"/>
+                </a:solidFill>
+                <a:latin typeface="+mn-lt"/>
+                <a:ea typeface="+mn-ea"/>
+                <a:cs typeface="+mn-cs"/>
+              </a:defRPr>
+            </a:lvl3pPr>
+            <a:lvl4pPr marL="1005840" indent="-182880" algn="l" defTabSz="914400" rtl="0" eaLnBrk="1" latinLnBrk="0" hangingPunct="1">
+              <a:lnSpc>
+                <a:spcPct val="90000"/>
+              </a:lnSpc>
+              <a:spcBef>
+                <a:spcPts val="400"/>
+              </a:spcBef>
+              <a:spcAft>
+                <a:spcPts val="200"/>
+              </a:spcAft>
+              <a:buClr>
+                <a:schemeClr val="accent1">
+                  <a:lumMod val="75000"/>
+                </a:schemeClr>
+              </a:buClr>
+              <a:buSzPct val="85000"/>
+              <a:buFont typeface="Wingdings" pitchFamily="2" charset="2"/>
+              <a:buChar char="§"/>
+              <a:defRPr sz="1600" kern="1200">
+                <a:solidFill>
+                  <a:schemeClr val="tx1"/>
+                </a:solidFill>
+                <a:latin typeface="+mn-lt"/>
+                <a:ea typeface="+mn-ea"/>
+                <a:cs typeface="+mn-cs"/>
+              </a:defRPr>
+            </a:lvl4pPr>
+            <a:lvl5pPr marL="1280160" indent="-182880" algn="l" defTabSz="914400" rtl="0" eaLnBrk="1" latinLnBrk="0" hangingPunct="1">
+              <a:lnSpc>
+                <a:spcPct val="90000"/>
+              </a:lnSpc>
+              <a:spcBef>
+                <a:spcPts val="400"/>
+              </a:spcBef>
+              <a:spcAft>
+                <a:spcPts val="200"/>
+              </a:spcAft>
+              <a:buClr>
+                <a:schemeClr val="accent1">
+                  <a:lumMod val="75000"/>
+                </a:schemeClr>
+              </a:buClr>
+              <a:buSzPct val="85000"/>
+              <a:buFont typeface="Wingdings" pitchFamily="2" charset="2"/>
+              <a:buChar char="§"/>
+              <a:defRPr sz="1600" kern="1200">
+                <a:solidFill>
+                  <a:schemeClr val="tx1"/>
+                </a:solidFill>
+                <a:latin typeface="+mn-lt"/>
+                <a:ea typeface="+mn-ea"/>
+                <a:cs typeface="+mn-cs"/>
+              </a:defRPr>
+            </a:lvl5pPr>
+            <a:lvl6pPr marL="1600000" indent="-228600" algn="l" defTabSz="914400" rtl="0" eaLnBrk="1" latinLnBrk="0" hangingPunct="1">
+              <a:lnSpc>
+                <a:spcPct val="90000"/>
+              </a:lnSpc>
+              <a:spcBef>
+                <a:spcPts val="400"/>
+              </a:spcBef>
+              <a:spcAft>
+                <a:spcPts val="200"/>
+              </a:spcAft>
+              <a:buClr>
+                <a:schemeClr val="accent1">
+                  <a:lumMod val="75000"/>
+                </a:schemeClr>
+              </a:buClr>
+              <a:buSzPct val="85000"/>
+              <a:buFont typeface="Wingdings" pitchFamily="2" charset="2"/>
+              <a:buChar char="§"/>
+              <a:defRPr sz="1600" kern="1200">
+                <a:solidFill>
+                  <a:schemeClr val="tx1"/>
+                </a:solidFill>
+                <a:latin typeface="+mn-lt"/>
+                <a:ea typeface="+mn-ea"/>
+                <a:cs typeface="+mn-cs"/>
+              </a:defRPr>
+            </a:lvl6pPr>
+            <a:lvl7pPr marL="1900000" indent="-228600" algn="l" defTabSz="914400" rtl="0" eaLnBrk="1" latinLnBrk="0" hangingPunct="1">
+              <a:lnSpc>
+                <a:spcPct val="90000"/>
+              </a:lnSpc>
+              <a:spcBef>
+                <a:spcPts val="400"/>
+              </a:spcBef>
+              <a:spcAft>
+                <a:spcPts val="200"/>
+              </a:spcAft>
+              <a:buClr>
+                <a:schemeClr val="accent1">
+                  <a:lumMod val="75000"/>
+                </a:schemeClr>
+              </a:buClr>
+              <a:buSzPct val="85000"/>
+              <a:buFont typeface="Wingdings" pitchFamily="2" charset="2"/>
+              <a:buChar char="§"/>
+              <a:defRPr sz="1600" kern="1200">
+                <a:solidFill>
+                  <a:schemeClr val="tx1"/>
+                </a:solidFill>
+                <a:latin typeface="+mn-lt"/>
+                <a:ea typeface="+mn-ea"/>
+                <a:cs typeface="+mn-cs"/>
+              </a:defRPr>
+            </a:lvl7pPr>
+            <a:lvl8pPr marL="2200000" indent="-228600" algn="l" defTabSz="914400" rtl="0" eaLnBrk="1" latinLnBrk="0" hangingPunct="1">
+              <a:lnSpc>
+                <a:spcPct val="90000"/>
+              </a:lnSpc>
+              <a:spcBef>
+                <a:spcPts val="400"/>
+              </a:spcBef>
+              <a:spcAft>
+                <a:spcPts val="200"/>
+              </a:spcAft>
+              <a:buClr>
+                <a:schemeClr val="accent1">
+                  <a:lumMod val="75000"/>
+                </a:schemeClr>
+              </a:buClr>
+              <a:buSzPct val="85000"/>
+              <a:buFont typeface="Wingdings" pitchFamily="2" charset="2"/>
+              <a:buChar char="§"/>
+              <a:defRPr sz="1600" kern="1200">
+                <a:solidFill>
+                  <a:schemeClr val="tx1"/>
+                </a:solidFill>
+                <a:latin typeface="+mn-lt"/>
+                <a:ea typeface="+mn-ea"/>
+                <a:cs typeface="+mn-cs"/>
+              </a:defRPr>
+            </a:lvl8pPr>
+            <a:lvl9pPr marL="2500000" indent="-228600" algn="l" defTabSz="914400" rtl="0" eaLnBrk="1" latinLnBrk="0" hangingPunct="1">
+              <a:lnSpc>
+                <a:spcPct val="90000"/>
+              </a:lnSpc>
+              <a:spcBef>
+                <a:spcPts val="400"/>
+              </a:spcBef>
+              <a:spcAft>
+                <a:spcPts val="200"/>
+              </a:spcAft>
+              <a:buClr>
+                <a:schemeClr val="accent1">
+                  <a:lumMod val="75000"/>
+                </a:schemeClr>
+              </a:buClr>
+              <a:buSzPct val="85000"/>
+              <a:buFont typeface="Wingdings" pitchFamily="2" charset="2"/>
+              <a:buChar char="§"/>
+              <a:defRPr sz="1600" kern="1200">
+                <a:solidFill>
+                  <a:schemeClr val="tx1"/>
+                </a:solidFill>
+                <a:latin typeface="+mn-lt"/>
+                <a:ea typeface="+mn-ea"/>
+                <a:cs typeface="+mn-cs"/>
+              </a:defRPr>
+            </a:lvl9pPr>
+          </a:lstStyle>
+          <a:p>
+            <a:r>
+              <a:rPr lang="en-US" dirty="0"/>
+              <a:t>A better place to do this is to inherit </a:t>
+            </a:r>
+            <a:r>
+              <a:rPr lang="en-US" dirty="0" err="1"/>
+              <a:t>UserPassesTestMixin</a:t>
+            </a:r>
+            <a:r>
+              <a:rPr lang="en-US" dirty="0"/>
+              <a:t>.</a:t>
+            </a:r>
+          </a:p>
+          <a:p>
+            <a:r>
+              <a:rPr lang="en-US" dirty="0"/>
+              <a:t>Add it for both update view and delete view.</a:t>
+            </a:r>
+          </a:p>
+          <a:p>
+            <a:r>
+              <a:rPr lang="en-US" dirty="0"/>
+              <a:t>So now we have 2 </a:t>
+            </a:r>
+            <a:r>
+              <a:rPr lang="en-US" dirty="0" err="1"/>
+              <a:t>mixin</a:t>
+            </a:r>
+            <a:r>
+              <a:rPr lang="en-US" dirty="0"/>
+              <a:t>, they can work together perfectly.</a:t>
+            </a:r>
+          </a:p>
+          <a:p>
+            <a:r>
+              <a:rPr lang="en-MY"/>
+              <a:t>Multi inheritance order </a:t>
+            </a:r>
+            <a:r>
+              <a:rPr lang="en-MY" dirty="0"/>
+              <a:t>from left to right is important, as it relates to MRO</a:t>
+            </a:r>
+          </a:p>
+        </p:txBody>
+      </p:sp>
+      <p:pic>
+        <p:nvPicPr>
+          <p:cNvPr id="10" name="Picture 9">
+            <a:extLst>
+              <a:ext uri="{FF2B5EF4-FFF2-40B4-BE49-F238E27FC236}">
+                <a16:creationId xmlns:a16="http://schemas.microsoft.com/office/drawing/2014/main" id="{5BD4B0CB-0A57-4F9D-86FE-B290A11A0077}"/>
+              </a:ext>
+            </a:extLst>
+          </p:cNvPr>
+          <p:cNvPicPr>
+            <a:picLocks noChangeAspect="1"/>
+          </p:cNvPicPr>
+          <p:nvPr/>
+        </p:nvPicPr>
+        <p:blipFill>
+          <a:blip r:embed="rId2"/>
+          <a:stretch>
+            <a:fillRect/>
+          </a:stretch>
+        </p:blipFill>
+        <p:spPr>
+          <a:xfrm>
+            <a:off x="1999693" y="4076573"/>
+            <a:ext cx="7983064" cy="1810003"/>
+          </a:xfrm>
+          <a:prstGeom prst="rect">
+            <a:avLst/>
+          </a:prstGeom>
+        </p:spPr>
+      </p:pic>
+    </p:spTree>
+    <p:extLst>
+      <p:ext uri="{BB962C8B-B14F-4D97-AF65-F5344CB8AC3E}">
+        <p14:creationId xmlns:p14="http://schemas.microsoft.com/office/powerpoint/2010/main" val="3186048236"/>
+      </p:ext>
+    </p:extLst>
+  </p:cSld>
+  <p:clrMapOvr>
+    <a:masterClrMapping/>
+  </p:clrMapOvr>
+</p:sld>
+</file>
+
+<file path=ppt/slides/slide14.xml><?xml version="1.0" encoding="utf-8"?>
 <p:sld xmlns:a="http://schemas.openxmlformats.org/drawingml/2006/main" xmlns:r="http://schemas.openxmlformats.org/officeDocument/2006/relationships" xmlns:p="http://schemas.openxmlformats.org/presentationml/2006/main">
   <p:cSld>
     <p:spTree>
@@ -14351,7 +14833,7 @@
         </p:blipFill>
         <p:spPr>
           <a:xfrm>
-            <a:off x="3048166" y="2971272"/>
+            <a:off x="2886241" y="3278699"/>
             <a:ext cx="4906060" cy="276264"/>
           </a:xfrm>
           <a:prstGeom prst="rect">
@@ -14381,7 +14863,7 @@
         </p:blipFill>
         <p:spPr>
           <a:xfrm>
-            <a:off x="3048166" y="3372307"/>
+            <a:off x="2886241" y="3679734"/>
             <a:ext cx="5106113" cy="238158"/>
           </a:xfrm>
           <a:prstGeom prst="rect">
@@ -14411,7 +14893,7 @@
         </p:blipFill>
         <p:spPr>
           <a:xfrm>
-            <a:off x="3048165" y="3735236"/>
+            <a:off x="2886240" y="4042663"/>
             <a:ext cx="5106113" cy="238158"/>
           </a:xfrm>
           <a:prstGeom prst="rect">
@@ -14821,6 +15303,36 @@
           </a:fontRef>
         </p:style>
       </p:cxnSp>
+      <p:pic>
+        <p:nvPicPr>
+          <p:cNvPr id="8" name="Picture 7">
+            <a:extLst>
+              <a:ext uri="{FF2B5EF4-FFF2-40B4-BE49-F238E27FC236}">
+                <a16:creationId xmlns:a16="http://schemas.microsoft.com/office/drawing/2014/main" id="{473CAFD4-15B2-4438-BC8E-CB6086F74D5C}"/>
+              </a:ext>
+            </a:extLst>
+          </p:cNvPr>
+          <p:cNvPicPr>
+            <a:picLocks noChangeAspect="1"/>
+          </p:cNvPicPr>
+          <p:nvPr/>
+        </p:nvPicPr>
+        <p:blipFill>
+          <a:blip r:embed="rId6"/>
+          <a:stretch>
+            <a:fillRect/>
+          </a:stretch>
+        </p:blipFill>
+        <p:spPr>
+          <a:xfrm>
+            <a:off x="2890412" y="2868539"/>
+            <a:ext cx="6087325" cy="285790"/>
+          </a:xfrm>
+          <a:prstGeom prst="rect">
+            <a:avLst/>
+          </a:prstGeom>
+        </p:spPr>
+      </p:pic>
     </p:spTree>
     <p:extLst>
       <p:ext uri="{BB962C8B-B14F-4D97-AF65-F5344CB8AC3E}">
